--- a/2016/appium_web_presentation/appium_workshop.pptx
+++ b/2016/appium_web_presentation/appium_workshop.pptx
@@ -5,17 +5,20 @@
     <p:sldMasterId id="2147483660" r:id="rId1"/>
   </p:sldMasterIdLst>
   <p:notesMasterIdLst>
-    <p:notesMasterId r:id="rId10"/>
+    <p:notesMasterId r:id="rId13"/>
   </p:notesMasterIdLst>
   <p:sldIdLst>
-    <p:sldId id="276" r:id="rId2"/>
-    <p:sldId id="290" r:id="rId3"/>
-    <p:sldId id="287" r:id="rId4"/>
-    <p:sldId id="288" r:id="rId5"/>
-    <p:sldId id="289" r:id="rId6"/>
-    <p:sldId id="291" r:id="rId7"/>
-    <p:sldId id="292" r:id="rId8"/>
-    <p:sldId id="293" r:id="rId9"/>
+    <p:sldId id="299" r:id="rId2"/>
+    <p:sldId id="295" r:id="rId3"/>
+    <p:sldId id="290" r:id="rId4"/>
+    <p:sldId id="287" r:id="rId5"/>
+    <p:sldId id="288" r:id="rId6"/>
+    <p:sldId id="289" r:id="rId7"/>
+    <p:sldId id="296" r:id="rId8"/>
+    <p:sldId id="292" r:id="rId9"/>
+    <p:sldId id="293" r:id="rId10"/>
+    <p:sldId id="297" r:id="rId11"/>
+    <p:sldId id="298" r:id="rId12"/>
   </p:sldIdLst>
   <p:sldSz cx="9144000" cy="6858000" type="screen4x3"/>
   <p:notesSz cx="6858000" cy="9144000"/>
@@ -119,14 +122,17 @@
       <p14:sectionLst xmlns:p14="http://schemas.microsoft.com/office/powerpoint/2010/main">
         <p14:section name="Default Section" id="{53D6088E-62D9-4D7D-BB2B-D525C9AE068F}">
           <p14:sldIdLst>
-            <p14:sldId id="276"/>
+            <p14:sldId id="299"/>
+            <p14:sldId id="295"/>
             <p14:sldId id="290"/>
             <p14:sldId id="287"/>
             <p14:sldId id="288"/>
             <p14:sldId id="289"/>
-            <p14:sldId id="291"/>
+            <p14:sldId id="296"/>
             <p14:sldId id="292"/>
             <p14:sldId id="293"/>
+            <p14:sldId id="297"/>
+            <p14:sldId id="298"/>
           </p14:sldIdLst>
         </p14:section>
       </p14:sectionLst>
@@ -231,7 +237,7 @@
           <a:p>
             <a:fld id="{9C806DFE-78BC-49FF-BE1A-9BBF325A3536}" type="datetimeFigureOut">
               <a:rPr lang="en-US" smtClean="0"/>
-              <a:t>12/4/2015</a:t>
+              <a:t>1/19/2016</a:t>
             </a:fld>
             <a:endParaRPr lang="en-US"/>
           </a:p>
@@ -4824,6 +4830,434 @@
 </p:sldLayout>
 </file>
 
+<file path=ppt/slideLayouts/slideLayout7.xml><?xml version="1.0" encoding="utf-8"?>
+<p:sldLayout xmlns:a="http://schemas.openxmlformats.org/drawingml/2006/main" xmlns:r="http://schemas.openxmlformats.org/officeDocument/2006/relationships" xmlns:p="http://schemas.openxmlformats.org/presentationml/2006/main">
+  <p:cSld name="1_Presentation Title Slide">
+    <p:spTree>
+      <p:nvGrpSpPr>
+        <p:cNvPr id="1" name=""/>
+        <p:cNvGrpSpPr/>
+        <p:nvPr/>
+      </p:nvGrpSpPr>
+      <p:grpSpPr>
+        <a:xfrm>
+          <a:off x="0" y="0"/>
+          <a:ext cx="0" cy="0"/>
+          <a:chOff x="0" y="0"/>
+          <a:chExt cx="0" cy="0"/>
+        </a:xfrm>
+      </p:grpSpPr>
+      <p:sp>
+        <p:nvSpPr>
+          <p:cNvPr id="6" name="Title 8"/>
+          <p:cNvSpPr>
+            <a:spLocks noGrp="1"/>
+          </p:cNvSpPr>
+          <p:nvPr>
+            <p:ph type="ctrTitle" hasCustomPrompt="1"/>
+          </p:nvPr>
+        </p:nvSpPr>
+        <p:spPr>
+          <a:xfrm>
+            <a:off x="457200" y="1524000"/>
+            <a:ext cx="8229600" cy="1524000"/>
+          </a:xfrm>
+          <a:prstGeom prst="rect">
+            <a:avLst/>
+          </a:prstGeom>
+        </p:spPr>
+        <p:txBody>
+          <a:bodyPr tIns="0" bIns="0" anchor="b" anchorCtr="0"/>
+          <a:lstStyle>
+            <a:lvl1pPr algn="r">
+              <a:lnSpc>
+                <a:spcPts val="5400"/>
+              </a:lnSpc>
+              <a:defRPr sz="5400" cap="none" baseline="0">
+                <a:solidFill>
+                  <a:srgbClr val="D4FF5B"/>
+                </a:solidFill>
+                <a:effectLst>
+                  <a:outerShdw blurRad="30000" dist="30000" dir="2700000" algn="tl" rotWithShape="0">
+                    <a:schemeClr val="bg2">
+                      <a:shade val="45000"/>
+                      <a:satMod val="150000"/>
+                      <a:alpha val="90000"/>
+                    </a:schemeClr>
+                  </a:outerShdw>
+                  <a:reflection blurRad="12000" stA="20000" endPos="50000" dist="12700" dir="5400000" sy="-100000" algn="bl" rotWithShape="0"/>
+                </a:effectLst>
+              </a:defRPr>
+            </a:lvl1pPr>
+          </a:lstStyle>
+          <a:p>
+            <a:r>
+              <a:rPr lang="en-US" dirty="0" smtClean="0"/>
+              <a:t>Presentation Title</a:t>
+            </a:r>
+            <a:endParaRPr lang="en-US" dirty="0"/>
+          </a:p>
+        </p:txBody>
+      </p:sp>
+      <p:sp>
+        <p:nvSpPr>
+          <p:cNvPr id="7" name="Subtitle 16"/>
+          <p:cNvSpPr>
+            <a:spLocks noGrp="1"/>
+          </p:cNvSpPr>
+          <p:nvPr>
+            <p:ph type="subTitle" idx="1" hasCustomPrompt="1"/>
+          </p:nvPr>
+        </p:nvSpPr>
+        <p:spPr>
+          <a:xfrm>
+            <a:off x="457200" y="3240880"/>
+            <a:ext cx="8229600" cy="569120"/>
+          </a:xfrm>
+          <a:prstGeom prst="rect">
+            <a:avLst/>
+          </a:prstGeom>
+        </p:spPr>
+        <p:txBody>
+          <a:bodyPr lIns="90000" tIns="0" rIns="90000" bIns="0" anchor="ctr" anchorCtr="0"/>
+          <a:lstStyle>
+            <a:lvl1pPr marL="0" indent="0" algn="r">
+              <a:buNone/>
+              <a:defRPr sz="2800">
+                <a:solidFill>
+                  <a:srgbClr val="FAF8C8"/>
+                </a:solidFill>
+              </a:defRPr>
+            </a:lvl1pPr>
+            <a:lvl2pPr marL="457200" indent="0" algn="ctr">
+              <a:buNone/>
+            </a:lvl2pPr>
+            <a:lvl3pPr marL="914400" indent="0" algn="ctr">
+              <a:buNone/>
+            </a:lvl3pPr>
+            <a:lvl4pPr marL="1371600" indent="0" algn="ctr">
+              <a:buNone/>
+            </a:lvl4pPr>
+            <a:lvl5pPr marL="1828800" indent="0" algn="ctr">
+              <a:buNone/>
+            </a:lvl5pPr>
+            <a:lvl6pPr marL="2286000" indent="0" algn="ctr">
+              <a:buNone/>
+            </a:lvl6pPr>
+            <a:lvl7pPr marL="2743200" indent="0" algn="ctr">
+              <a:buNone/>
+            </a:lvl7pPr>
+            <a:lvl8pPr marL="3200400" indent="0" algn="ctr">
+              <a:buNone/>
+            </a:lvl8pPr>
+            <a:lvl9pPr marL="3657600" indent="0" algn="ctr">
+              <a:buNone/>
+            </a:lvl9pPr>
+          </a:lstStyle>
+          <a:p>
+            <a:r>
+              <a:rPr lang="en-US" dirty="0" smtClean="0"/>
+              <a:t>Presentation Subtitle</a:t>
+            </a:r>
+            <a:endParaRPr lang="en-US" dirty="0"/>
+          </a:p>
+        </p:txBody>
+      </p:sp>
+      <p:sp>
+        <p:nvSpPr>
+          <p:cNvPr id="14" name="Text Placeholder 13"/>
+          <p:cNvSpPr>
+            <a:spLocks noGrp="1"/>
+          </p:cNvSpPr>
+          <p:nvPr>
+            <p:ph type="body" sz="quarter" idx="10" hasCustomPrompt="1"/>
+          </p:nvPr>
+        </p:nvSpPr>
+        <p:spPr>
+          <a:xfrm>
+            <a:off x="457200" y="5224046"/>
+            <a:ext cx="3352800" cy="533400"/>
+          </a:xfrm>
+          <a:prstGeom prst="rect">
+            <a:avLst/>
+          </a:prstGeom>
+          <a:noFill/>
+        </p:spPr>
+        <p:txBody>
+          <a:bodyPr wrap="square" rtlCol="0">
+            <a:spAutoFit/>
+          </a:bodyPr>
+          <a:lstStyle>
+            <a:lvl1pPr algn="l" rtl="0" fontAlgn="base">
+              <a:spcBef>
+                <a:spcPct val="0"/>
+              </a:spcBef>
+              <a:spcAft>
+                <a:spcPct val="0"/>
+              </a:spcAft>
+              <a:buNone/>
+              <a:defRPr lang="en-US" sz="2800" b="1" kern="1200" dirty="0" smtClean="0">
+                <a:solidFill>
+                  <a:srgbClr val="DEFF9B"/>
+                </a:solidFill>
+                <a:effectLst>
+                  <a:outerShdw blurRad="38100" dist="38100" dir="2700000" algn="tl">
+                    <a:srgbClr val="000000">
+                      <a:alpha val="43137"/>
+                    </a:srgbClr>
+                  </a:outerShdw>
+                </a:effectLst>
+                <a:latin typeface="Corbel" pitchFamily="34" charset="0"/>
+                <a:ea typeface="+mn-ea"/>
+                <a:cs typeface="+mn-cs"/>
+              </a:defRPr>
+            </a:lvl1pPr>
+          </a:lstStyle>
+          <a:p>
+            <a:pPr lvl="0"/>
+            <a:r>
+              <a:rPr lang="en-US" dirty="0" smtClean="0"/>
+              <a:t>Author Name</a:t>
+            </a:r>
+            <a:endParaRPr lang="en-US" dirty="0"/>
+          </a:p>
+        </p:txBody>
+      </p:sp>
+      <p:sp>
+        <p:nvSpPr>
+          <p:cNvPr id="15" name="Text Placeholder 13"/>
+          <p:cNvSpPr>
+            <a:spLocks noGrp="1"/>
+          </p:cNvSpPr>
+          <p:nvPr>
+            <p:ph type="body" sz="quarter" idx="11" hasCustomPrompt="1"/>
+          </p:nvPr>
+        </p:nvSpPr>
+        <p:spPr>
+          <a:xfrm>
+            <a:off x="457200" y="5757446"/>
+            <a:ext cx="2090957" cy="369332"/>
+          </a:xfrm>
+          <a:prstGeom prst="rect">
+            <a:avLst/>
+          </a:prstGeom>
+          <a:noFill/>
+        </p:spPr>
+        <p:txBody>
+          <a:bodyPr wrap="none" rtlCol="0">
+            <a:spAutoFit/>
+          </a:bodyPr>
+          <a:lstStyle>
+            <a:lvl1pPr algn="l" rtl="0" fontAlgn="base">
+              <a:spcBef>
+                <a:spcPct val="0"/>
+              </a:spcBef>
+              <a:spcAft>
+                <a:spcPct val="0"/>
+              </a:spcAft>
+              <a:buNone/>
+              <a:defRPr lang="en-US" sz="1800" b="1" kern="1200" dirty="0" smtClean="0">
+                <a:solidFill>
+                  <a:srgbClr val="0EFE58"/>
+                </a:solidFill>
+                <a:effectLst>
+                  <a:outerShdw blurRad="38100" dist="38100" dir="2700000" algn="tl">
+                    <a:srgbClr val="000000">
+                      <a:alpha val="43137"/>
+                    </a:srgbClr>
+                  </a:outerShdw>
+                </a:effectLst>
+                <a:latin typeface="Corbel" pitchFamily="34" charset="0"/>
+                <a:ea typeface="+mn-ea"/>
+                <a:cs typeface="+mn-cs"/>
+              </a:defRPr>
+            </a:lvl1pPr>
+          </a:lstStyle>
+          <a:p>
+            <a:pPr algn="l"/>
+            <a:r>
+              <a:rPr lang="en-US" sz="1800" b="1" dirty="0" smtClean="0">
+                <a:solidFill>
+                  <a:srgbClr val="0EFE58"/>
+                </a:solidFill>
+                <a:effectLst>
+                  <a:outerShdw blurRad="38100" dist="38100" dir="2700000" algn="tl">
+                    <a:srgbClr val="000000">
+                      <a:alpha val="43137"/>
+                    </a:srgbClr>
+                  </a:outerShdw>
+                </a:effectLst>
+              </a:rPr>
+              <a:t>Telerik Corporation</a:t>
+            </a:r>
+            <a:endParaRPr lang="en-US" sz="1800" b="1" dirty="0">
+              <a:solidFill>
+                <a:srgbClr val="0EFE58"/>
+              </a:solidFill>
+              <a:effectLst>
+                <a:outerShdw blurRad="38100" dist="38100" dir="2700000" algn="tl">
+                  <a:srgbClr val="000000">
+                    <a:alpha val="43137"/>
+                  </a:srgbClr>
+                </a:outerShdw>
+              </a:effectLst>
+            </a:endParaRPr>
+          </a:p>
+        </p:txBody>
+      </p:sp>
+      <p:sp>
+        <p:nvSpPr>
+          <p:cNvPr id="16" name="Text Placeholder 13"/>
+          <p:cNvSpPr>
+            <a:spLocks noGrp="1"/>
+          </p:cNvSpPr>
+          <p:nvPr>
+            <p:ph type="body" sz="quarter" idx="12" hasCustomPrompt="1"/>
+          </p:nvPr>
+        </p:nvSpPr>
+        <p:spPr>
+          <a:xfrm>
+            <a:off x="457200" y="6062246"/>
+            <a:ext cx="1707903" cy="338554"/>
+          </a:xfrm>
+          <a:prstGeom prst="rect">
+            <a:avLst/>
+          </a:prstGeom>
+          <a:noFill/>
+        </p:spPr>
+        <p:txBody>
+          <a:bodyPr wrap="square" rtlCol="0">
+            <a:spAutoFit/>
+          </a:bodyPr>
+          <a:lstStyle>
+            <a:lvl1pPr algn="l" rtl="0" fontAlgn="base">
+              <a:spcBef>
+                <a:spcPct val="0"/>
+              </a:spcBef>
+              <a:spcAft>
+                <a:spcPct val="0"/>
+              </a:spcAft>
+              <a:buNone/>
+              <a:defRPr lang="en-US" sz="1600" b="1" kern="1200" dirty="0" smtClean="0">
+                <a:solidFill>
+                  <a:srgbClr val="0EFE58"/>
+                </a:solidFill>
+                <a:effectLst>
+                  <a:outerShdw blurRad="38100" dist="38100" dir="2700000" algn="tl">
+                    <a:srgbClr val="000000">
+                      <a:alpha val="43137"/>
+                    </a:srgbClr>
+                  </a:outerShdw>
+                </a:effectLst>
+                <a:latin typeface="Corbel" pitchFamily="34" charset="0"/>
+                <a:ea typeface="+mn-ea"/>
+                <a:cs typeface="+mn-cs"/>
+              </a:defRPr>
+            </a:lvl1pPr>
+          </a:lstStyle>
+          <a:p>
+            <a:pPr algn="l"/>
+            <a:r>
+              <a:rPr lang="en-US" sz="1600" b="1" dirty="0" smtClean="0">
+                <a:solidFill>
+                  <a:schemeClr val="tx1">
+                    <a:lumMod val="50000"/>
+                  </a:schemeClr>
+                </a:solidFill>
+                <a:effectLst>
+                  <a:outerShdw blurRad="38100" dist="38100" dir="2700000" algn="tl">
+                    <a:srgbClr val="000000">
+                      <a:alpha val="43137"/>
+                    </a:srgbClr>
+                  </a:outerShdw>
+                </a:effectLst>
+                <a:hlinkClick r:id="rId2"/>
+              </a:rPr>
+              <a:t>www.telerik.com</a:t>
+            </a:r>
+            <a:endParaRPr lang="en-US" sz="1600" b="1" dirty="0">
+              <a:solidFill>
+                <a:schemeClr val="tx1">
+                  <a:lumMod val="50000"/>
+                </a:schemeClr>
+              </a:solidFill>
+              <a:effectLst>
+                <a:outerShdw blurRad="38100" dist="38100" dir="2700000" algn="tl">
+                  <a:srgbClr val="000000">
+                    <a:alpha val="43137"/>
+                  </a:srgbClr>
+                </a:outerShdw>
+              </a:effectLst>
+            </a:endParaRPr>
+          </a:p>
+        </p:txBody>
+      </p:sp>
+      <p:cxnSp>
+        <p:nvCxnSpPr>
+          <p:cNvPr id="8" name="Straight Connector 7"/>
+          <p:cNvCxnSpPr/>
+          <p:nvPr userDrawn="1"/>
+        </p:nvCxnSpPr>
+        <p:spPr>
+          <a:xfrm>
+            <a:off x="2667000" y="4114800"/>
+            <a:ext cx="6248400" cy="0"/>
+          </a:xfrm>
+          <a:prstGeom prst="line">
+            <a:avLst/>
+          </a:prstGeom>
+          <a:ln w="38100" cap="rnd">
+            <a:solidFill>
+              <a:schemeClr val="accent5">
+                <a:lumMod val="20000"/>
+                <a:lumOff val="80000"/>
+                <a:alpha val="50000"/>
+              </a:schemeClr>
+            </a:solidFill>
+          </a:ln>
+          <a:effectLst>
+            <a:outerShdw blurRad="50800" dist="38100" dir="2700000" algn="tl" rotWithShape="0">
+              <a:prstClr val="black">
+                <a:alpha val="40000"/>
+              </a:prstClr>
+            </a:outerShdw>
+          </a:effectLst>
+        </p:spPr>
+        <p:style>
+          <a:lnRef idx="1">
+            <a:schemeClr val="accent1"/>
+          </a:lnRef>
+          <a:fillRef idx="0">
+            <a:schemeClr val="accent1"/>
+          </a:fillRef>
+          <a:effectRef idx="0">
+            <a:schemeClr val="accent1"/>
+          </a:effectRef>
+          <a:fontRef idx="minor">
+            <a:schemeClr val="tx1"/>
+          </a:fontRef>
+        </p:style>
+      </p:cxnSp>
+    </p:spTree>
+    <p:extLst>
+      <p:ext uri="{BB962C8B-B14F-4D97-AF65-F5344CB8AC3E}">
+        <p14:creationId xmlns:p14="http://schemas.microsoft.com/office/powerpoint/2010/main" val="2211441867"/>
+      </p:ext>
+    </p:extLst>
+  </p:cSld>
+  <p:clrMapOvr>
+    <a:masterClrMapping/>
+  </p:clrMapOvr>
+  <p:timing>
+    <p:tnLst>
+      <p:par>
+        <p:cTn id="1" dur="indefinite" restart="never" nodeType="tmRoot"/>
+      </p:par>
+    </p:tnLst>
+  </p:timing>
+</p:sldLayout>
+</file>
+
 <file path=ppt/slideMasters/slideMaster1.xml><?xml version="1.0" encoding="utf-8"?>
 <p:sldMaster xmlns:a="http://schemas.openxmlformats.org/drawingml/2006/main" xmlns:r="http://schemas.openxmlformats.org/officeDocument/2006/relationships" xmlns:p="http://schemas.openxmlformats.org/presentationml/2006/main">
   <p:cSld>
@@ -4858,7 +5292,7 @@
           <p:nvPr/>
         </p:nvPicPr>
         <p:blipFill>
-          <a:blip r:embed="rId8">
+          <a:blip r:embed="rId9">
             <a:extLst>
               <a:ext uri="{28A0092B-C50C-407E-A947-70E740481C1C}">
                 <a14:useLocalDpi xmlns:a14="http://schemas.microsoft.com/office/drawing/2010/main"/>
@@ -4899,7 +5333,7 @@
           <p:nvPr/>
         </p:nvPicPr>
         <p:blipFill>
-          <a:blip r:embed="rId9" cstate="email">
+          <a:blip r:embed="rId10" cstate="email">
             <a:extLst>
               <a:ext uri="{28A0092B-C50C-407E-A947-70E740481C1C}">
                 <a14:useLocalDpi xmlns:a14="http://schemas.microsoft.com/office/drawing/2010/main"/>
@@ -4963,7 +5397,7 @@
           <p:nvPr/>
         </p:nvPicPr>
         <p:blipFill>
-          <a:blip r:embed="rId10" cstate="email">
+          <a:blip r:embed="rId11" cstate="email">
             <a:extLst>
               <a:ext uri="{28A0092B-C50C-407E-A947-70E740481C1C}">
                 <a14:useLocalDpi xmlns:a14="http://schemas.microsoft.com/office/drawing/2010/main"/>
@@ -5027,11 +5461,11 @@
           <p:nvPr/>
         </p:nvPicPr>
         <p:blipFill>
-          <a:blip r:embed="rId11">
+          <a:blip r:embed="rId12">
             <a:extLst>
               <a:ext uri="{BEBA8EAE-BF5A-486C-A8C5-ECC9F3942E4B}">
                 <a14:imgProps xmlns:a14="http://schemas.microsoft.com/office/drawing/2010/main">
-                  <a14:imgLayer r:embed="rId12">
+                  <a14:imgLayer r:embed="rId13">
                     <a14:imgEffect>
                       <a14:brightnessContrast bright="20000"/>
                     </a14:imgEffect>
@@ -5091,6 +5525,7 @@
     <p:sldLayoutId id="2147483664" r:id="rId4"/>
     <p:sldLayoutId id="2147483665" r:id="rId5"/>
     <p:sldLayoutId id="2147483666" r:id="rId6"/>
+    <p:sldLayoutId id="2147483667" r:id="rId7"/>
   </p:sldLayoutIdLst>
   <p:timing>
     <p:tnLst>
@@ -5597,508 +6032,71 @@
       </p:grpSpPr>
       <p:sp>
         <p:nvSpPr>
-          <p:cNvPr id="14" name="Title 1"/>
-          <p:cNvSpPr txBox="1">
-            <a:spLocks/>
+          <p:cNvPr id="2" name="Title 1"/>
+          <p:cNvSpPr>
+            <a:spLocks noGrp="1"/>
           </p:cNvSpPr>
-          <p:nvPr/>
+          <p:nvPr>
+            <p:ph type="ctrTitle"/>
+          </p:nvPr>
         </p:nvSpPr>
         <p:spPr>
           <a:xfrm>
-            <a:off x="2281382" y="412376"/>
-            <a:ext cx="5591416" cy="697771"/>
+            <a:off x="457200" y="2193588"/>
+            <a:ext cx="8229600" cy="903724"/>
           </a:xfrm>
-          <a:prstGeom prst="rect">
-            <a:avLst/>
-          </a:prstGeom>
         </p:spPr>
         <p:txBody>
-          <a:bodyPr anchor="ctr" anchorCtr="0">
-            <a:noAutofit/>
-          </a:bodyPr>
-          <a:lstStyle>
-            <a:lvl1pPr algn="r" rtl="0" eaLnBrk="0" fontAlgn="base" hangingPunct="0">
-              <a:lnSpc>
-                <a:spcPts val="4000"/>
-              </a:lnSpc>
-              <a:spcBef>
-                <a:spcPct val="0"/>
-              </a:spcBef>
-              <a:spcAft>
-                <a:spcPct val="0"/>
-              </a:spcAft>
-              <a:defRPr lang="en-US" sz="4000" b="1" kern="1200" baseline="0" dirty="0">
-                <a:ln w="500">
-                  <a:noFill/>
-                </a:ln>
-                <a:solidFill>
-                  <a:schemeClr val="tx2"/>
-                </a:solidFill>
-                <a:effectLst>
-                  <a:outerShdw blurRad="38100" dist="38100" dir="2700000" algn="tl">
-                    <a:srgbClr val="000000">
-                      <a:alpha val="43137"/>
-                    </a:srgbClr>
-                  </a:outerShdw>
-                  <a:reflection blurRad="12700" stA="20000" endPos="50000" dist="12700" dir="5400000" sy="-100000" algn="bl" rotWithShape="0"/>
-                </a:effectLst>
-                <a:latin typeface="+mj-lt"/>
-                <a:ea typeface="+mj-ea"/>
-                <a:cs typeface="+mj-cs"/>
-              </a:defRPr>
-            </a:lvl1pPr>
-            <a:lvl2pPr algn="r" rtl="0" eaLnBrk="1" fontAlgn="base" hangingPunct="1">
-              <a:spcBef>
-                <a:spcPct val="0"/>
-              </a:spcBef>
-              <a:spcAft>
-                <a:spcPct val="0"/>
-              </a:spcAft>
-              <a:defRPr sz="3000" b="1">
-                <a:solidFill>
-                  <a:schemeClr val="tx2"/>
-                </a:solidFill>
-                <a:latin typeface="Corbel" pitchFamily="34" charset="0"/>
-              </a:defRPr>
-            </a:lvl2pPr>
-            <a:lvl3pPr algn="r" rtl="0" eaLnBrk="1" fontAlgn="base" hangingPunct="1">
-              <a:spcBef>
-                <a:spcPct val="0"/>
-              </a:spcBef>
-              <a:spcAft>
-                <a:spcPct val="0"/>
-              </a:spcAft>
-              <a:defRPr sz="3000" b="1">
-                <a:solidFill>
-                  <a:schemeClr val="tx2"/>
-                </a:solidFill>
-                <a:latin typeface="Corbel" pitchFamily="34" charset="0"/>
-              </a:defRPr>
-            </a:lvl3pPr>
-            <a:lvl4pPr algn="r" rtl="0" eaLnBrk="1" fontAlgn="base" hangingPunct="1">
-              <a:spcBef>
-                <a:spcPct val="0"/>
-              </a:spcBef>
-              <a:spcAft>
-                <a:spcPct val="0"/>
-              </a:spcAft>
-              <a:defRPr sz="3000" b="1">
-                <a:solidFill>
-                  <a:schemeClr val="tx2"/>
-                </a:solidFill>
-                <a:latin typeface="Corbel" pitchFamily="34" charset="0"/>
-              </a:defRPr>
-            </a:lvl4pPr>
-            <a:lvl5pPr algn="r" rtl="0" eaLnBrk="1" fontAlgn="base" hangingPunct="1">
-              <a:spcBef>
-                <a:spcPct val="0"/>
-              </a:spcBef>
-              <a:spcAft>
-                <a:spcPct val="0"/>
-              </a:spcAft>
-              <a:defRPr sz="3000" b="1">
-                <a:solidFill>
-                  <a:schemeClr val="tx2"/>
-                </a:solidFill>
-                <a:latin typeface="Corbel" pitchFamily="34" charset="0"/>
-              </a:defRPr>
-            </a:lvl5pPr>
-            <a:lvl6pPr marL="457200" algn="r" rtl="0" eaLnBrk="1" fontAlgn="base" hangingPunct="1">
-              <a:spcBef>
-                <a:spcPct val="0"/>
-              </a:spcBef>
-              <a:spcAft>
-                <a:spcPct val="0"/>
-              </a:spcAft>
-              <a:defRPr sz="3000" b="1">
-                <a:solidFill>
-                  <a:schemeClr val="tx2"/>
-                </a:solidFill>
-                <a:latin typeface="Corbel" pitchFamily="34" charset="0"/>
-              </a:defRPr>
-            </a:lvl6pPr>
-            <a:lvl7pPr marL="914400" algn="r" rtl="0" eaLnBrk="1" fontAlgn="base" hangingPunct="1">
-              <a:spcBef>
-                <a:spcPct val="0"/>
-              </a:spcBef>
-              <a:spcAft>
-                <a:spcPct val="0"/>
-              </a:spcAft>
-              <a:defRPr sz="3000" b="1">
-                <a:solidFill>
-                  <a:schemeClr val="tx2"/>
-                </a:solidFill>
-                <a:latin typeface="Corbel" pitchFamily="34" charset="0"/>
-              </a:defRPr>
-            </a:lvl7pPr>
-            <a:lvl8pPr marL="1371600" algn="r" rtl="0" eaLnBrk="1" fontAlgn="base" hangingPunct="1">
-              <a:spcBef>
-                <a:spcPct val="0"/>
-              </a:spcBef>
-              <a:spcAft>
-                <a:spcPct val="0"/>
-              </a:spcAft>
-              <a:defRPr sz="3000" b="1">
-                <a:solidFill>
-                  <a:schemeClr val="tx2"/>
-                </a:solidFill>
-                <a:latin typeface="Corbel" pitchFamily="34" charset="0"/>
-              </a:defRPr>
-            </a:lvl8pPr>
-            <a:lvl9pPr marL="1828800" algn="r" rtl="0" eaLnBrk="1" fontAlgn="base" hangingPunct="1">
-              <a:spcBef>
-                <a:spcPct val="0"/>
-              </a:spcBef>
-              <a:spcAft>
-                <a:spcPct val="0"/>
-              </a:spcAft>
-              <a:defRPr sz="3000" b="1">
-                <a:solidFill>
-                  <a:schemeClr val="tx2"/>
-                </a:solidFill>
-                <a:latin typeface="Corbel" pitchFamily="34" charset="0"/>
-              </a:defRPr>
-            </a:lvl9pPr>
-          </a:lstStyle>
-          <a:p>
+          <a:bodyPr/>
+          <a:lstStyle/>
+          <a:p>
+            <a:r>
+              <a:rPr lang="en-US" dirty="0" err="1"/>
+              <a:t>Appium</a:t>
+            </a:r>
+            <a:r>
+              <a:rPr lang="en-US" dirty="0"/>
+              <a:t> with </a:t>
+            </a:r>
+            <a:r>
+              <a:rPr lang="en-US" dirty="0" smtClean="0"/>
+              <a:t>Ruby </a:t>
+            </a:r>
             <a:endParaRPr lang="en-US" dirty="0"/>
           </a:p>
         </p:txBody>
       </p:sp>
       <p:sp>
         <p:nvSpPr>
-          <p:cNvPr id="15" name="Subtitle 2"/>
-          <p:cNvSpPr txBox="1">
-            <a:spLocks/>
+          <p:cNvPr id="3" name="Subtitle 2"/>
+          <p:cNvSpPr>
+            <a:spLocks noGrp="1"/>
           </p:cNvSpPr>
-          <p:nvPr/>
+          <p:nvPr>
+            <p:ph type="subTitle" idx="1"/>
+          </p:nvPr>
         </p:nvSpPr>
         <p:spPr>
           <a:xfrm>
-            <a:off x="1284673" y="996894"/>
-            <a:ext cx="6793434" cy="596582"/>
+            <a:off x="457200" y="3151095"/>
+            <a:ext cx="8229600" cy="797720"/>
           </a:xfrm>
-          <a:prstGeom prst="rect">
-            <a:avLst/>
-          </a:prstGeom>
         </p:spPr>
         <p:txBody>
           <a:bodyPr/>
-          <a:lstStyle>
-            <a:lvl1pPr marL="282575" indent="-282575" algn="l" rtl="0" eaLnBrk="1" fontAlgn="base" hangingPunct="1">
-              <a:lnSpc>
-                <a:spcPct val="105000"/>
-              </a:lnSpc>
-              <a:spcBef>
-                <a:spcPts val="600"/>
-              </a:spcBef>
-              <a:spcAft>
-                <a:spcPts val="600"/>
-              </a:spcAft>
-              <a:buClr>
-                <a:schemeClr val="accent5">
-                  <a:lumMod val="40000"/>
-                  <a:lumOff val="60000"/>
-                </a:schemeClr>
-              </a:buClr>
-              <a:buSzPct val="70000"/>
-              <a:buFont typeface="Wingdings 2" pitchFamily="18" charset="2"/>
-              <a:buChar char=""/>
-              <a:tabLst>
-                <a:tab pos="282575" algn="l"/>
-              </a:tabLst>
-              <a:defRPr sz="3200" b="1" kern="1200">
-                <a:solidFill>
-                  <a:srgbClr val="EBFFD2"/>
-                </a:solidFill>
-                <a:effectLst>
-                  <a:outerShdw blurRad="38100" dist="38100" dir="2700000" algn="tl">
-                    <a:srgbClr val="000000">
-                      <a:alpha val="43137"/>
-                    </a:srgbClr>
-                  </a:outerShdw>
-                </a:effectLst>
-                <a:latin typeface="+mn-lt"/>
-                <a:ea typeface="+mn-ea"/>
-                <a:cs typeface="+mn-cs"/>
-              </a:defRPr>
-            </a:lvl1pPr>
-            <a:lvl2pPr marL="630238" indent="-273050" algn="l" rtl="0" eaLnBrk="1" fontAlgn="base" hangingPunct="1">
-              <a:lnSpc>
-                <a:spcPct val="105000"/>
-              </a:lnSpc>
-              <a:spcBef>
-                <a:spcPts val="600"/>
-              </a:spcBef>
-              <a:spcAft>
-                <a:spcPts val="600"/>
-              </a:spcAft>
-              <a:buClr>
-                <a:srgbClr val="8FD600"/>
-              </a:buClr>
-              <a:buFont typeface="Wingdings 2" pitchFamily="18" charset="2"/>
-              <a:buChar char=""/>
-              <a:defRPr sz="3000" b="1" kern="1200">
-                <a:solidFill>
-                  <a:schemeClr val="tx1">
-                    <a:lumMod val="40000"/>
-                    <a:lumOff val="60000"/>
-                  </a:schemeClr>
-                </a:solidFill>
-                <a:effectLst>
-                  <a:outerShdw blurRad="38100" dist="38100" dir="2700000" algn="tl">
-                    <a:srgbClr val="000000">
-                      <a:alpha val="43137"/>
-                    </a:srgbClr>
-                  </a:outerShdw>
-                </a:effectLst>
-                <a:latin typeface="+mn-lt"/>
-                <a:ea typeface="+mn-ea"/>
-                <a:cs typeface="+mn-cs"/>
-              </a:defRPr>
-            </a:lvl2pPr>
-            <a:lvl3pPr marL="922338" indent="-273050" algn="l" rtl="0" eaLnBrk="1" fontAlgn="base" hangingPunct="1">
-              <a:lnSpc>
-                <a:spcPct val="105000"/>
-              </a:lnSpc>
-              <a:spcBef>
-                <a:spcPts val="600"/>
-              </a:spcBef>
-              <a:spcAft>
-                <a:spcPts val="600"/>
-              </a:spcAft>
-              <a:buClr>
-                <a:srgbClr val="FFAD9F"/>
-              </a:buClr>
-              <a:buFont typeface="Wingdings 2" pitchFamily="18" charset="2"/>
-              <a:buChar char=""/>
-              <a:defRPr sz="2800" b="1" kern="1200">
-                <a:solidFill>
-                  <a:srgbClr val="F5FFC2"/>
-                </a:solidFill>
-                <a:effectLst>
-                  <a:outerShdw blurRad="38100" dist="38100" dir="2700000" algn="tl">
-                    <a:srgbClr val="000000">
-                      <a:alpha val="43137"/>
-                    </a:srgbClr>
-                  </a:outerShdw>
-                </a:effectLst>
-                <a:latin typeface="+mn-lt"/>
-                <a:ea typeface="+mn-ea"/>
-                <a:cs typeface="+mn-cs"/>
-              </a:defRPr>
-            </a:lvl3pPr>
-            <a:lvl4pPr marL="1187450" indent="-228600" algn="l" rtl="0" eaLnBrk="1" fontAlgn="base" hangingPunct="1">
-              <a:lnSpc>
-                <a:spcPct val="105000"/>
-              </a:lnSpc>
-              <a:spcBef>
-                <a:spcPts val="600"/>
-              </a:spcBef>
-              <a:spcAft>
-                <a:spcPts val="600"/>
-              </a:spcAft>
-              <a:buClr>
-                <a:srgbClr val="FACF82"/>
-              </a:buClr>
-              <a:buFont typeface="Wingdings 2" pitchFamily="18" charset="2"/>
-              <a:buChar char=""/>
-              <a:defRPr sz="2600" b="1" kern="1200">
-                <a:solidFill>
-                  <a:schemeClr val="tx1">
-                    <a:lumMod val="40000"/>
-                    <a:lumOff val="60000"/>
-                  </a:schemeClr>
-                </a:solidFill>
-                <a:effectLst>
-                  <a:outerShdw blurRad="38100" dist="38100" dir="2700000" algn="tl">
-                    <a:srgbClr val="000000">
-                      <a:alpha val="43137"/>
-                    </a:srgbClr>
-                  </a:outerShdw>
-                </a:effectLst>
-                <a:latin typeface="+mn-lt"/>
-                <a:ea typeface="+mn-ea"/>
-                <a:cs typeface="+mn-cs"/>
-              </a:defRPr>
-            </a:lvl4pPr>
-            <a:lvl5pPr marL="1425575" indent="-228600" algn="l" rtl="0" eaLnBrk="1" fontAlgn="base" hangingPunct="1">
-              <a:lnSpc>
-                <a:spcPct val="105000"/>
-              </a:lnSpc>
-              <a:spcBef>
-                <a:spcPts val="600"/>
-              </a:spcBef>
-              <a:spcAft>
-                <a:spcPts val="600"/>
-              </a:spcAft>
-              <a:buClr>
-                <a:srgbClr val="46A6BD"/>
-              </a:buClr>
-              <a:buFont typeface="Wingdings 2" pitchFamily="18" charset="2"/>
-              <a:buChar char=""/>
-              <a:defRPr sz="2400" b="1" kern="1200">
-                <a:solidFill>
-                  <a:schemeClr val="tx1">
-                    <a:lumMod val="40000"/>
-                    <a:lumOff val="60000"/>
-                  </a:schemeClr>
-                </a:solidFill>
-                <a:effectLst>
-                  <a:outerShdw blurRad="38100" dist="38100" dir="2700000" algn="tl">
-                    <a:srgbClr val="000000">
-                      <a:alpha val="43137"/>
-                    </a:srgbClr>
-                  </a:outerShdw>
-                </a:effectLst>
-                <a:latin typeface="+mn-lt"/>
-                <a:ea typeface="+mn-ea"/>
-                <a:cs typeface="+mn-cs"/>
-              </a:defRPr>
-            </a:lvl5pPr>
-            <a:lvl6pPr marL="1673352" indent="-228600" algn="l" rtl="0" eaLnBrk="1" latinLnBrk="0" hangingPunct="1">
-              <a:spcBef>
-                <a:spcPct val="20000"/>
-              </a:spcBef>
-              <a:buClr>
-                <a:schemeClr val="accent6"/>
-              </a:buClr>
-              <a:buFont typeface="Wingdings 2"/>
-              <a:buChar char=""/>
-              <a:defRPr sz="1800" kern="1200">
-                <a:solidFill>
-                  <a:schemeClr val="tx1"/>
-                </a:solidFill>
-                <a:latin typeface="+mn-lt"/>
-                <a:ea typeface="+mn-ea"/>
-                <a:cs typeface="+mn-cs"/>
-              </a:defRPr>
-            </a:lvl6pPr>
-            <a:lvl7pPr marL="1911096" indent="-228600" algn="l" rtl="0" eaLnBrk="1" latinLnBrk="0" hangingPunct="1">
-              <a:spcBef>
-                <a:spcPct val="20000"/>
-              </a:spcBef>
-              <a:buClr>
-                <a:schemeClr val="tx2"/>
-              </a:buClr>
-              <a:buFont typeface="Wingdings 2"/>
-              <a:buChar char=""/>
-              <a:defRPr sz="1600" kern="1200">
-                <a:solidFill>
-                  <a:schemeClr val="tx1"/>
-                </a:solidFill>
-                <a:latin typeface="+mn-lt"/>
-                <a:ea typeface="+mn-ea"/>
-                <a:cs typeface="+mn-cs"/>
-              </a:defRPr>
-            </a:lvl7pPr>
-            <a:lvl8pPr marL="2121408" indent="-182880" algn="l" rtl="0" eaLnBrk="1" latinLnBrk="0" hangingPunct="1">
-              <a:spcBef>
-                <a:spcPct val="20000"/>
-              </a:spcBef>
-              <a:buClr>
-                <a:schemeClr val="tx2"/>
-              </a:buClr>
-              <a:buFont typeface="Wingdings 2"/>
-              <a:buChar char=""/>
-              <a:defRPr sz="1400" kern="1200">
-                <a:solidFill>
-                  <a:schemeClr val="tx1"/>
-                </a:solidFill>
-                <a:latin typeface="+mn-lt"/>
-                <a:ea typeface="+mn-ea"/>
-                <a:cs typeface="+mn-cs"/>
-              </a:defRPr>
-            </a:lvl8pPr>
-            <a:lvl9pPr marL="2322576" indent="-182880" algn="l" rtl="0" eaLnBrk="1" latinLnBrk="0" hangingPunct="1">
-              <a:spcBef>
-                <a:spcPct val="20000"/>
-              </a:spcBef>
-              <a:buClr>
-                <a:schemeClr val="tx2"/>
-              </a:buClr>
-              <a:buFont typeface="Wingdings 2"/>
-              <a:buChar char=""/>
-              <a:defRPr sz="1400" kern="1200">
-                <a:solidFill>
-                  <a:schemeClr val="tx1"/>
-                </a:solidFill>
-                <a:latin typeface="+mn-lt"/>
-                <a:ea typeface="+mn-ea"/>
-                <a:cs typeface="+mn-cs"/>
-              </a:defRPr>
-            </a:lvl9pPr>
-          </a:lstStyle>
-          <a:p>
-            <a:pPr marL="0" indent="0" algn="ctr">
-              <a:buNone/>
-            </a:pPr>
-            <a:r>
-              <a:rPr lang="en-US" sz="3000" dirty="0">
-                <a:solidFill>
-                  <a:schemeClr val="accent5">
-                    <a:lumMod val="20000"/>
-                    <a:lumOff val="80000"/>
-                  </a:schemeClr>
-                </a:solidFill>
-              </a:rPr>
-              <a:t>Using </a:t>
-            </a:r>
-            <a:r>
-              <a:rPr lang="en-US" sz="3000" dirty="0" err="1" smtClean="0">
-                <a:solidFill>
-                  <a:schemeClr val="accent5">
-                    <a:lumMod val="20000"/>
-                    <a:lumOff val="80000"/>
-                  </a:schemeClr>
-                </a:solidFill>
-              </a:rPr>
-              <a:t>Appim</a:t>
-            </a:r>
-            <a:r>
-              <a:rPr lang="en-US" sz="3000" dirty="0" smtClean="0">
-                <a:solidFill>
-                  <a:schemeClr val="accent5">
-                    <a:lumMod val="20000"/>
-                    <a:lumOff val="80000"/>
-                  </a:schemeClr>
-                </a:solidFill>
-              </a:rPr>
-              <a:t> with Ruby</a:t>
-            </a:r>
-          </a:p>
-          <a:p>
-            <a:pPr marL="0" indent="0" algn="ctr">
-              <a:buNone/>
-            </a:pPr>
-            <a:r>
-              <a:rPr lang="en-US" sz="3000" dirty="0" smtClean="0">
-                <a:solidFill>
-                  <a:schemeClr val="accent5">
-                    <a:lumMod val="20000"/>
-                    <a:lumOff val="80000"/>
-                  </a:schemeClr>
-                </a:solidFill>
-              </a:rPr>
-              <a:t> for </a:t>
-            </a:r>
-            <a:r>
-              <a:rPr lang="en-US" sz="3000" dirty="0">
-                <a:solidFill>
-                  <a:schemeClr val="accent5">
-                    <a:lumMod val="20000"/>
-                    <a:lumOff val="80000"/>
-                  </a:schemeClr>
-                </a:solidFill>
-              </a:rPr>
-              <a:t>Mobile Web Testing</a:t>
-            </a:r>
+          <a:lstStyle/>
+          <a:p>
+            <a:r>
+              <a:rPr lang="en-US" dirty="0"/>
+              <a:t>for Mobile Web Testing</a:t>
+            </a:r>
+            <a:endParaRPr lang="en-US" dirty="0"/>
           </a:p>
         </p:txBody>
       </p:sp>
       <p:sp>
         <p:nvSpPr>
-          <p:cNvPr id="16" name="Text Placeholder 11"/>
+          <p:cNvPr id="10" name="Text Placeholder 12"/>
           <p:cNvSpPr>
             <a:spLocks noGrp="1"/>
           </p:cNvSpPr>
@@ -6106,8 +6104,8 @@
         </p:nvSpPr>
         <p:spPr>
           <a:xfrm>
-            <a:off x="6862574" y="5455146"/>
-            <a:ext cx="1648261" cy="707886"/>
+            <a:off x="497391" y="5455189"/>
+            <a:ext cx="3990513" cy="400110"/>
           </a:xfrm>
           <a:prstGeom prst="rect">
             <a:avLst/>
@@ -6121,7 +6119,7 @@
           <a:lstStyle>
             <a:lvl1pPr marL="319088" indent="-319088" algn="l" rtl="0" eaLnBrk="1" fontAlgn="base" hangingPunct="1">
               <a:spcBef>
-                <a:spcPct val="0"/>
+                <a:spcPct val="20000"/>
               </a:spcBef>
               <a:spcAft>
                 <a:spcPct val="0"/>
@@ -6135,10 +6133,11 @@
               <a:buSzPct val="70000"/>
               <a:buFont typeface="Wingdings 2" pitchFamily="18" charset="2"/>
               <a:buNone/>
-              <a:defRPr lang="en-US" sz="2300" b="1" kern="1200" dirty="0" smtClean="0">
+              <a:defRPr lang="en-US" sz="2000" b="1" kern="1200" dirty="0">
                 <a:solidFill>
                   <a:schemeClr val="tx2">
-                    <a:lumMod val="50000"/>
+                    <a:lumMod val="20000"/>
+                    <a:lumOff val="80000"/>
                   </a:schemeClr>
                 </a:solidFill>
                 <a:effectLst>
@@ -6357,23 +6356,15 @@
           </a:lstStyle>
           <a:p>
             <a:r>
-              <a:rPr lang="en-US" sz="2000" dirty="0"/>
-              <a:t>Powered by </a:t>
-            </a:r>
-            <a:endParaRPr lang="en-US" sz="2000" dirty="0" smtClean="0"/>
-          </a:p>
-          <a:p>
-            <a:r>
-              <a:rPr lang="en-US" sz="2000" dirty="0" err="1" smtClean="0"/>
-              <a:t>KendoUI</a:t>
-            </a:r>
-            <a:endParaRPr lang="en-US" sz="2000" dirty="0"/>
+              <a:rPr lang="en-US" dirty="0"/>
+              <a:t>Telerik Software Academy</a:t>
+            </a:r>
           </a:p>
         </p:txBody>
       </p:sp>
       <p:sp>
         <p:nvSpPr>
-          <p:cNvPr id="17" name="Text Placeholder 9"/>
+          <p:cNvPr id="11" name="Text Placeholder 13"/>
           <p:cNvSpPr>
             <a:spLocks noGrp="1"/>
           </p:cNvSpPr>
@@ -6381,8 +6372,8 @@
         </p:nvSpPr>
         <p:spPr>
           <a:xfrm>
-            <a:off x="3306825" y="6255832"/>
-            <a:ext cx="2191434" cy="369332"/>
+            <a:off x="497392" y="5759989"/>
+            <a:ext cx="3990513" cy="369332"/>
           </a:xfrm>
           <a:prstGeom prst="rect">
             <a:avLst/>
@@ -6390,13 +6381,13 @@
           <a:noFill/>
         </p:spPr>
         <p:txBody>
-          <a:bodyPr wrap="none" rtlCol="0">
+          <a:bodyPr wrap="square" rtlCol="0">
             <a:spAutoFit/>
           </a:bodyPr>
           <a:lstStyle>
-            <a:lvl1pPr marL="0" indent="0" algn="l" rtl="0" eaLnBrk="1" fontAlgn="base" hangingPunct="1">
+            <a:lvl1pPr marL="319088" indent="-319088" algn="l" rtl="0" eaLnBrk="1" fontAlgn="base" hangingPunct="1">
               <a:spcBef>
-                <a:spcPct val="0"/>
+                <a:spcPct val="20000"/>
               </a:spcBef>
               <a:spcAft>
                 <a:spcPct val="0"/>
@@ -6633,8 +6624,14 @@
           </a:lstStyle>
           <a:p>
             <a:r>
+              <a:rPr lang="en-US" dirty="0" smtClean="0">
+                <a:hlinkClick r:id="rId2"/>
+              </a:rPr>
+              <a:t>http://academy.telerik.com</a:t>
+            </a:r>
+            <a:r>
               <a:rPr lang="en-US" dirty="0" smtClean="0"/>
-              <a:t>Telerik QA Academy</a:t>
+              <a:t> </a:t>
             </a:r>
             <a:endParaRPr lang="en-US" dirty="0"/>
           </a:p>
@@ -6642,7 +6639,7 @@
       </p:sp>
       <p:sp>
         <p:nvSpPr>
-          <p:cNvPr id="18" name="Text Placeholder 10"/>
+          <p:cNvPr id="12" name="Text Placeholder 14"/>
           <p:cNvSpPr>
             <a:spLocks noGrp="1"/>
           </p:cNvSpPr>
@@ -6650,8 +6647,8 @@
         </p:nvSpPr>
         <p:spPr>
           <a:xfrm>
-            <a:off x="3039533" y="6462156"/>
-            <a:ext cx="2895600" cy="584775"/>
+            <a:off x="497392" y="5080546"/>
+            <a:ext cx="3990513" cy="461665"/>
           </a:xfrm>
           <a:prstGeom prst="rect">
             <a:avLst/>
@@ -6663,9 +6660,9 @@
             <a:spAutoFit/>
           </a:bodyPr>
           <a:lstStyle>
-            <a:lvl1pPr marL="319088" indent="-319088" algn="l" rtl="0" eaLnBrk="1" fontAlgn="base" hangingPunct="1">
+            <a:lvl1pPr marL="0" indent="0" algn="l" rtl="0" eaLnBrk="1" fontAlgn="base" hangingPunct="1">
               <a:spcBef>
-                <a:spcPct val="0"/>
+                <a:spcPct val="20000"/>
               </a:spcBef>
               <a:spcAft>
                 <a:spcPct val="0"/>
@@ -6679,9 +6676,11 @@
               <a:buSzPct val="70000"/>
               <a:buFont typeface="Wingdings 2" pitchFamily="18" charset="2"/>
               <a:buNone/>
-              <a:defRPr lang="en-US" sz="1600" b="1" kern="1200" dirty="0" smtClean="0">
-                <a:solidFill>
-                  <a:srgbClr val="0EFE58"/>
+              <a:defRPr lang="en-US" sz="2400" b="1" kern="1200" dirty="0">
+                <a:solidFill>
+                  <a:schemeClr val="tx2">
+                    <a:lumMod val="50000"/>
+                  </a:schemeClr>
                 </a:solidFill>
                 <a:effectLst>
                   <a:outerShdw blurRad="38100" dist="38100" dir="2700000" algn="tl">
@@ -6898,1159 +6897,23 @@
             </a:lvl9pPr>
           </a:lstStyle>
           <a:p>
-            <a:pPr marL="319088" lvl="1" indent="-319088">
-              <a:spcBef>
-                <a:spcPct val="0"/>
-              </a:spcBef>
-              <a:buClr>
-                <a:schemeClr val="accent5">
-                  <a:lumMod val="40000"/>
-                  <a:lumOff val="60000"/>
-                </a:schemeClr>
-              </a:buClr>
-              <a:buSzPct val="70000"/>
-              <a:buNone/>
-            </a:pPr>
-            <a:r>
-              <a:rPr lang="en-US" sz="1600" dirty="0">
-                <a:solidFill>
-                  <a:srgbClr val="0EFE58"/>
-                </a:solidFill>
-                <a:latin typeface="Corbel" pitchFamily="34" charset="0"/>
-                <a:hlinkClick r:id="rId2"/>
-              </a:rPr>
-              <a:t>http://qaacademy.telerik.com</a:t>
-            </a:r>
-            <a:endParaRPr lang="en-US" sz="1600" dirty="0">
-              <a:solidFill>
-                <a:srgbClr val="0EFE58"/>
-              </a:solidFill>
-              <a:latin typeface="Corbel" pitchFamily="34" charset="0"/>
-            </a:endParaRPr>
-          </a:p>
-          <a:p>
-            <a:r>
-              <a:rPr lang="en-US" dirty="0" smtClean="0"/>
-              <a:t> </a:t>
-            </a:r>
-            <a:endParaRPr lang="en-US" dirty="0"/>
-          </a:p>
-        </p:txBody>
-      </p:sp>
-      <p:sp>
-        <p:nvSpPr>
-          <p:cNvPr id="20" name="Text Placeholder 12"/>
-          <p:cNvSpPr>
-            <a:spLocks noGrp="1"/>
-          </p:cNvSpPr>
-          <p:nvPr/>
-        </p:nvSpPr>
-        <p:spPr>
-          <a:xfrm>
-            <a:off x="116827" y="5842930"/>
-            <a:ext cx="4564563" cy="800219"/>
-          </a:xfrm>
-          <a:prstGeom prst="rect">
-            <a:avLst/>
-          </a:prstGeom>
-          <a:noFill/>
-        </p:spPr>
-        <p:txBody>
-          <a:bodyPr wrap="square" rtlCol="0">
-            <a:spAutoFit/>
-          </a:bodyPr>
-          <a:lstStyle>
-            <a:lvl1pPr marL="319088" indent="-319088" algn="l" rtl="0" eaLnBrk="1" fontAlgn="base" hangingPunct="1">
-              <a:spcBef>
-                <a:spcPct val="0"/>
-              </a:spcBef>
-              <a:spcAft>
-                <a:spcPct val="0"/>
-              </a:spcAft>
-              <a:buClr>
-                <a:schemeClr val="accent5">
-                  <a:lumMod val="40000"/>
-                  <a:lumOff val="60000"/>
-                </a:schemeClr>
-              </a:buClr>
-              <a:buSzPct val="70000"/>
-              <a:buFont typeface="Wingdings 2" pitchFamily="18" charset="2"/>
-              <a:buNone/>
-              <a:defRPr lang="en-US" sz="2000" b="1" kern="1200" dirty="0" smtClean="0">
-                <a:solidFill>
-                  <a:schemeClr val="tx2">
-                    <a:lumMod val="50000"/>
-                  </a:schemeClr>
-                </a:solidFill>
-                <a:effectLst>
-                  <a:outerShdw blurRad="38100" dist="38100" dir="2700000" algn="tl">
-                    <a:srgbClr val="000000">
-                      <a:alpha val="43137"/>
-                    </a:srgbClr>
-                  </a:outerShdw>
-                </a:effectLst>
-                <a:latin typeface="Corbel" pitchFamily="34" charset="0"/>
-                <a:ea typeface="+mn-ea"/>
-                <a:cs typeface="+mn-cs"/>
-              </a:defRPr>
-            </a:lvl1pPr>
-            <a:lvl2pPr marL="630238" indent="-273050" algn="l" rtl="0" eaLnBrk="1" fontAlgn="base" hangingPunct="1">
-              <a:spcBef>
-                <a:spcPct val="20000"/>
-              </a:spcBef>
-              <a:spcAft>
-                <a:spcPct val="0"/>
-              </a:spcAft>
-              <a:buClr>
-                <a:schemeClr val="accent2">
-                  <a:lumMod val="60000"/>
-                  <a:lumOff val="40000"/>
-                </a:schemeClr>
-              </a:buClr>
-              <a:buFont typeface="Wingdings 2" pitchFamily="18" charset="2"/>
-              <a:buChar char=""/>
-              <a:defRPr sz="3000" b="1" kern="1200">
-                <a:solidFill>
-                  <a:schemeClr val="tx1">
-                    <a:lumMod val="20000"/>
-                    <a:lumOff val="80000"/>
-                  </a:schemeClr>
-                </a:solidFill>
-                <a:effectLst>
-                  <a:outerShdw blurRad="38100" dist="38100" dir="2700000" algn="tl">
-                    <a:srgbClr val="000000">
-                      <a:alpha val="43137"/>
-                    </a:srgbClr>
-                  </a:outerShdw>
-                </a:effectLst>
-                <a:latin typeface="+mn-lt"/>
-                <a:ea typeface="+mn-ea"/>
-                <a:cs typeface="+mn-cs"/>
-              </a:defRPr>
-            </a:lvl2pPr>
-            <a:lvl3pPr marL="922338" indent="-273050" algn="l" rtl="0" eaLnBrk="1" fontAlgn="base" hangingPunct="1">
-              <a:spcBef>
-                <a:spcPct val="20000"/>
-              </a:spcBef>
-              <a:spcAft>
-                <a:spcPct val="0"/>
-              </a:spcAft>
-              <a:buClr>
-                <a:schemeClr val="tx1">
-                  <a:lumMod val="50000"/>
-                </a:schemeClr>
-              </a:buClr>
-              <a:buFont typeface="Wingdings 2" pitchFamily="18" charset="2"/>
-              <a:buChar char=""/>
-              <a:defRPr sz="2800" b="1" kern="1200">
-                <a:solidFill>
-                  <a:schemeClr val="tx1">
-                    <a:lumMod val="20000"/>
-                    <a:lumOff val="80000"/>
-                  </a:schemeClr>
-                </a:solidFill>
-                <a:effectLst>
-                  <a:outerShdw blurRad="38100" dist="38100" dir="2700000" algn="tl">
-                    <a:srgbClr val="000000">
-                      <a:alpha val="43137"/>
-                    </a:srgbClr>
-                  </a:outerShdw>
-                </a:effectLst>
-                <a:latin typeface="+mn-lt"/>
-                <a:ea typeface="+mn-ea"/>
-                <a:cs typeface="+mn-cs"/>
-              </a:defRPr>
-            </a:lvl3pPr>
-            <a:lvl4pPr marL="1187450" indent="-228600" algn="l" rtl="0" eaLnBrk="1" fontAlgn="base" hangingPunct="1">
-              <a:spcBef>
-                <a:spcPct val="20000"/>
-              </a:spcBef>
-              <a:spcAft>
-                <a:spcPct val="0"/>
-              </a:spcAft>
-              <a:buClr>
-                <a:srgbClr val="F8BD52"/>
-              </a:buClr>
-              <a:buFont typeface="Wingdings 2" pitchFamily="18" charset="2"/>
-              <a:buChar char=""/>
-              <a:defRPr sz="2600" b="1" kern="1200">
-                <a:solidFill>
-                  <a:schemeClr val="tx1">
-                    <a:lumMod val="20000"/>
-                    <a:lumOff val="80000"/>
-                  </a:schemeClr>
-                </a:solidFill>
-                <a:effectLst>
-                  <a:outerShdw blurRad="38100" dist="38100" dir="2700000" algn="tl">
-                    <a:srgbClr val="000000">
-                      <a:alpha val="43137"/>
-                    </a:srgbClr>
-                  </a:outerShdw>
-                </a:effectLst>
-                <a:latin typeface="+mn-lt"/>
-                <a:ea typeface="+mn-ea"/>
-                <a:cs typeface="+mn-cs"/>
-              </a:defRPr>
-            </a:lvl4pPr>
-            <a:lvl5pPr marL="1425575" indent="-228600" algn="l" rtl="0" eaLnBrk="1" fontAlgn="base" hangingPunct="1">
-              <a:spcBef>
-                <a:spcPct val="20000"/>
-              </a:spcBef>
-              <a:spcAft>
-                <a:spcPct val="0"/>
-              </a:spcAft>
-              <a:buClr>
-                <a:srgbClr val="46A6BD"/>
-              </a:buClr>
-              <a:buFont typeface="Wingdings 2" pitchFamily="18" charset="2"/>
-              <a:buChar char=""/>
-              <a:defRPr sz="2400" b="1" kern="1200">
-                <a:solidFill>
-                  <a:schemeClr val="tx1">
-                    <a:lumMod val="20000"/>
-                    <a:lumOff val="80000"/>
-                  </a:schemeClr>
-                </a:solidFill>
-                <a:effectLst>
-                  <a:outerShdw blurRad="38100" dist="38100" dir="2700000" algn="tl">
-                    <a:srgbClr val="000000">
-                      <a:alpha val="43137"/>
-                    </a:srgbClr>
-                  </a:outerShdw>
-                </a:effectLst>
-                <a:latin typeface="+mn-lt"/>
-                <a:ea typeface="+mn-ea"/>
-                <a:cs typeface="+mn-cs"/>
-              </a:defRPr>
-            </a:lvl5pPr>
-            <a:lvl6pPr marL="1673352" indent="-228600" algn="l" rtl="0" eaLnBrk="1" latinLnBrk="0" hangingPunct="1">
-              <a:spcBef>
-                <a:spcPct val="20000"/>
-              </a:spcBef>
-              <a:buClr>
-                <a:schemeClr val="accent6"/>
-              </a:buClr>
-              <a:buFont typeface="Wingdings 2"/>
-              <a:buChar char=""/>
-              <a:defRPr sz="1800" kern="1200">
-                <a:solidFill>
-                  <a:schemeClr val="tx1"/>
-                </a:solidFill>
-                <a:latin typeface="+mn-lt"/>
-                <a:ea typeface="+mn-ea"/>
-                <a:cs typeface="+mn-cs"/>
-              </a:defRPr>
-            </a:lvl6pPr>
-            <a:lvl7pPr marL="1911096" indent="-228600" algn="l" rtl="0" eaLnBrk="1" latinLnBrk="0" hangingPunct="1">
-              <a:spcBef>
-                <a:spcPct val="20000"/>
-              </a:spcBef>
-              <a:buClr>
-                <a:schemeClr val="tx2"/>
-              </a:buClr>
-              <a:buFont typeface="Wingdings 2"/>
-              <a:buChar char=""/>
-              <a:defRPr sz="1600" kern="1200">
-                <a:solidFill>
-                  <a:schemeClr val="tx1"/>
-                </a:solidFill>
-                <a:latin typeface="+mn-lt"/>
-                <a:ea typeface="+mn-ea"/>
-                <a:cs typeface="+mn-cs"/>
-              </a:defRPr>
-            </a:lvl7pPr>
-            <a:lvl8pPr marL="2121408" indent="-182880" algn="l" rtl="0" eaLnBrk="1" latinLnBrk="0" hangingPunct="1">
-              <a:spcBef>
-                <a:spcPct val="20000"/>
-              </a:spcBef>
-              <a:buClr>
-                <a:schemeClr val="tx2"/>
-              </a:buClr>
-              <a:buFont typeface="Wingdings 2"/>
-              <a:buChar char=""/>
-              <a:defRPr sz="1400" kern="1200">
-                <a:solidFill>
-                  <a:schemeClr val="tx1"/>
-                </a:solidFill>
-                <a:latin typeface="+mn-lt"/>
-                <a:ea typeface="+mn-ea"/>
-                <a:cs typeface="+mn-cs"/>
-              </a:defRPr>
-            </a:lvl8pPr>
-            <a:lvl9pPr marL="2322576" indent="-182880" algn="l" rtl="0" eaLnBrk="1" latinLnBrk="0" hangingPunct="1">
-              <a:spcBef>
-                <a:spcPct val="20000"/>
-              </a:spcBef>
-              <a:buClr>
-                <a:schemeClr val="tx2"/>
-              </a:buClr>
-              <a:buFont typeface="Wingdings 2"/>
-              <a:buChar char=""/>
-              <a:defRPr sz="1400" kern="1200">
-                <a:solidFill>
-                  <a:schemeClr val="tx1"/>
-                </a:solidFill>
-                <a:latin typeface="+mn-lt"/>
-                <a:ea typeface="+mn-ea"/>
-                <a:cs typeface="+mn-cs"/>
-              </a:defRPr>
-            </a:lvl9pPr>
-          </a:lstStyle>
-          <a:p>
-            <a:r>
-              <a:rPr lang="en-US" sz="2300" dirty="0" smtClean="0"/>
-              <a:t/>
-            </a:r>
-            <a:br>
-              <a:rPr lang="en-US" sz="2300" dirty="0" smtClean="0"/>
-            </a:br>
-            <a:endParaRPr lang="en-US" sz="2300" dirty="0"/>
+            <a:r>
+              <a:rPr lang="en-US" dirty="0"/>
+              <a:t>Software Quality Assurance</a:t>
+            </a:r>
           </a:p>
         </p:txBody>
       </p:sp>
       <p:pic>
         <p:nvPicPr>
-          <p:cNvPr id="21" name="Picture 20"/>
-          <p:cNvPicPr>
-            <a:picLocks noChangeAspect="1"/>
-          </p:cNvPicPr>
-          <p:nvPr/>
-        </p:nvPicPr>
-        <p:blipFill>
-          <a:blip r:embed="rId3" cstate="print">
-            <a:extLst>
-              <a:ext uri="{28A0092B-C50C-407E-A947-70E740481C1C}">
-                <a14:useLocalDpi xmlns:a14="http://schemas.microsoft.com/office/drawing/2010/main" val="0"/>
-              </a:ext>
-            </a:extLst>
-          </a:blip>
-          <a:stretch>
-            <a:fillRect/>
-          </a:stretch>
-        </p:blipFill>
-        <p:spPr>
-          <a:xfrm flipH="1">
-            <a:off x="8332434" y="5641823"/>
-            <a:ext cx="356802" cy="467324"/>
-          </a:xfrm>
-          <a:prstGeom prst="rect">
-            <a:avLst/>
-          </a:prstGeom>
-        </p:spPr>
-      </p:pic>
-      <p:sp>
-        <p:nvSpPr>
-          <p:cNvPr id="23" name="Text Placeholder 8"/>
-          <p:cNvSpPr>
-            <a:spLocks noGrp="1"/>
-          </p:cNvSpPr>
-          <p:nvPr/>
-        </p:nvSpPr>
-        <p:spPr>
-          <a:xfrm>
-            <a:off x="189775" y="5329297"/>
-            <a:ext cx="3352800" cy="533400"/>
-          </a:xfrm>
-          <a:prstGeom prst="rect">
-            <a:avLst/>
-          </a:prstGeom>
-          <a:noFill/>
-        </p:spPr>
-        <p:txBody>
-          <a:bodyPr wrap="square" rtlCol="0">
-            <a:spAutoFit/>
-          </a:bodyPr>
-          <a:lstStyle>
-            <a:lvl1pPr marL="319088" indent="-319088" algn="l" rtl="0" eaLnBrk="1" fontAlgn="base" hangingPunct="1">
-              <a:spcBef>
-                <a:spcPct val="0"/>
-              </a:spcBef>
-              <a:spcAft>
-                <a:spcPct val="0"/>
-              </a:spcAft>
-              <a:buClr>
-                <a:schemeClr val="accent5">
-                  <a:lumMod val="40000"/>
-                  <a:lumOff val="60000"/>
-                </a:schemeClr>
-              </a:buClr>
-              <a:buSzPct val="70000"/>
-              <a:buFont typeface="Wingdings 2" pitchFamily="18" charset="2"/>
-              <a:buNone/>
-              <a:defRPr lang="en-US" sz="2800" b="1" kern="1200" dirty="0" smtClean="0">
-                <a:solidFill>
-                  <a:srgbClr val="DEFF9B"/>
-                </a:solidFill>
-                <a:effectLst>
-                  <a:outerShdw blurRad="38100" dist="38100" dir="2700000" algn="tl">
-                    <a:srgbClr val="000000">
-                      <a:alpha val="43137"/>
-                    </a:srgbClr>
-                  </a:outerShdw>
-                </a:effectLst>
-                <a:latin typeface="Corbel" pitchFamily="34" charset="0"/>
-                <a:ea typeface="+mn-ea"/>
-                <a:cs typeface="+mn-cs"/>
-              </a:defRPr>
-            </a:lvl1pPr>
-            <a:lvl2pPr marL="630238" indent="-273050" algn="l" rtl="0" eaLnBrk="1" fontAlgn="base" hangingPunct="1">
-              <a:spcBef>
-                <a:spcPct val="20000"/>
-              </a:spcBef>
-              <a:spcAft>
-                <a:spcPct val="0"/>
-              </a:spcAft>
-              <a:buClr>
-                <a:schemeClr val="accent2">
-                  <a:lumMod val="60000"/>
-                  <a:lumOff val="40000"/>
-                </a:schemeClr>
-              </a:buClr>
-              <a:buFont typeface="Wingdings 2" pitchFamily="18" charset="2"/>
-              <a:buChar char=""/>
-              <a:defRPr sz="3000" b="1" kern="1200">
-                <a:solidFill>
-                  <a:schemeClr val="tx1">
-                    <a:lumMod val="20000"/>
-                    <a:lumOff val="80000"/>
-                  </a:schemeClr>
-                </a:solidFill>
-                <a:effectLst>
-                  <a:outerShdw blurRad="38100" dist="38100" dir="2700000" algn="tl">
-                    <a:srgbClr val="000000">
-                      <a:alpha val="43137"/>
-                    </a:srgbClr>
-                  </a:outerShdw>
-                </a:effectLst>
-                <a:latin typeface="+mn-lt"/>
-                <a:ea typeface="+mn-ea"/>
-                <a:cs typeface="+mn-cs"/>
-              </a:defRPr>
-            </a:lvl2pPr>
-            <a:lvl3pPr marL="922338" indent="-273050" algn="l" rtl="0" eaLnBrk="1" fontAlgn="base" hangingPunct="1">
-              <a:spcBef>
-                <a:spcPct val="20000"/>
-              </a:spcBef>
-              <a:spcAft>
-                <a:spcPct val="0"/>
-              </a:spcAft>
-              <a:buClr>
-                <a:schemeClr val="tx1">
-                  <a:lumMod val="50000"/>
-                </a:schemeClr>
-              </a:buClr>
-              <a:buFont typeface="Wingdings 2" pitchFamily="18" charset="2"/>
-              <a:buChar char=""/>
-              <a:defRPr sz="2800" b="1" kern="1200">
-                <a:solidFill>
-                  <a:schemeClr val="tx1">
-                    <a:lumMod val="20000"/>
-                    <a:lumOff val="80000"/>
-                  </a:schemeClr>
-                </a:solidFill>
-                <a:effectLst>
-                  <a:outerShdw blurRad="38100" dist="38100" dir="2700000" algn="tl">
-                    <a:srgbClr val="000000">
-                      <a:alpha val="43137"/>
-                    </a:srgbClr>
-                  </a:outerShdw>
-                </a:effectLst>
-                <a:latin typeface="+mn-lt"/>
-                <a:ea typeface="+mn-ea"/>
-                <a:cs typeface="+mn-cs"/>
-              </a:defRPr>
-            </a:lvl3pPr>
-            <a:lvl4pPr marL="1187450" indent="-228600" algn="l" rtl="0" eaLnBrk="1" fontAlgn="base" hangingPunct="1">
-              <a:spcBef>
-                <a:spcPct val="20000"/>
-              </a:spcBef>
-              <a:spcAft>
-                <a:spcPct val="0"/>
-              </a:spcAft>
-              <a:buClr>
-                <a:srgbClr val="F8BD52"/>
-              </a:buClr>
-              <a:buFont typeface="Wingdings 2" pitchFamily="18" charset="2"/>
-              <a:buChar char=""/>
-              <a:defRPr sz="2600" b="1" kern="1200">
-                <a:solidFill>
-                  <a:schemeClr val="tx1">
-                    <a:lumMod val="20000"/>
-                    <a:lumOff val="80000"/>
-                  </a:schemeClr>
-                </a:solidFill>
-                <a:effectLst>
-                  <a:outerShdw blurRad="38100" dist="38100" dir="2700000" algn="tl">
-                    <a:srgbClr val="000000">
-                      <a:alpha val="43137"/>
-                    </a:srgbClr>
-                  </a:outerShdw>
-                </a:effectLst>
-                <a:latin typeface="+mn-lt"/>
-                <a:ea typeface="+mn-ea"/>
-                <a:cs typeface="+mn-cs"/>
-              </a:defRPr>
-            </a:lvl4pPr>
-            <a:lvl5pPr marL="1425575" indent="-228600" algn="l" rtl="0" eaLnBrk="1" fontAlgn="base" hangingPunct="1">
-              <a:spcBef>
-                <a:spcPct val="20000"/>
-              </a:spcBef>
-              <a:spcAft>
-                <a:spcPct val="0"/>
-              </a:spcAft>
-              <a:buClr>
-                <a:srgbClr val="46A6BD"/>
-              </a:buClr>
-              <a:buFont typeface="Wingdings 2" pitchFamily="18" charset="2"/>
-              <a:buChar char=""/>
-              <a:defRPr sz="2400" b="1" kern="1200">
-                <a:solidFill>
-                  <a:schemeClr val="tx1">
-                    <a:lumMod val="20000"/>
-                    <a:lumOff val="80000"/>
-                  </a:schemeClr>
-                </a:solidFill>
-                <a:effectLst>
-                  <a:outerShdw blurRad="38100" dist="38100" dir="2700000" algn="tl">
-                    <a:srgbClr val="000000">
-                      <a:alpha val="43137"/>
-                    </a:srgbClr>
-                  </a:outerShdw>
-                </a:effectLst>
-                <a:latin typeface="+mn-lt"/>
-                <a:ea typeface="+mn-ea"/>
-                <a:cs typeface="+mn-cs"/>
-              </a:defRPr>
-            </a:lvl5pPr>
-            <a:lvl6pPr marL="1673352" indent="-228600" algn="l" rtl="0" eaLnBrk="1" latinLnBrk="0" hangingPunct="1">
-              <a:spcBef>
-                <a:spcPct val="20000"/>
-              </a:spcBef>
-              <a:buClr>
-                <a:schemeClr val="accent6"/>
-              </a:buClr>
-              <a:buFont typeface="Wingdings 2"/>
-              <a:buChar char=""/>
-              <a:defRPr sz="1800" kern="1200">
-                <a:solidFill>
-                  <a:schemeClr val="tx1"/>
-                </a:solidFill>
-                <a:latin typeface="+mn-lt"/>
-                <a:ea typeface="+mn-ea"/>
-                <a:cs typeface="+mn-cs"/>
-              </a:defRPr>
-            </a:lvl6pPr>
-            <a:lvl7pPr marL="1911096" indent="-228600" algn="l" rtl="0" eaLnBrk="1" latinLnBrk="0" hangingPunct="1">
-              <a:spcBef>
-                <a:spcPct val="20000"/>
-              </a:spcBef>
-              <a:buClr>
-                <a:schemeClr val="tx2"/>
-              </a:buClr>
-              <a:buFont typeface="Wingdings 2"/>
-              <a:buChar char=""/>
-              <a:defRPr sz="1600" kern="1200">
-                <a:solidFill>
-                  <a:schemeClr val="tx1"/>
-                </a:solidFill>
-                <a:latin typeface="+mn-lt"/>
-                <a:ea typeface="+mn-ea"/>
-                <a:cs typeface="+mn-cs"/>
-              </a:defRPr>
-            </a:lvl7pPr>
-            <a:lvl8pPr marL="2121408" indent="-182880" algn="l" rtl="0" eaLnBrk="1" latinLnBrk="0" hangingPunct="1">
-              <a:spcBef>
-                <a:spcPct val="20000"/>
-              </a:spcBef>
-              <a:buClr>
-                <a:schemeClr val="tx2"/>
-              </a:buClr>
-              <a:buFont typeface="Wingdings 2"/>
-              <a:buChar char=""/>
-              <a:defRPr sz="1400" kern="1200">
-                <a:solidFill>
-                  <a:schemeClr val="tx1"/>
-                </a:solidFill>
-                <a:latin typeface="+mn-lt"/>
-                <a:ea typeface="+mn-ea"/>
-                <a:cs typeface="+mn-cs"/>
-              </a:defRPr>
-            </a:lvl8pPr>
-            <a:lvl9pPr marL="2322576" indent="-182880" algn="l" rtl="0" eaLnBrk="1" latinLnBrk="0" hangingPunct="1">
-              <a:spcBef>
-                <a:spcPct val="20000"/>
-              </a:spcBef>
-              <a:buClr>
-                <a:schemeClr val="tx2"/>
-              </a:buClr>
-              <a:buFont typeface="Wingdings 2"/>
-              <a:buChar char=""/>
-              <a:defRPr sz="1400" kern="1200">
-                <a:solidFill>
-                  <a:schemeClr val="tx1"/>
-                </a:solidFill>
-                <a:latin typeface="+mn-lt"/>
-                <a:ea typeface="+mn-ea"/>
-                <a:cs typeface="+mn-cs"/>
-              </a:defRPr>
-            </a:lvl9pPr>
-          </a:lstStyle>
-          <a:p>
-            <a:r>
-              <a:rPr lang="en-US" dirty="0"/>
-              <a:t>Atanas Georgiev</a:t>
-            </a:r>
-          </a:p>
-        </p:txBody>
-      </p:sp>
-      <p:sp>
-        <p:nvSpPr>
-          <p:cNvPr id="24" name="Text Placeholder 11"/>
-          <p:cNvSpPr>
-            <a:spLocks noGrp="1"/>
-          </p:cNvSpPr>
-          <p:nvPr/>
-        </p:nvSpPr>
-        <p:spPr>
-          <a:xfrm>
-            <a:off x="202475" y="5786497"/>
-            <a:ext cx="4559300" cy="446276"/>
-          </a:xfrm>
-          <a:prstGeom prst="rect">
-            <a:avLst/>
-          </a:prstGeom>
-          <a:noFill/>
-        </p:spPr>
-        <p:txBody>
-          <a:bodyPr wrap="square" rtlCol="0">
-            <a:spAutoFit/>
-          </a:bodyPr>
-          <a:lstStyle>
-            <a:lvl1pPr marL="319088" indent="-319088" algn="l" rtl="0" eaLnBrk="1" fontAlgn="base" hangingPunct="1">
-              <a:spcBef>
-                <a:spcPct val="0"/>
-              </a:spcBef>
-              <a:spcAft>
-                <a:spcPct val="0"/>
-              </a:spcAft>
-              <a:buClr>
-                <a:schemeClr val="accent5">
-                  <a:lumMod val="40000"/>
-                  <a:lumOff val="60000"/>
-                </a:schemeClr>
-              </a:buClr>
-              <a:buSzPct val="70000"/>
-              <a:buFont typeface="Wingdings 2" pitchFamily="18" charset="2"/>
-              <a:buNone/>
-              <a:defRPr lang="en-US" sz="2300" b="1" kern="1200" dirty="0" smtClean="0">
-                <a:solidFill>
-                  <a:schemeClr val="tx2">
-                    <a:lumMod val="50000"/>
-                  </a:schemeClr>
-                </a:solidFill>
-                <a:effectLst>
-                  <a:outerShdw blurRad="38100" dist="38100" dir="2700000" algn="tl">
-                    <a:srgbClr val="000000">
-                      <a:alpha val="43137"/>
-                    </a:srgbClr>
-                  </a:outerShdw>
-                </a:effectLst>
-                <a:latin typeface="Corbel" pitchFamily="34" charset="0"/>
-                <a:ea typeface="+mn-ea"/>
-                <a:cs typeface="+mn-cs"/>
-              </a:defRPr>
-            </a:lvl1pPr>
-            <a:lvl2pPr marL="630238" indent="-273050" algn="l" rtl="0" eaLnBrk="1" fontAlgn="base" hangingPunct="1">
-              <a:spcBef>
-                <a:spcPct val="20000"/>
-              </a:spcBef>
-              <a:spcAft>
-                <a:spcPct val="0"/>
-              </a:spcAft>
-              <a:buClr>
-                <a:schemeClr val="accent2">
-                  <a:lumMod val="60000"/>
-                  <a:lumOff val="40000"/>
-                </a:schemeClr>
-              </a:buClr>
-              <a:buFont typeface="Wingdings 2" pitchFamily="18" charset="2"/>
-              <a:buChar char=""/>
-              <a:defRPr sz="3000" b="1" kern="1200">
-                <a:solidFill>
-                  <a:schemeClr val="tx1">
-                    <a:lumMod val="20000"/>
-                    <a:lumOff val="80000"/>
-                  </a:schemeClr>
-                </a:solidFill>
-                <a:effectLst>
-                  <a:outerShdw blurRad="38100" dist="38100" dir="2700000" algn="tl">
-                    <a:srgbClr val="000000">
-                      <a:alpha val="43137"/>
-                    </a:srgbClr>
-                  </a:outerShdw>
-                </a:effectLst>
-                <a:latin typeface="+mn-lt"/>
-                <a:ea typeface="+mn-ea"/>
-                <a:cs typeface="+mn-cs"/>
-              </a:defRPr>
-            </a:lvl2pPr>
-            <a:lvl3pPr marL="922338" indent="-273050" algn="l" rtl="0" eaLnBrk="1" fontAlgn="base" hangingPunct="1">
-              <a:spcBef>
-                <a:spcPct val="20000"/>
-              </a:spcBef>
-              <a:spcAft>
-                <a:spcPct val="0"/>
-              </a:spcAft>
-              <a:buClr>
-                <a:schemeClr val="tx1">
-                  <a:lumMod val="50000"/>
-                </a:schemeClr>
-              </a:buClr>
-              <a:buFont typeface="Wingdings 2" pitchFamily="18" charset="2"/>
-              <a:buChar char=""/>
-              <a:defRPr sz="2800" b="1" kern="1200">
-                <a:solidFill>
-                  <a:schemeClr val="tx1">
-                    <a:lumMod val="20000"/>
-                    <a:lumOff val="80000"/>
-                  </a:schemeClr>
-                </a:solidFill>
-                <a:effectLst>
-                  <a:outerShdw blurRad="38100" dist="38100" dir="2700000" algn="tl">
-                    <a:srgbClr val="000000">
-                      <a:alpha val="43137"/>
-                    </a:srgbClr>
-                  </a:outerShdw>
-                </a:effectLst>
-                <a:latin typeface="+mn-lt"/>
-                <a:ea typeface="+mn-ea"/>
-                <a:cs typeface="+mn-cs"/>
-              </a:defRPr>
-            </a:lvl3pPr>
-            <a:lvl4pPr marL="1187450" indent="-228600" algn="l" rtl="0" eaLnBrk="1" fontAlgn="base" hangingPunct="1">
-              <a:spcBef>
-                <a:spcPct val="20000"/>
-              </a:spcBef>
-              <a:spcAft>
-                <a:spcPct val="0"/>
-              </a:spcAft>
-              <a:buClr>
-                <a:srgbClr val="F8BD52"/>
-              </a:buClr>
-              <a:buFont typeface="Wingdings 2" pitchFamily="18" charset="2"/>
-              <a:buChar char=""/>
-              <a:defRPr sz="2600" b="1" kern="1200">
-                <a:solidFill>
-                  <a:schemeClr val="tx1">
-                    <a:lumMod val="20000"/>
-                    <a:lumOff val="80000"/>
-                  </a:schemeClr>
-                </a:solidFill>
-                <a:effectLst>
-                  <a:outerShdw blurRad="38100" dist="38100" dir="2700000" algn="tl">
-                    <a:srgbClr val="000000">
-                      <a:alpha val="43137"/>
-                    </a:srgbClr>
-                  </a:outerShdw>
-                </a:effectLst>
-                <a:latin typeface="+mn-lt"/>
-                <a:ea typeface="+mn-ea"/>
-                <a:cs typeface="+mn-cs"/>
-              </a:defRPr>
-            </a:lvl4pPr>
-            <a:lvl5pPr marL="1425575" indent="-228600" algn="l" rtl="0" eaLnBrk="1" fontAlgn="base" hangingPunct="1">
-              <a:spcBef>
-                <a:spcPct val="20000"/>
-              </a:spcBef>
-              <a:spcAft>
-                <a:spcPct val="0"/>
-              </a:spcAft>
-              <a:buClr>
-                <a:srgbClr val="46A6BD"/>
-              </a:buClr>
-              <a:buFont typeface="Wingdings 2" pitchFamily="18" charset="2"/>
-              <a:buChar char=""/>
-              <a:defRPr sz="2400" b="1" kern="1200">
-                <a:solidFill>
-                  <a:schemeClr val="tx1">
-                    <a:lumMod val="20000"/>
-                    <a:lumOff val="80000"/>
-                  </a:schemeClr>
-                </a:solidFill>
-                <a:effectLst>
-                  <a:outerShdw blurRad="38100" dist="38100" dir="2700000" algn="tl">
-                    <a:srgbClr val="000000">
-                      <a:alpha val="43137"/>
-                    </a:srgbClr>
-                  </a:outerShdw>
-                </a:effectLst>
-                <a:latin typeface="+mn-lt"/>
-                <a:ea typeface="+mn-ea"/>
-                <a:cs typeface="+mn-cs"/>
-              </a:defRPr>
-            </a:lvl5pPr>
-            <a:lvl6pPr marL="1673352" indent="-228600" algn="l" rtl="0" eaLnBrk="1" latinLnBrk="0" hangingPunct="1">
-              <a:spcBef>
-                <a:spcPct val="20000"/>
-              </a:spcBef>
-              <a:buClr>
-                <a:schemeClr val="accent6"/>
-              </a:buClr>
-              <a:buFont typeface="Wingdings 2"/>
-              <a:buChar char=""/>
-              <a:defRPr sz="1800" kern="1200">
-                <a:solidFill>
-                  <a:schemeClr val="tx1"/>
-                </a:solidFill>
-                <a:latin typeface="+mn-lt"/>
-                <a:ea typeface="+mn-ea"/>
-                <a:cs typeface="+mn-cs"/>
-              </a:defRPr>
-            </a:lvl6pPr>
-            <a:lvl7pPr marL="1911096" indent="-228600" algn="l" rtl="0" eaLnBrk="1" latinLnBrk="0" hangingPunct="1">
-              <a:spcBef>
-                <a:spcPct val="20000"/>
-              </a:spcBef>
-              <a:buClr>
-                <a:schemeClr val="tx2"/>
-              </a:buClr>
-              <a:buFont typeface="Wingdings 2"/>
-              <a:buChar char=""/>
-              <a:defRPr sz="1600" kern="1200">
-                <a:solidFill>
-                  <a:schemeClr val="tx1"/>
-                </a:solidFill>
-                <a:latin typeface="+mn-lt"/>
-                <a:ea typeface="+mn-ea"/>
-                <a:cs typeface="+mn-cs"/>
-              </a:defRPr>
-            </a:lvl7pPr>
-            <a:lvl8pPr marL="2121408" indent="-182880" algn="l" rtl="0" eaLnBrk="1" latinLnBrk="0" hangingPunct="1">
-              <a:spcBef>
-                <a:spcPct val="20000"/>
-              </a:spcBef>
-              <a:buClr>
-                <a:schemeClr val="tx2"/>
-              </a:buClr>
-              <a:buFont typeface="Wingdings 2"/>
-              <a:buChar char=""/>
-              <a:defRPr sz="1400" kern="1200">
-                <a:solidFill>
-                  <a:schemeClr val="tx1"/>
-                </a:solidFill>
-                <a:latin typeface="+mn-lt"/>
-                <a:ea typeface="+mn-ea"/>
-                <a:cs typeface="+mn-cs"/>
-              </a:defRPr>
-            </a:lvl8pPr>
-            <a:lvl9pPr marL="2322576" indent="-182880" algn="l" rtl="0" eaLnBrk="1" latinLnBrk="0" hangingPunct="1">
-              <a:spcBef>
-                <a:spcPct val="20000"/>
-              </a:spcBef>
-              <a:buClr>
-                <a:schemeClr val="tx2"/>
-              </a:buClr>
-              <a:buFont typeface="Wingdings 2"/>
-              <a:buChar char=""/>
-              <a:defRPr sz="1400" kern="1200">
-                <a:solidFill>
-                  <a:schemeClr val="tx1"/>
-                </a:solidFill>
-                <a:latin typeface="+mn-lt"/>
-                <a:ea typeface="+mn-ea"/>
-                <a:cs typeface="+mn-cs"/>
-              </a:defRPr>
-            </a:lvl9pPr>
-          </a:lstStyle>
-          <a:p>
-            <a:r>
-              <a:rPr lang="en-US" dirty="0"/>
-              <a:t>Senior QA Engineer</a:t>
-            </a:r>
-          </a:p>
-        </p:txBody>
-      </p:sp>
-      <p:sp>
-        <p:nvSpPr>
-          <p:cNvPr id="25" name="Text Placeholder 12"/>
-          <p:cNvSpPr>
-            <a:spLocks noGrp="1"/>
-          </p:cNvSpPr>
-          <p:nvPr/>
-        </p:nvSpPr>
-        <p:spPr>
-          <a:xfrm>
-            <a:off x="202475" y="6163032"/>
-            <a:ext cx="3352800" cy="400110"/>
-          </a:xfrm>
-          <a:prstGeom prst="rect">
-            <a:avLst/>
-          </a:prstGeom>
-          <a:noFill/>
-        </p:spPr>
-        <p:txBody>
-          <a:bodyPr wrap="square" rtlCol="0">
-            <a:spAutoFit/>
-          </a:bodyPr>
-          <a:lstStyle>
-            <a:lvl1pPr marL="319088" indent="-319088" algn="l" rtl="0" eaLnBrk="1" fontAlgn="base" hangingPunct="1">
-              <a:spcBef>
-                <a:spcPct val="0"/>
-              </a:spcBef>
-              <a:spcAft>
-                <a:spcPct val="0"/>
-              </a:spcAft>
-              <a:buClr>
-                <a:schemeClr val="accent5">
-                  <a:lumMod val="40000"/>
-                  <a:lumOff val="60000"/>
-                </a:schemeClr>
-              </a:buClr>
-              <a:buSzPct val="70000"/>
-              <a:buFont typeface="Wingdings 2" pitchFamily="18" charset="2"/>
-              <a:buNone/>
-              <a:defRPr lang="en-US" sz="2000" b="1" kern="1200" dirty="0" smtClean="0">
-                <a:solidFill>
-                  <a:schemeClr val="tx2">
-                    <a:lumMod val="50000"/>
-                  </a:schemeClr>
-                </a:solidFill>
-                <a:effectLst>
-                  <a:outerShdw blurRad="38100" dist="38100" dir="2700000" algn="tl">
-                    <a:srgbClr val="000000">
-                      <a:alpha val="43137"/>
-                    </a:srgbClr>
-                  </a:outerShdw>
-                </a:effectLst>
-                <a:latin typeface="Corbel" pitchFamily="34" charset="0"/>
-                <a:ea typeface="+mn-ea"/>
-                <a:cs typeface="+mn-cs"/>
-              </a:defRPr>
-            </a:lvl1pPr>
-            <a:lvl2pPr marL="630238" indent="-273050" algn="l" rtl="0" eaLnBrk="1" fontAlgn="base" hangingPunct="1">
-              <a:spcBef>
-                <a:spcPct val="20000"/>
-              </a:spcBef>
-              <a:spcAft>
-                <a:spcPct val="0"/>
-              </a:spcAft>
-              <a:buClr>
-                <a:schemeClr val="accent2">
-                  <a:lumMod val="60000"/>
-                  <a:lumOff val="40000"/>
-                </a:schemeClr>
-              </a:buClr>
-              <a:buFont typeface="Wingdings 2" pitchFamily="18" charset="2"/>
-              <a:buChar char=""/>
-              <a:defRPr sz="3000" b="1" kern="1200">
-                <a:solidFill>
-                  <a:schemeClr val="tx1">
-                    <a:lumMod val="20000"/>
-                    <a:lumOff val="80000"/>
-                  </a:schemeClr>
-                </a:solidFill>
-                <a:effectLst>
-                  <a:outerShdw blurRad="38100" dist="38100" dir="2700000" algn="tl">
-                    <a:srgbClr val="000000">
-                      <a:alpha val="43137"/>
-                    </a:srgbClr>
-                  </a:outerShdw>
-                </a:effectLst>
-                <a:latin typeface="+mn-lt"/>
-                <a:ea typeface="+mn-ea"/>
-                <a:cs typeface="+mn-cs"/>
-              </a:defRPr>
-            </a:lvl2pPr>
-            <a:lvl3pPr marL="922338" indent="-273050" algn="l" rtl="0" eaLnBrk="1" fontAlgn="base" hangingPunct="1">
-              <a:spcBef>
-                <a:spcPct val="20000"/>
-              </a:spcBef>
-              <a:spcAft>
-                <a:spcPct val="0"/>
-              </a:spcAft>
-              <a:buClr>
-                <a:schemeClr val="tx1">
-                  <a:lumMod val="50000"/>
-                </a:schemeClr>
-              </a:buClr>
-              <a:buFont typeface="Wingdings 2" pitchFamily="18" charset="2"/>
-              <a:buChar char=""/>
-              <a:defRPr sz="2800" b="1" kern="1200">
-                <a:solidFill>
-                  <a:schemeClr val="tx1">
-                    <a:lumMod val="20000"/>
-                    <a:lumOff val="80000"/>
-                  </a:schemeClr>
-                </a:solidFill>
-                <a:effectLst>
-                  <a:outerShdw blurRad="38100" dist="38100" dir="2700000" algn="tl">
-                    <a:srgbClr val="000000">
-                      <a:alpha val="43137"/>
-                    </a:srgbClr>
-                  </a:outerShdw>
-                </a:effectLst>
-                <a:latin typeface="+mn-lt"/>
-                <a:ea typeface="+mn-ea"/>
-                <a:cs typeface="+mn-cs"/>
-              </a:defRPr>
-            </a:lvl3pPr>
-            <a:lvl4pPr marL="1187450" indent="-228600" algn="l" rtl="0" eaLnBrk="1" fontAlgn="base" hangingPunct="1">
-              <a:spcBef>
-                <a:spcPct val="20000"/>
-              </a:spcBef>
-              <a:spcAft>
-                <a:spcPct val="0"/>
-              </a:spcAft>
-              <a:buClr>
-                <a:srgbClr val="F8BD52"/>
-              </a:buClr>
-              <a:buFont typeface="Wingdings 2" pitchFamily="18" charset="2"/>
-              <a:buChar char=""/>
-              <a:defRPr sz="2600" b="1" kern="1200">
-                <a:solidFill>
-                  <a:schemeClr val="tx1">
-                    <a:lumMod val="20000"/>
-                    <a:lumOff val="80000"/>
-                  </a:schemeClr>
-                </a:solidFill>
-                <a:effectLst>
-                  <a:outerShdw blurRad="38100" dist="38100" dir="2700000" algn="tl">
-                    <a:srgbClr val="000000">
-                      <a:alpha val="43137"/>
-                    </a:srgbClr>
-                  </a:outerShdw>
-                </a:effectLst>
-                <a:latin typeface="+mn-lt"/>
-                <a:ea typeface="+mn-ea"/>
-                <a:cs typeface="+mn-cs"/>
-              </a:defRPr>
-            </a:lvl4pPr>
-            <a:lvl5pPr marL="1425575" indent="-228600" algn="l" rtl="0" eaLnBrk="1" fontAlgn="base" hangingPunct="1">
-              <a:spcBef>
-                <a:spcPct val="20000"/>
-              </a:spcBef>
-              <a:spcAft>
-                <a:spcPct val="0"/>
-              </a:spcAft>
-              <a:buClr>
-                <a:srgbClr val="46A6BD"/>
-              </a:buClr>
-              <a:buFont typeface="Wingdings 2" pitchFamily="18" charset="2"/>
-              <a:buChar char=""/>
-              <a:defRPr sz="2400" b="1" kern="1200">
-                <a:solidFill>
-                  <a:schemeClr val="tx1">
-                    <a:lumMod val="20000"/>
-                    <a:lumOff val="80000"/>
-                  </a:schemeClr>
-                </a:solidFill>
-                <a:effectLst>
-                  <a:outerShdw blurRad="38100" dist="38100" dir="2700000" algn="tl">
-                    <a:srgbClr val="000000">
-                      <a:alpha val="43137"/>
-                    </a:srgbClr>
-                  </a:outerShdw>
-                </a:effectLst>
-                <a:latin typeface="+mn-lt"/>
-                <a:ea typeface="+mn-ea"/>
-                <a:cs typeface="+mn-cs"/>
-              </a:defRPr>
-            </a:lvl5pPr>
-            <a:lvl6pPr marL="1673352" indent="-228600" algn="l" rtl="0" eaLnBrk="1" latinLnBrk="0" hangingPunct="1">
-              <a:spcBef>
-                <a:spcPct val="20000"/>
-              </a:spcBef>
-              <a:buClr>
-                <a:schemeClr val="accent6"/>
-              </a:buClr>
-              <a:buFont typeface="Wingdings 2"/>
-              <a:buChar char=""/>
-              <a:defRPr sz="1800" kern="1200">
-                <a:solidFill>
-                  <a:schemeClr val="tx1"/>
-                </a:solidFill>
-                <a:latin typeface="+mn-lt"/>
-                <a:ea typeface="+mn-ea"/>
-                <a:cs typeface="+mn-cs"/>
-              </a:defRPr>
-            </a:lvl6pPr>
-            <a:lvl7pPr marL="1911096" indent="-228600" algn="l" rtl="0" eaLnBrk="1" latinLnBrk="0" hangingPunct="1">
-              <a:spcBef>
-                <a:spcPct val="20000"/>
-              </a:spcBef>
-              <a:buClr>
-                <a:schemeClr val="tx2"/>
-              </a:buClr>
-              <a:buFont typeface="Wingdings 2"/>
-              <a:buChar char=""/>
-              <a:defRPr sz="1600" kern="1200">
-                <a:solidFill>
-                  <a:schemeClr val="tx1"/>
-                </a:solidFill>
-                <a:latin typeface="+mn-lt"/>
-                <a:ea typeface="+mn-ea"/>
-                <a:cs typeface="+mn-cs"/>
-              </a:defRPr>
-            </a:lvl7pPr>
-            <a:lvl8pPr marL="2121408" indent="-182880" algn="l" rtl="0" eaLnBrk="1" latinLnBrk="0" hangingPunct="1">
-              <a:spcBef>
-                <a:spcPct val="20000"/>
-              </a:spcBef>
-              <a:buClr>
-                <a:schemeClr val="tx2"/>
-              </a:buClr>
-              <a:buFont typeface="Wingdings 2"/>
-              <a:buChar char=""/>
-              <a:defRPr sz="1400" kern="1200">
-                <a:solidFill>
-                  <a:schemeClr val="tx1"/>
-                </a:solidFill>
-                <a:latin typeface="+mn-lt"/>
-                <a:ea typeface="+mn-ea"/>
-                <a:cs typeface="+mn-cs"/>
-              </a:defRPr>
-            </a:lvl8pPr>
-            <a:lvl9pPr marL="2322576" indent="-182880" algn="l" rtl="0" eaLnBrk="1" latinLnBrk="0" hangingPunct="1">
-              <a:spcBef>
-                <a:spcPct val="20000"/>
-              </a:spcBef>
-              <a:buClr>
-                <a:schemeClr val="tx2"/>
-              </a:buClr>
-              <a:buFont typeface="Wingdings 2"/>
-              <a:buChar char=""/>
-              <a:defRPr sz="1400" kern="1200">
-                <a:solidFill>
-                  <a:schemeClr val="tx1"/>
-                </a:solidFill>
-                <a:latin typeface="+mn-lt"/>
-                <a:ea typeface="+mn-ea"/>
-                <a:cs typeface="+mn-cs"/>
-              </a:defRPr>
-            </a:lvl9pPr>
-          </a:lstStyle>
-          <a:p>
-            <a:r>
-              <a:rPr lang="en-US" dirty="0" err="1"/>
-              <a:t>KendoUI</a:t>
-            </a:r>
-            <a:r>
-              <a:rPr lang="en-US" dirty="0"/>
-              <a:t> Team</a:t>
-            </a:r>
-          </a:p>
-        </p:txBody>
-      </p:sp>
-      <p:pic>
-        <p:nvPicPr>
-          <p:cNvPr id="1026" name="Picture 2" descr="Icon for package Appium.WebDriver"/>
+          <p:cNvPr id="9" name="Picture 2" descr="Icon for package Appium.WebDriver"/>
           <p:cNvPicPr>
             <a:picLocks noChangeAspect="1" noChangeArrowheads="1"/>
           </p:cNvPicPr>
           <p:nvPr/>
         </p:nvPicPr>
         <p:blipFill>
-          <a:blip r:embed="rId4">
+          <a:blip r:embed="rId3">
             <a:extLst>
               <a:ext uri="{28A0092B-C50C-407E-A947-70E740481C1C}">
                 <a14:useLocalDpi xmlns:a14="http://schemas.microsoft.com/office/drawing/2010/main" val="0"/>
@@ -8064,13 +6927,26 @@
         </p:blipFill>
         <p:spPr bwMode="auto">
           <a:xfrm>
-            <a:off x="3123221" y="2677391"/>
-            <a:ext cx="2558641" cy="2558643"/>
+            <a:off x="6196206" y="4390601"/>
+            <a:ext cx="2303218" cy="2303220"/>
           </a:xfrm>
-          <a:prstGeom prst="rect">
+          <a:prstGeom prst="roundRect">
             <a:avLst/>
           </a:prstGeom>
           <a:noFill/>
+          <a:ln>
+            <a:noFill/>
+          </a:ln>
+          <a:effectLst>
+            <a:glow rad="101600">
+              <a:schemeClr val="tx1">
+                <a:alpha val="60000"/>
+              </a:schemeClr>
+            </a:glow>
+            <a:outerShdw dist="35921" dir="2700000" algn="ctr" rotWithShape="0">
+              <a:schemeClr val="bg2"/>
+            </a:outerShdw>
+          </a:effectLst>
           <a:extLst>
             <a:ext uri="{909E8E84-426E-40DD-AFC4-6F175D3DCCD1}">
               <a14:hiddenFill xmlns:a14="http://schemas.microsoft.com/office/drawing/2010/main">
@@ -8085,7 +6961,1260 @@
     </p:spTree>
     <p:extLst>
       <p:ext uri="{BB962C8B-B14F-4D97-AF65-F5344CB8AC3E}">
-        <p14:creationId xmlns:p14="http://schemas.microsoft.com/office/powerpoint/2010/main" val="4199685951"/>
+        <p14:creationId xmlns:p14="http://schemas.microsoft.com/office/powerpoint/2010/main" val="3932637406"/>
+      </p:ext>
+    </p:extLst>
+  </p:cSld>
+  <p:clrMapOvr>
+    <a:masterClrMapping/>
+  </p:clrMapOvr>
+  <p:timing>
+    <p:tnLst>
+      <p:par>
+        <p:cTn id="1" dur="indefinite" restart="never" nodeType="tmRoot"/>
+      </p:par>
+    </p:tnLst>
+  </p:timing>
+</p:sld>
+</file>
+
+<file path=ppt/slides/slide10.xml><?xml version="1.0" encoding="utf-8"?>
+<p:sld xmlns:a="http://schemas.openxmlformats.org/drawingml/2006/main" xmlns:r="http://schemas.openxmlformats.org/officeDocument/2006/relationships" xmlns:p="http://schemas.openxmlformats.org/presentationml/2006/main">
+  <p:cSld>
+    <p:spTree>
+      <p:nvGrpSpPr>
+        <p:cNvPr id="1" name=""/>
+        <p:cNvGrpSpPr/>
+        <p:nvPr/>
+      </p:nvGrpSpPr>
+      <p:grpSpPr>
+        <a:xfrm>
+          <a:off x="0" y="0"/>
+          <a:ext cx="0" cy="0"/>
+          <a:chOff x="0" y="0"/>
+          <a:chExt cx="0" cy="0"/>
+        </a:xfrm>
+      </p:grpSpPr>
+      <p:sp>
+        <p:nvSpPr>
+          <p:cNvPr id="5" name="Title 4"/>
+          <p:cNvSpPr>
+            <a:spLocks noGrp="1"/>
+          </p:cNvSpPr>
+          <p:nvPr>
+            <p:ph type="title"/>
+          </p:nvPr>
+        </p:nvSpPr>
+        <p:spPr/>
+        <p:txBody>
+          <a:bodyPr/>
+          <a:lstStyle/>
+          <a:p>
+            <a:r>
+              <a:rPr lang="en-US" dirty="0" err="1"/>
+              <a:t>Appium</a:t>
+            </a:r>
+            <a:r>
+              <a:rPr lang="en-US" dirty="0"/>
+              <a:t> with Ruby</a:t>
+            </a:r>
+            <a:endParaRPr lang="en-US" dirty="0"/>
+          </a:p>
+        </p:txBody>
+      </p:sp>
+      <p:sp>
+        <p:nvSpPr>
+          <p:cNvPr id="4" name="Content Placeholder 2"/>
+          <p:cNvSpPr>
+            <a:spLocks noGrp="1"/>
+          </p:cNvSpPr>
+          <p:nvPr>
+            <p:ph idx="1"/>
+          </p:nvPr>
+        </p:nvSpPr>
+        <p:spPr>
+          <a:xfrm>
+            <a:off x="1748416" y="2930915"/>
+            <a:ext cx="5642984" cy="1219201"/>
+          </a:xfrm>
+        </p:spPr>
+        <p:txBody>
+          <a:bodyPr wrap="none" lIns="0" tIns="0" rIns="0" bIns="0" anchor="ctr" anchorCtr="0">
+            <a:noAutofit/>
+          </a:bodyPr>
+          <a:lstStyle/>
+          <a:p>
+            <a:pPr marL="0" indent="0" algn="ctr">
+              <a:lnSpc>
+                <a:spcPct val="100000"/>
+              </a:lnSpc>
+              <a:spcBef>
+                <a:spcPts val="0"/>
+              </a:spcBef>
+              <a:spcAft>
+                <a:spcPts val="0"/>
+              </a:spcAft>
+              <a:buNone/>
+            </a:pPr>
+            <a:r>
+              <a:rPr lang="en-US" sz="7200" dirty="0" smtClean="0"/>
+              <a:t>Questions?</a:t>
+            </a:r>
+            <a:endParaRPr lang="en-US" sz="7200" dirty="0"/>
+          </a:p>
+        </p:txBody>
+      </p:sp>
+      <p:sp>
+        <p:nvSpPr>
+          <p:cNvPr id="6" name="TextBox 5"/>
+          <p:cNvSpPr txBox="1"/>
+          <p:nvPr/>
+        </p:nvSpPr>
+        <p:spPr>
+          <a:xfrm rot="12041701" flipH="1">
+            <a:off x="7298514" y="4335923"/>
+            <a:ext cx="949687" cy="1803953"/>
+          </a:xfrm>
+          <a:prstGeom prst="rect">
+            <a:avLst/>
+          </a:prstGeom>
+          <a:noFill/>
+        </p:spPr>
+        <p:txBody>
+          <a:bodyPr wrap="square" rtlCol="0">
+            <a:spAutoFit/>
+            <a:scene3d>
+              <a:camera prst="orthographicFront"/>
+              <a:lightRig rig="threePt" dir="t"/>
+            </a:scene3d>
+            <a:sp3d extrusionH="57150">
+              <a:bevelT w="38100" h="38100"/>
+            </a:sp3d>
+          </a:bodyPr>
+          <a:lstStyle/>
+          <a:p>
+            <a:r>
+              <a:rPr lang="en-US" sz="11500" b="1" dirty="0" smtClean="0">
+                <a:solidFill>
+                  <a:schemeClr val="tx1">
+                    <a:lumMod val="75000"/>
+                  </a:schemeClr>
+                </a:solidFill>
+                <a:effectLst>
+                  <a:reflection blurRad="6350" stA="55000" endA="300" endPos="45500" dir="5400000" sy="-100000" algn="bl" rotWithShape="0"/>
+                </a:effectLst>
+              </a:rPr>
+              <a:t>?</a:t>
+            </a:r>
+            <a:endParaRPr lang="en-US" sz="11500" b="1" dirty="0">
+              <a:solidFill>
+                <a:schemeClr val="tx1">
+                  <a:lumMod val="75000"/>
+                </a:schemeClr>
+              </a:solidFill>
+              <a:effectLst>
+                <a:reflection blurRad="6350" stA="55000" endA="300" endPos="45500" dir="5400000" sy="-100000" algn="bl" rotWithShape="0"/>
+              </a:effectLst>
+            </a:endParaRPr>
+          </a:p>
+        </p:txBody>
+      </p:sp>
+      <p:sp>
+        <p:nvSpPr>
+          <p:cNvPr id="7" name="TextBox 6"/>
+          <p:cNvSpPr txBox="1"/>
+          <p:nvPr/>
+        </p:nvSpPr>
+        <p:spPr>
+          <a:xfrm rot="2456848" flipH="1">
+            <a:off x="968763" y="4533447"/>
+            <a:ext cx="859648" cy="2404656"/>
+          </a:xfrm>
+          <a:prstGeom prst="rect">
+            <a:avLst/>
+          </a:prstGeom>
+          <a:noFill/>
+        </p:spPr>
+        <p:txBody>
+          <a:bodyPr wrap="square" rtlCol="0">
+            <a:spAutoFit/>
+            <a:scene3d>
+              <a:camera prst="orthographicFront"/>
+              <a:lightRig rig="threePt" dir="t"/>
+            </a:scene3d>
+            <a:sp3d extrusionH="57150">
+              <a:bevelT w="38100" h="38100"/>
+            </a:sp3d>
+          </a:bodyPr>
+          <a:lstStyle/>
+          <a:p>
+            <a:r>
+              <a:rPr lang="en-US" sz="14000" b="1" dirty="0" smtClean="0">
+                <a:solidFill>
+                  <a:srgbClr val="FFBF8B"/>
+                </a:solidFill>
+                <a:effectLst>
+                  <a:reflection blurRad="6350" stA="55000" endA="300" endPos="45500" dir="5400000" sy="-100000" algn="bl" rotWithShape="0"/>
+                </a:effectLst>
+                <a:latin typeface="Cambria" pitchFamily="18" charset="0"/>
+              </a:rPr>
+              <a:t>?</a:t>
+            </a:r>
+            <a:endParaRPr lang="en-US" sz="14000" b="1" dirty="0">
+              <a:solidFill>
+                <a:srgbClr val="FFBF8B"/>
+              </a:solidFill>
+              <a:effectLst>
+                <a:reflection blurRad="6350" stA="55000" endA="300" endPos="45500" dir="5400000" sy="-100000" algn="bl" rotWithShape="0"/>
+              </a:effectLst>
+              <a:latin typeface="Cambria" pitchFamily="18" charset="0"/>
+            </a:endParaRPr>
+          </a:p>
+        </p:txBody>
+      </p:sp>
+      <p:sp>
+        <p:nvSpPr>
+          <p:cNvPr id="8" name="TextBox 7"/>
+          <p:cNvSpPr txBox="1"/>
+          <p:nvPr/>
+        </p:nvSpPr>
+        <p:spPr>
+          <a:xfrm rot="9535351" flipH="1">
+            <a:off x="793612" y="1933451"/>
+            <a:ext cx="949687" cy="1401418"/>
+          </a:xfrm>
+          <a:prstGeom prst="rect">
+            <a:avLst/>
+          </a:prstGeom>
+          <a:noFill/>
+        </p:spPr>
+        <p:txBody>
+          <a:bodyPr wrap="square" rtlCol="0">
+            <a:spAutoFit/>
+            <a:scene3d>
+              <a:camera prst="isometricOffAxis1Right"/>
+              <a:lightRig rig="threePt" dir="t"/>
+            </a:scene3d>
+            <a:sp3d extrusionH="57150">
+              <a:bevelT w="38100" h="38100"/>
+            </a:sp3d>
+          </a:bodyPr>
+          <a:lstStyle/>
+          <a:p>
+            <a:r>
+              <a:rPr lang="en-US" sz="8800" dirty="0" smtClean="0">
+                <a:solidFill>
+                  <a:schemeClr val="accent5">
+                    <a:lumMod val="60000"/>
+                    <a:lumOff val="40000"/>
+                  </a:schemeClr>
+                </a:solidFill>
+                <a:effectLst>
+                  <a:reflection blurRad="6350" stA="55000" endA="300" endPos="45500" dir="5400000" sy="-100000" algn="bl" rotWithShape="0"/>
+                </a:effectLst>
+              </a:rPr>
+              <a:t>?</a:t>
+            </a:r>
+            <a:endParaRPr lang="en-US" sz="8800" dirty="0">
+              <a:solidFill>
+                <a:schemeClr val="accent5">
+                  <a:lumMod val="60000"/>
+                  <a:lumOff val="40000"/>
+                </a:schemeClr>
+              </a:solidFill>
+              <a:effectLst>
+                <a:reflection blurRad="6350" stA="55000" endA="300" endPos="45500" dir="5400000" sy="-100000" algn="bl" rotWithShape="0"/>
+              </a:effectLst>
+            </a:endParaRPr>
+          </a:p>
+        </p:txBody>
+      </p:sp>
+      <p:sp>
+        <p:nvSpPr>
+          <p:cNvPr id="9" name="TextBox 8"/>
+          <p:cNvSpPr txBox="1"/>
+          <p:nvPr/>
+        </p:nvSpPr>
+        <p:spPr>
+          <a:xfrm rot="16938170" flipH="1">
+            <a:off x="4905823" y="966542"/>
+            <a:ext cx="859648" cy="1992899"/>
+          </a:xfrm>
+          <a:prstGeom prst="rect">
+            <a:avLst/>
+          </a:prstGeom>
+          <a:noFill/>
+        </p:spPr>
+        <p:txBody>
+          <a:bodyPr wrap="square" rtlCol="0">
+            <a:spAutoFit/>
+            <a:scene3d>
+              <a:camera prst="orthographicFront"/>
+              <a:lightRig rig="threePt" dir="t"/>
+            </a:scene3d>
+            <a:sp3d extrusionH="57150">
+              <a:bevelT w="38100" h="38100"/>
+            </a:sp3d>
+          </a:bodyPr>
+          <a:lstStyle/>
+          <a:p>
+            <a:r>
+              <a:rPr lang="en-US" sz="11500" b="1" dirty="0" smtClean="0">
+                <a:solidFill>
+                  <a:srgbClr val="FF831D"/>
+                </a:solidFill>
+                <a:effectLst>
+                  <a:reflection blurRad="6350" stA="55000" endA="300" endPos="45500" dir="5400000" sy="-100000" algn="bl" rotWithShape="0"/>
+                </a:effectLst>
+              </a:rPr>
+              <a:t>?</a:t>
+            </a:r>
+            <a:endParaRPr lang="en-US" sz="11500" b="1" dirty="0">
+              <a:solidFill>
+                <a:srgbClr val="FF831D"/>
+              </a:solidFill>
+              <a:effectLst>
+                <a:reflection blurRad="6350" stA="55000" endA="300" endPos="45500" dir="5400000" sy="-100000" algn="bl" rotWithShape="0"/>
+              </a:effectLst>
+            </a:endParaRPr>
+          </a:p>
+        </p:txBody>
+      </p:sp>
+      <p:sp>
+        <p:nvSpPr>
+          <p:cNvPr id="10" name="TextBox 9"/>
+          <p:cNvSpPr txBox="1"/>
+          <p:nvPr/>
+        </p:nvSpPr>
+        <p:spPr>
+          <a:xfrm rot="19836951" flipH="1">
+            <a:off x="7434275" y="1063226"/>
+            <a:ext cx="949687" cy="2492990"/>
+          </a:xfrm>
+          <a:prstGeom prst="rect">
+            <a:avLst/>
+          </a:prstGeom>
+          <a:noFill/>
+        </p:spPr>
+        <p:txBody>
+          <a:bodyPr wrap="square" rtlCol="0">
+            <a:spAutoFit/>
+            <a:scene3d>
+              <a:camera prst="orthographicFront"/>
+              <a:lightRig rig="glow" dir="tl">
+                <a:rot lat="0" lon="0" rev="5400000"/>
+              </a:lightRig>
+            </a:scene3d>
+            <a:sp3d contourW="12700">
+              <a:bevelT w="25400" h="25400"/>
+              <a:contourClr>
+                <a:schemeClr val="accent6">
+                  <a:shade val="73000"/>
+                </a:schemeClr>
+              </a:contourClr>
+            </a:sp3d>
+          </a:bodyPr>
+          <a:lstStyle/>
+          <a:p>
+            <a:r>
+              <a:rPr lang="en-US" sz="15600" b="1" dirty="0" smtClean="0">
+                <a:ln w="11430"/>
+                <a:gradFill>
+                  <a:gsLst>
+                    <a:gs pos="0">
+                      <a:schemeClr val="accent6">
+                        <a:tint val="90000"/>
+                        <a:satMod val="120000"/>
+                      </a:schemeClr>
+                    </a:gs>
+                    <a:gs pos="25000">
+                      <a:schemeClr val="accent6">
+                        <a:tint val="93000"/>
+                        <a:satMod val="120000"/>
+                      </a:schemeClr>
+                    </a:gs>
+                    <a:gs pos="50000">
+                      <a:schemeClr val="accent6">
+                        <a:shade val="89000"/>
+                        <a:satMod val="110000"/>
+                      </a:schemeClr>
+                    </a:gs>
+                    <a:gs pos="75000">
+                      <a:schemeClr val="accent6">
+                        <a:tint val="93000"/>
+                        <a:satMod val="120000"/>
+                      </a:schemeClr>
+                    </a:gs>
+                    <a:gs pos="100000">
+                      <a:schemeClr val="accent6">
+                        <a:tint val="90000"/>
+                        <a:satMod val="120000"/>
+                      </a:schemeClr>
+                    </a:gs>
+                  </a:gsLst>
+                  <a:lin ang="5400000"/>
+                </a:gradFill>
+                <a:effectLst>
+                  <a:innerShdw blurRad="63500" dist="50800" dir="8100000">
+                    <a:prstClr val="black">
+                      <a:alpha val="50000"/>
+                    </a:prstClr>
+                  </a:innerShdw>
+                  <a:reflection blurRad="6350" stA="55000" endA="300" endPos="45500" dir="5400000" sy="-100000" algn="bl" rotWithShape="0"/>
+                </a:effectLst>
+              </a:rPr>
+              <a:t>?</a:t>
+            </a:r>
+            <a:endParaRPr lang="en-US" sz="15600" b="1" dirty="0">
+              <a:ln w="11430"/>
+              <a:gradFill>
+                <a:gsLst>
+                  <a:gs pos="0">
+                    <a:schemeClr val="accent6">
+                      <a:tint val="90000"/>
+                      <a:satMod val="120000"/>
+                    </a:schemeClr>
+                  </a:gs>
+                  <a:gs pos="25000">
+                    <a:schemeClr val="accent6">
+                      <a:tint val="93000"/>
+                      <a:satMod val="120000"/>
+                    </a:schemeClr>
+                  </a:gs>
+                  <a:gs pos="50000">
+                    <a:schemeClr val="accent6">
+                      <a:shade val="89000"/>
+                      <a:satMod val="110000"/>
+                    </a:schemeClr>
+                  </a:gs>
+                  <a:gs pos="75000">
+                    <a:schemeClr val="accent6">
+                      <a:tint val="93000"/>
+                      <a:satMod val="120000"/>
+                    </a:schemeClr>
+                  </a:gs>
+                  <a:gs pos="100000">
+                    <a:schemeClr val="accent6">
+                      <a:tint val="90000"/>
+                      <a:satMod val="120000"/>
+                    </a:schemeClr>
+                  </a:gs>
+                </a:gsLst>
+                <a:lin ang="5400000"/>
+              </a:gradFill>
+              <a:effectLst>
+                <a:innerShdw blurRad="63500" dist="50800" dir="8100000">
+                  <a:prstClr val="black">
+                    <a:alpha val="50000"/>
+                  </a:prstClr>
+                </a:innerShdw>
+                <a:reflection blurRad="6350" stA="55000" endA="300" endPos="45500" dir="5400000" sy="-100000" algn="bl" rotWithShape="0"/>
+              </a:effectLst>
+            </a:endParaRPr>
+          </a:p>
+        </p:txBody>
+      </p:sp>
+      <p:sp>
+        <p:nvSpPr>
+          <p:cNvPr id="11" name="TextBox 10"/>
+          <p:cNvSpPr txBox="1"/>
+          <p:nvPr/>
+        </p:nvSpPr>
+        <p:spPr>
+          <a:xfrm rot="2233443" flipH="1">
+            <a:off x="2277485" y="1162062"/>
+            <a:ext cx="584096" cy="924339"/>
+          </a:xfrm>
+          <a:prstGeom prst="rect">
+            <a:avLst/>
+          </a:prstGeom>
+          <a:noFill/>
+        </p:spPr>
+        <p:txBody>
+          <a:bodyPr wrap="square" rtlCol="0">
+            <a:spAutoFit/>
+            <a:scene3d>
+              <a:camera prst="perspectiveHeroicExtremeLeftFacing"/>
+              <a:lightRig rig="threePt" dir="t"/>
+            </a:scene3d>
+            <a:sp3d extrusionH="57150">
+              <a:bevelT w="38100" h="38100"/>
+            </a:sp3d>
+          </a:bodyPr>
+          <a:lstStyle/>
+          <a:p>
+            <a:r>
+              <a:rPr lang="en-US" sz="5600" dirty="0" smtClean="0">
+                <a:solidFill>
+                  <a:schemeClr val="tx2">
+                    <a:lumMod val="75000"/>
+                  </a:schemeClr>
+                </a:solidFill>
+                <a:effectLst>
+                  <a:reflection blurRad="6350" stA="55000" endA="300" endPos="45500" dir="5400000" sy="-100000" algn="bl" rotWithShape="0"/>
+                </a:effectLst>
+              </a:rPr>
+              <a:t>?</a:t>
+            </a:r>
+            <a:endParaRPr lang="en-US" sz="5600" dirty="0">
+              <a:solidFill>
+                <a:schemeClr val="tx2">
+                  <a:lumMod val="75000"/>
+                </a:schemeClr>
+              </a:solidFill>
+              <a:effectLst>
+                <a:reflection blurRad="6350" stA="55000" endA="300" endPos="45500" dir="5400000" sy="-100000" algn="bl" rotWithShape="0"/>
+              </a:effectLst>
+            </a:endParaRPr>
+          </a:p>
+        </p:txBody>
+      </p:sp>
+      <p:sp>
+        <p:nvSpPr>
+          <p:cNvPr id="12" name="TextBox 11"/>
+          <p:cNvSpPr txBox="1"/>
+          <p:nvPr/>
+        </p:nvSpPr>
+        <p:spPr>
+          <a:xfrm rot="8530737" flipH="1">
+            <a:off x="4871755" y="4563443"/>
+            <a:ext cx="643173" cy="1569660"/>
+          </a:xfrm>
+          <a:prstGeom prst="rect">
+            <a:avLst/>
+          </a:prstGeom>
+          <a:noFill/>
+        </p:spPr>
+        <p:txBody>
+          <a:bodyPr wrap="square" rtlCol="0">
+            <a:spAutoFit/>
+            <a:scene3d>
+              <a:camera prst="orthographicFront"/>
+              <a:lightRig rig="threePt" dir="t"/>
+            </a:scene3d>
+            <a:sp3d extrusionH="57150">
+              <a:bevelT w="38100" h="38100"/>
+            </a:sp3d>
+          </a:bodyPr>
+          <a:lstStyle/>
+          <a:p>
+            <a:r>
+              <a:rPr lang="en-US" sz="9600" dirty="0" smtClean="0">
+                <a:solidFill>
+                  <a:srgbClr val="FF4A37"/>
+                </a:solidFill>
+                <a:effectLst>
+                  <a:reflection blurRad="6350" stA="60000" endA="900" endPos="60000" dist="29997" dir="5400000" sy="-100000" algn="bl" rotWithShape="0"/>
+                </a:effectLst>
+              </a:rPr>
+              <a:t>?</a:t>
+            </a:r>
+            <a:endParaRPr lang="en-US" sz="9600" dirty="0">
+              <a:solidFill>
+                <a:srgbClr val="FF4A37"/>
+              </a:solidFill>
+              <a:effectLst>
+                <a:reflection blurRad="6350" stA="60000" endA="900" endPos="60000" dist="29997" dir="5400000" sy="-100000" algn="bl" rotWithShape="0"/>
+              </a:effectLst>
+            </a:endParaRPr>
+          </a:p>
+        </p:txBody>
+      </p:sp>
+      <p:sp>
+        <p:nvSpPr>
+          <p:cNvPr id="13" name="TextBox 12"/>
+          <p:cNvSpPr txBox="1"/>
+          <p:nvPr/>
+        </p:nvSpPr>
+        <p:spPr>
+          <a:xfrm rot="12627025" flipH="1">
+            <a:off x="2726518" y="4181126"/>
+            <a:ext cx="584096" cy="626166"/>
+          </a:xfrm>
+          <a:prstGeom prst="rect">
+            <a:avLst/>
+          </a:prstGeom>
+          <a:noFill/>
+        </p:spPr>
+        <p:txBody>
+          <a:bodyPr wrap="square" rtlCol="0">
+            <a:spAutoFit/>
+            <a:scene3d>
+              <a:camera prst="orthographicFront"/>
+              <a:lightRig rig="threePt" dir="t"/>
+            </a:scene3d>
+            <a:sp3d extrusionH="57150">
+              <a:bevelT w="38100" h="38100"/>
+            </a:sp3d>
+          </a:bodyPr>
+          <a:lstStyle/>
+          <a:p>
+            <a:r>
+              <a:rPr lang="en-US" sz="3600" dirty="0" smtClean="0">
+                <a:solidFill>
+                  <a:schemeClr val="tx2">
+                    <a:lumMod val="40000"/>
+                    <a:lumOff val="60000"/>
+                  </a:schemeClr>
+                </a:solidFill>
+                <a:effectLst>
+                  <a:reflection blurRad="6350" stA="55000" endA="300" endPos="45500" dir="5400000" sy="-100000" algn="bl" rotWithShape="0"/>
+                </a:effectLst>
+              </a:rPr>
+              <a:t>?</a:t>
+            </a:r>
+            <a:endParaRPr lang="en-US" sz="3600" dirty="0">
+              <a:solidFill>
+                <a:schemeClr val="tx2">
+                  <a:lumMod val="40000"/>
+                  <a:lumOff val="60000"/>
+                </a:schemeClr>
+              </a:solidFill>
+              <a:effectLst>
+                <a:reflection blurRad="6350" stA="55000" endA="300" endPos="45500" dir="5400000" sy="-100000" algn="bl" rotWithShape="0"/>
+              </a:effectLst>
+            </a:endParaRPr>
+          </a:p>
+        </p:txBody>
+      </p:sp>
+      <p:sp>
+        <p:nvSpPr>
+          <p:cNvPr id="14" name="TextBox 13"/>
+          <p:cNvSpPr txBox="1"/>
+          <p:nvPr/>
+        </p:nvSpPr>
+        <p:spPr>
+          <a:xfrm rot="1186146" flipH="1">
+            <a:off x="6185957" y="4125718"/>
+            <a:ext cx="499379" cy="1107996"/>
+          </a:xfrm>
+          <a:prstGeom prst="rect">
+            <a:avLst/>
+          </a:prstGeom>
+          <a:noFill/>
+        </p:spPr>
+        <p:txBody>
+          <a:bodyPr wrap="square" rtlCol="0">
+            <a:spAutoFit/>
+            <a:scene3d>
+              <a:camera prst="orthographicFront"/>
+              <a:lightRig rig="threePt" dir="t"/>
+            </a:scene3d>
+            <a:sp3d extrusionH="57150">
+              <a:bevelT w="69850" h="69850" prst="divot"/>
+            </a:sp3d>
+          </a:bodyPr>
+          <a:lstStyle/>
+          <a:p>
+            <a:r>
+              <a:rPr lang="en-US" sz="6600" dirty="0" smtClean="0">
+                <a:solidFill>
+                  <a:srgbClr val="9966FF"/>
+                </a:solidFill>
+                <a:effectLst>
+                  <a:reflection blurRad="6350" stA="55000" endA="300" endPos="45500" dir="5400000" sy="-100000" algn="bl" rotWithShape="0"/>
+                </a:effectLst>
+              </a:rPr>
+              <a:t>?</a:t>
+            </a:r>
+            <a:endParaRPr lang="en-US" sz="6600" dirty="0">
+              <a:solidFill>
+                <a:srgbClr val="9966FF"/>
+              </a:solidFill>
+              <a:effectLst>
+                <a:reflection blurRad="6350" stA="55000" endA="300" endPos="45500" dir="5400000" sy="-100000" algn="bl" rotWithShape="0"/>
+              </a:effectLst>
+            </a:endParaRPr>
+          </a:p>
+        </p:txBody>
+      </p:sp>
+      <p:sp>
+        <p:nvSpPr>
+          <p:cNvPr id="15" name="TextBox 14"/>
+          <p:cNvSpPr txBox="1"/>
+          <p:nvPr/>
+        </p:nvSpPr>
+        <p:spPr>
+          <a:xfrm rot="19460650" flipH="1">
+            <a:off x="3142397" y="2163174"/>
+            <a:ext cx="489197" cy="769441"/>
+          </a:xfrm>
+          <a:prstGeom prst="rect">
+            <a:avLst/>
+          </a:prstGeom>
+          <a:noFill/>
+        </p:spPr>
+        <p:txBody>
+          <a:bodyPr wrap="square" rtlCol="0">
+            <a:prstTxWarp prst="textInflate">
+              <a:avLst/>
+            </a:prstTxWarp>
+            <a:spAutoFit/>
+            <a:scene3d>
+              <a:camera prst="perspectiveRelaxedModerately"/>
+              <a:lightRig rig="threePt" dir="t"/>
+            </a:scene3d>
+            <a:sp3d extrusionH="57150">
+              <a:bevelT w="38100" h="38100"/>
+            </a:sp3d>
+          </a:bodyPr>
+          <a:lstStyle/>
+          <a:p>
+            <a:r>
+              <a:rPr lang="en-US" sz="4400" dirty="0" smtClean="0">
+                <a:solidFill>
+                  <a:srgbClr val="FF6699"/>
+                </a:solidFill>
+                <a:effectLst>
+                  <a:reflection blurRad="6350" stA="55000" endA="300" endPos="45500" dir="5400000" sy="-100000" algn="bl" rotWithShape="0"/>
+                </a:effectLst>
+              </a:rPr>
+              <a:t>?</a:t>
+            </a:r>
+            <a:endParaRPr lang="en-US" sz="4400" dirty="0">
+              <a:solidFill>
+                <a:srgbClr val="FF6699"/>
+              </a:solidFill>
+              <a:effectLst>
+                <a:reflection blurRad="6350" stA="55000" endA="300" endPos="45500" dir="5400000" sy="-100000" algn="bl" rotWithShape="0"/>
+              </a:effectLst>
+            </a:endParaRPr>
+          </a:p>
+        </p:txBody>
+      </p:sp>
+      <p:sp>
+        <p:nvSpPr>
+          <p:cNvPr id="16" name="TextBox 15"/>
+          <p:cNvSpPr txBox="1"/>
+          <p:nvPr/>
+        </p:nvSpPr>
+        <p:spPr>
+          <a:xfrm rot="18277140" flipH="1">
+            <a:off x="438513" y="3075786"/>
+            <a:ext cx="891282" cy="646331"/>
+          </a:xfrm>
+          <a:prstGeom prst="rect">
+            <a:avLst/>
+          </a:prstGeom>
+          <a:noFill/>
+        </p:spPr>
+        <p:txBody>
+          <a:bodyPr wrap="square" rtlCol="0">
+            <a:spAutoFit/>
+            <a:scene3d>
+              <a:camera prst="orthographicFront"/>
+              <a:lightRig rig="threePt" dir="t"/>
+            </a:scene3d>
+            <a:sp3d extrusionH="57150">
+              <a:bevelT w="38100" h="38100"/>
+            </a:sp3d>
+          </a:bodyPr>
+          <a:lstStyle/>
+          <a:p>
+            <a:r>
+              <a:rPr lang="en-US" sz="3600" dirty="0" smtClean="0">
+                <a:solidFill>
+                  <a:schemeClr val="tx2">
+                    <a:lumMod val="40000"/>
+                    <a:lumOff val="60000"/>
+                  </a:schemeClr>
+                </a:solidFill>
+                <a:effectLst>
+                  <a:reflection blurRad="6350" stA="55000" endA="300" endPos="45500" dir="5400000" sy="-100000" algn="bl" rotWithShape="0"/>
+                </a:effectLst>
+              </a:rPr>
+              <a:t>?</a:t>
+            </a:r>
+            <a:endParaRPr lang="en-US" sz="3600" dirty="0">
+              <a:solidFill>
+                <a:schemeClr val="tx2">
+                  <a:lumMod val="40000"/>
+                  <a:lumOff val="60000"/>
+                </a:schemeClr>
+              </a:solidFill>
+              <a:effectLst>
+                <a:reflection blurRad="6350" stA="55000" endA="300" endPos="45500" dir="5400000" sy="-100000" algn="bl" rotWithShape="0"/>
+              </a:effectLst>
+            </a:endParaRPr>
+          </a:p>
+        </p:txBody>
+      </p:sp>
+    </p:spTree>
+    <p:extLst>
+      <p:ext uri="{BB962C8B-B14F-4D97-AF65-F5344CB8AC3E}">
+        <p14:creationId xmlns:p14="http://schemas.microsoft.com/office/powerpoint/2010/main" val="2581911694"/>
+      </p:ext>
+    </p:extLst>
+  </p:cSld>
+  <p:clrMapOvr>
+    <a:masterClrMapping/>
+  </p:clrMapOvr>
+  <mc:AlternateContent xmlns:mc="http://schemas.openxmlformats.org/markup-compatibility/2006" xmlns:p14="http://schemas.microsoft.com/office/powerpoint/2010/main">
+    <mc:Choice Requires="p14">
+      <p:transition spd="slow" p14:dur="2000"/>
+    </mc:Choice>
+    <mc:Fallback xmlns="">
+      <p:transition spd="slow"/>
+    </mc:Fallback>
+  </mc:AlternateContent>
+  <p:timing>
+    <p:tnLst>
+      <p:par>
+        <p:cTn id="1" dur="indefinite" restart="never" nodeType="tmRoot"/>
+      </p:par>
+    </p:tnLst>
+  </p:timing>
+</p:sld>
+</file>
+
+<file path=ppt/slides/slide11.xml><?xml version="1.0" encoding="utf-8"?>
+<p:sld xmlns:a="http://schemas.openxmlformats.org/drawingml/2006/main" xmlns:r="http://schemas.openxmlformats.org/officeDocument/2006/relationships" xmlns:p="http://schemas.openxmlformats.org/presentationml/2006/main">
+  <p:cSld>
+    <p:spTree>
+      <p:nvGrpSpPr>
+        <p:cNvPr id="1" name=""/>
+        <p:cNvGrpSpPr/>
+        <p:nvPr/>
+      </p:nvGrpSpPr>
+      <p:grpSpPr>
+        <a:xfrm>
+          <a:off x="0" y="0"/>
+          <a:ext cx="0" cy="0"/>
+          <a:chOff x="0" y="0"/>
+          <a:chExt cx="0" cy="0"/>
+        </a:xfrm>
+      </p:grpSpPr>
+      <p:sp>
+        <p:nvSpPr>
+          <p:cNvPr id="3" name="Title 2"/>
+          <p:cNvSpPr>
+            <a:spLocks noGrp="1"/>
+          </p:cNvSpPr>
+          <p:nvPr>
+            <p:ph type="title"/>
+          </p:nvPr>
+        </p:nvSpPr>
+        <p:spPr/>
+        <p:txBody>
+          <a:bodyPr/>
+          <a:lstStyle/>
+          <a:p>
+            <a:r>
+              <a:rPr lang="en-US" sz="3600" dirty="0" smtClean="0"/>
+              <a:t>Free Trainings @ Telerik Academy</a:t>
+            </a:r>
+            <a:endParaRPr lang="en-US" sz="3600" dirty="0"/>
+          </a:p>
+        </p:txBody>
+      </p:sp>
+      <p:sp>
+        <p:nvSpPr>
+          <p:cNvPr id="4" name="Content Placeholder 3"/>
+          <p:cNvSpPr>
+            <a:spLocks noGrp="1"/>
+          </p:cNvSpPr>
+          <p:nvPr>
+            <p:ph idx="1"/>
+          </p:nvPr>
+        </p:nvSpPr>
+        <p:spPr>
+          <a:xfrm>
+            <a:off x="228600" y="1066800"/>
+            <a:ext cx="8686800" cy="5638800"/>
+          </a:xfrm>
+        </p:spPr>
+        <p:txBody>
+          <a:bodyPr/>
+          <a:lstStyle/>
+          <a:p>
+            <a:r>
+              <a:rPr lang="en-US" smtClean="0"/>
+              <a:t>C# Programming </a:t>
+            </a:r>
+            <a:r>
+              <a:rPr lang="en-US" dirty="0" smtClean="0"/>
+              <a:t>@ Telerik Academy</a:t>
+            </a:r>
+          </a:p>
+          <a:p>
+            <a:pPr marL="574675" lvl="2" indent="-282575">
+              <a:buClr>
+                <a:schemeClr val="accent5">
+                  <a:lumMod val="40000"/>
+                  <a:lumOff val="60000"/>
+                </a:schemeClr>
+              </a:buClr>
+              <a:buSzPct val="70000"/>
+              <a:buFont typeface="Wingdings 2" pitchFamily="18" charset="2"/>
+              <a:buChar char=""/>
+              <a:tabLst>
+                <a:tab pos="282575" algn="l"/>
+              </a:tabLst>
+            </a:pPr>
+            <a:r>
+              <a:rPr lang="en-US" noProof="1">
+                <a:hlinkClick r:id="rId2"/>
+              </a:rPr>
+              <a:t>csharpfundamentals.telerik.com</a:t>
+            </a:r>
+            <a:endParaRPr lang="en-US" noProof="1"/>
+          </a:p>
+          <a:p>
+            <a:pPr marL="282575" lvl="1" indent="-282575">
+              <a:spcBef>
+                <a:spcPts val="1800"/>
+              </a:spcBef>
+              <a:buClr>
+                <a:schemeClr val="accent5">
+                  <a:lumMod val="40000"/>
+                  <a:lumOff val="60000"/>
+                </a:schemeClr>
+              </a:buClr>
+              <a:buSzPct val="70000"/>
+              <a:buFont typeface="Wingdings 2" pitchFamily="18" charset="2"/>
+              <a:buChar char=""/>
+              <a:tabLst>
+                <a:tab pos="282575" algn="l"/>
+              </a:tabLst>
+            </a:pPr>
+            <a:r>
+              <a:rPr lang="en-US" dirty="0" smtClean="0"/>
+              <a:t>Telerik Software Academy</a:t>
+            </a:r>
+          </a:p>
+          <a:p>
+            <a:pPr marL="574675" lvl="2" indent="-282575">
+              <a:buClr>
+                <a:schemeClr val="accent5">
+                  <a:lumMod val="40000"/>
+                  <a:lumOff val="60000"/>
+                </a:schemeClr>
+              </a:buClr>
+              <a:buSzPct val="70000"/>
+              <a:buFont typeface="Wingdings 2" pitchFamily="18" charset="2"/>
+              <a:buChar char=""/>
+              <a:tabLst>
+                <a:tab pos="282575" algn="l"/>
+              </a:tabLst>
+            </a:pPr>
+            <a:r>
+              <a:rPr lang="en-US" noProof="1" smtClean="0">
+                <a:hlinkClick r:id="rId3" tooltip="Telerik Software Academy - Free Programming Courses"/>
+              </a:rPr>
+              <a:t>academy.telerik.com</a:t>
+            </a:r>
+            <a:endParaRPr lang="en-US" noProof="1" smtClean="0"/>
+          </a:p>
+          <a:p>
+            <a:pPr marL="282575" lvl="1" indent="-282575">
+              <a:spcBef>
+                <a:spcPts val="1800"/>
+              </a:spcBef>
+              <a:buClr>
+                <a:schemeClr val="accent5">
+                  <a:lumMod val="40000"/>
+                  <a:lumOff val="60000"/>
+                </a:schemeClr>
+              </a:buClr>
+              <a:buSzPct val="70000"/>
+              <a:buFont typeface="Wingdings 2" pitchFamily="18" charset="2"/>
+              <a:buChar char=""/>
+              <a:tabLst>
+                <a:tab pos="282575" algn="l"/>
+              </a:tabLst>
+            </a:pPr>
+            <a:r>
+              <a:rPr lang="en-US" dirty="0" smtClean="0"/>
+              <a:t>Telerik Academy @ Facebook</a:t>
+            </a:r>
+          </a:p>
+          <a:p>
+            <a:pPr marL="574675" lvl="2" indent="-282575">
+              <a:buClr>
+                <a:schemeClr val="accent5">
+                  <a:lumMod val="40000"/>
+                  <a:lumOff val="60000"/>
+                </a:schemeClr>
+              </a:buClr>
+              <a:buSzPct val="70000"/>
+              <a:buFont typeface="Wingdings 2" pitchFamily="18" charset="2"/>
+              <a:buChar char=""/>
+              <a:tabLst>
+                <a:tab pos="282575" algn="l"/>
+              </a:tabLst>
+            </a:pPr>
+            <a:r>
+              <a:rPr lang="en-US" noProof="1" smtClean="0">
+                <a:hlinkClick r:id="rId4" tooltip="Telerik Softyware Academy @ Facebook"/>
+              </a:rPr>
+              <a:t>facebook.com/TelerikAcademy</a:t>
+            </a:r>
+            <a:endParaRPr lang="en-US" noProof="1" smtClean="0"/>
+          </a:p>
+          <a:p>
+            <a:pPr marL="282575" lvl="1" indent="-282575">
+              <a:spcBef>
+                <a:spcPts val="1800"/>
+              </a:spcBef>
+              <a:buClr>
+                <a:schemeClr val="accent5">
+                  <a:lumMod val="40000"/>
+                  <a:lumOff val="60000"/>
+                </a:schemeClr>
+              </a:buClr>
+              <a:buSzPct val="70000"/>
+              <a:buFont typeface="Wingdings 2" pitchFamily="18" charset="2"/>
+              <a:buChar char=""/>
+              <a:tabLst>
+                <a:tab pos="282575" algn="l"/>
+              </a:tabLst>
+            </a:pPr>
+            <a:r>
+              <a:rPr lang="en-US" dirty="0" smtClean="0"/>
+              <a:t>Telerik Software Academy Forums</a:t>
+            </a:r>
+          </a:p>
+          <a:p>
+            <a:pPr marL="574675" lvl="2" indent="-282575">
+              <a:buClr>
+                <a:schemeClr val="accent5">
+                  <a:lumMod val="40000"/>
+                  <a:lumOff val="60000"/>
+                </a:schemeClr>
+              </a:buClr>
+              <a:buSzPct val="70000"/>
+              <a:buFont typeface="Wingdings 2" pitchFamily="18" charset="2"/>
+              <a:buChar char=""/>
+              <a:tabLst>
+                <a:tab pos="282575" algn="l"/>
+              </a:tabLst>
+            </a:pPr>
+            <a:r>
+              <a:rPr lang="en-US" noProof="1" smtClean="0">
+                <a:hlinkClick r:id="rId5" tooltip="Telerik Software Academy Forums - Community for Programmers"/>
+              </a:rPr>
+              <a:t>forums.academy.telerik.com</a:t>
+            </a:r>
+            <a:endParaRPr lang="en-US" noProof="1"/>
+          </a:p>
+        </p:txBody>
+      </p:sp>
+      <p:pic>
+        <p:nvPicPr>
+          <p:cNvPr id="5" name="Picture 5">
+            <a:hlinkClick r:id="rId5" tooltip="Telerik Software Academy Forums - Discussion Board for Developers"/>
+          </p:cNvPr>
+          <p:cNvPicPr>
+            <a:picLocks noChangeAspect="1" noChangeArrowheads="1"/>
+          </p:cNvPicPr>
+          <p:nvPr/>
+        </p:nvPicPr>
+        <p:blipFill>
+          <a:blip r:embed="rId6" cstate="screen">
+            <a:extLst>
+              <a:ext uri="{28A0092B-C50C-407E-A947-70E740481C1C}">
+                <a14:useLocalDpi xmlns:a14="http://schemas.microsoft.com/office/drawing/2010/main"/>
+              </a:ext>
+            </a:extLst>
+          </a:blip>
+          <a:srcRect/>
+          <a:stretch>
+            <a:fillRect/>
+          </a:stretch>
+        </p:blipFill>
+        <p:spPr bwMode="auto">
+          <a:xfrm>
+            <a:off x="7523898" y="5218092"/>
+            <a:ext cx="1162902" cy="1268619"/>
+          </a:xfrm>
+          <a:prstGeom prst="rect">
+            <a:avLst/>
+          </a:prstGeom>
+          <a:noFill/>
+          <a:ln>
+            <a:noFill/>
+          </a:ln>
+          <a:effectLst/>
+          <a:extLst>
+            <a:ext uri="{909E8E84-426E-40DD-AFC4-6F175D3DCCD1}">
+              <a14:hiddenFill xmlns:a14="http://schemas.microsoft.com/office/drawing/2010/main">
+                <a:solidFill>
+                  <a:schemeClr val="accent1"/>
+                </a:solidFill>
+              </a14:hiddenFill>
+            </a:ext>
+            <a:ext uri="{91240B29-F687-4F45-9708-019B960494DF}">
+              <a14:hiddenLine xmlns:a14="http://schemas.microsoft.com/office/drawing/2010/main" w="9525">
+                <a:solidFill>
+                  <a:schemeClr val="tx1"/>
+                </a:solidFill>
+                <a:miter lim="800000"/>
+                <a:headEnd/>
+                <a:tailEnd/>
+              </a14:hiddenLine>
+            </a:ext>
+            <a:ext uri="{AF507438-7753-43E0-B8FC-AC1667EBCBE1}">
+              <a14:hiddenEffects xmlns:a14="http://schemas.microsoft.com/office/drawing/2010/main">
+                <a:effectLst>
+                  <a:outerShdw dist="35921" dir="2700000" algn="ctr" rotWithShape="0">
+                    <a:schemeClr val="bg2"/>
+                  </a:outerShdw>
+                </a:effectLst>
+              </a14:hiddenEffects>
+            </a:ext>
+          </a:extLst>
+        </p:spPr>
+      </p:pic>
+      <p:pic>
+        <p:nvPicPr>
+          <p:cNvPr id="1028" name="Picture 4">
+            <a:hlinkClick r:id="rId3" tooltip="Telerik Software Academy"/>
+          </p:cNvPr>
+          <p:cNvPicPr>
+            <a:picLocks noChangeAspect="1" noChangeArrowheads="1"/>
+          </p:cNvPicPr>
+          <p:nvPr/>
+        </p:nvPicPr>
+        <p:blipFill>
+          <a:blip r:embed="rId7">
+            <a:extLst>
+              <a:ext uri="{28A0092B-C50C-407E-A947-70E740481C1C}">
+                <a14:useLocalDpi xmlns:a14="http://schemas.microsoft.com/office/drawing/2010/main"/>
+              </a:ext>
+            </a:extLst>
+          </a:blip>
+          <a:srcRect/>
+          <a:stretch>
+            <a:fillRect/>
+          </a:stretch>
+        </p:blipFill>
+        <p:spPr bwMode="auto">
+          <a:xfrm>
+            <a:off x="5548941" y="2667000"/>
+            <a:ext cx="3137859" cy="918234"/>
+          </a:xfrm>
+          <a:prstGeom prst="rect">
+            <a:avLst/>
+          </a:prstGeom>
+          <a:noFill/>
+          <a:ln>
+            <a:solidFill>
+              <a:srgbClr val="9BCC00"/>
+            </a:solidFill>
+          </a:ln>
+          <a:extLst>
+            <a:ext uri="{909E8E84-426E-40DD-AFC4-6F175D3DCCD1}">
+              <a14:hiddenFill xmlns:a14="http://schemas.microsoft.com/office/drawing/2010/main">
+                <a:solidFill>
+                  <a:srgbClr val="FFFFFF"/>
+                </a:solidFill>
+              </a14:hiddenFill>
+            </a:ext>
+          </a:extLst>
+        </p:spPr>
+      </p:pic>
+      <p:pic>
+        <p:nvPicPr>
+          <p:cNvPr id="1037" name="Picture 13">
+            <a:hlinkClick r:id="rId8" tooltip="Telerik Academy @ Facebook"/>
+          </p:cNvPr>
+          <p:cNvPicPr>
+            <a:picLocks noChangeAspect="1" noChangeArrowheads="1"/>
+          </p:cNvPicPr>
+          <p:nvPr/>
+        </p:nvPicPr>
+        <p:blipFill>
+          <a:blip r:embed="rId9">
+            <a:extLst>
+              <a:ext uri="{28A0092B-C50C-407E-A947-70E740481C1C}">
+                <a14:useLocalDpi xmlns:a14="http://schemas.microsoft.com/office/drawing/2010/main"/>
+              </a:ext>
+            </a:extLst>
+          </a:blip>
+          <a:srcRect/>
+          <a:stretch>
+            <a:fillRect/>
+          </a:stretch>
+        </p:blipFill>
+        <p:spPr bwMode="auto">
+          <a:xfrm>
+            <a:off x="7748587" y="4003901"/>
+            <a:ext cx="938213" cy="938213"/>
+          </a:xfrm>
+          <a:prstGeom prst="rect">
+            <a:avLst/>
+          </a:prstGeom>
+          <a:noFill/>
+          <a:ln>
+            <a:noFill/>
+          </a:ln>
+          <a:effectLst/>
+          <a:extLst>
+            <a:ext uri="{909E8E84-426E-40DD-AFC4-6F175D3DCCD1}">
+              <a14:hiddenFill xmlns:a14="http://schemas.microsoft.com/office/drawing/2010/main">
+                <a:solidFill>
+                  <a:schemeClr val="accent1"/>
+                </a:solidFill>
+              </a14:hiddenFill>
+            </a:ext>
+            <a:ext uri="{91240B29-F687-4F45-9708-019B960494DF}">
+              <a14:hiddenLine xmlns:a14="http://schemas.microsoft.com/office/drawing/2010/main" w="9525">
+                <a:solidFill>
+                  <a:schemeClr val="tx1"/>
+                </a:solidFill>
+                <a:miter lim="800000"/>
+                <a:headEnd/>
+                <a:tailEnd/>
+              </a14:hiddenLine>
+            </a:ext>
+            <a:ext uri="{AF507438-7753-43E0-B8FC-AC1667EBCBE1}">
+              <a14:hiddenEffects xmlns:a14="http://schemas.microsoft.com/office/drawing/2010/main">
+                <a:effectLst>
+                  <a:outerShdw dist="35921" dir="2700000" algn="ctr" rotWithShape="0">
+                    <a:schemeClr val="bg2"/>
+                  </a:outerShdw>
+                </a:effectLst>
+              </a14:hiddenEffects>
+            </a:ext>
+          </a:extLst>
+        </p:spPr>
+      </p:pic>
+      <p:pic>
+        <p:nvPicPr>
+          <p:cNvPr id="2" name="Picture 1">
+            <a:hlinkClick r:id="rId2"/>
+          </p:cNvPr>
+          <p:cNvPicPr>
+            <a:picLocks noChangeAspect="1"/>
+          </p:cNvPicPr>
+          <p:nvPr/>
+        </p:nvPicPr>
+        <p:blipFill>
+          <a:blip r:embed="rId10" cstate="screen">
+            <a:extLst>
+              <a:ext uri="{28A0092B-C50C-407E-A947-70E740481C1C}">
+                <a14:useLocalDpi xmlns:a14="http://schemas.microsoft.com/office/drawing/2010/main"/>
+              </a:ext>
+            </a:extLst>
+          </a:blip>
+          <a:stretch>
+            <a:fillRect/>
+          </a:stretch>
+        </p:blipFill>
+        <p:spPr>
+          <a:xfrm>
+            <a:off x="7562025" y="1123558"/>
+            <a:ext cx="1124775" cy="1124775"/>
+          </a:xfrm>
+          <a:prstGeom prst="rect">
+            <a:avLst/>
+          </a:prstGeom>
+        </p:spPr>
+      </p:pic>
+    </p:spTree>
+    <p:extLst>
+      <p:ext uri="{BB962C8B-B14F-4D97-AF65-F5344CB8AC3E}">
+        <p14:creationId xmlns:p14="http://schemas.microsoft.com/office/powerpoint/2010/main" val="1291314635"/>
       </p:ext>
     </p:extLst>
   </p:cSld>
@@ -8135,10 +8264,9 @@
           <a:lstStyle/>
           <a:p>
             <a:r>
-              <a:rPr lang="en-US" dirty="0" smtClean="0"/>
-              <a:t>Real life issues </a:t>
-            </a:r>
-            <a:endParaRPr lang="en-US" dirty="0"/>
+              <a:rPr lang="en-US" dirty="0"/>
+              <a:t>The Lectors</a:t>
+            </a:r>
           </a:p>
         </p:txBody>
       </p:sp>
@@ -8152,84 +8280,200 @@
             <p:ph idx="1"/>
           </p:nvPr>
         </p:nvSpPr>
+        <p:spPr>
+          <a:xfrm>
+            <a:off x="952500" y="932331"/>
+            <a:ext cx="7581900" cy="5764304"/>
+          </a:xfrm>
+        </p:spPr>
+        <p:txBody>
+          <a:bodyPr/>
+          <a:lstStyle/>
+          <a:p>
+            <a:pPr>
+              <a:lnSpc>
+                <a:spcPct val="100000"/>
+              </a:lnSpc>
+            </a:pPr>
+            <a:r>
+              <a:rPr lang="en-US" dirty="0">
+                <a:solidFill>
+                  <a:schemeClr val="accent5">
+                    <a:lumMod val="20000"/>
+                    <a:lumOff val="80000"/>
+                  </a:schemeClr>
+                </a:solidFill>
+              </a:rPr>
+              <a:t>Atanas Georgiev</a:t>
+            </a:r>
+          </a:p>
+          <a:p>
+            <a:pPr marL="357188" lvl="1" indent="0">
+              <a:lnSpc>
+                <a:spcPct val="100000"/>
+              </a:lnSpc>
+              <a:spcBef>
+                <a:spcPts val="300"/>
+              </a:spcBef>
+              <a:spcAft>
+                <a:spcPts val="300"/>
+              </a:spcAft>
+              <a:buNone/>
+            </a:pPr>
+            <a:r>
+              <a:rPr lang="en-US" sz="2400" dirty="0"/>
+              <a:t>Senior QA Engineer</a:t>
+            </a:r>
+          </a:p>
+          <a:p>
+            <a:pPr marL="357188" lvl="1" indent="0">
+              <a:lnSpc>
+                <a:spcPct val="100000"/>
+              </a:lnSpc>
+              <a:spcBef>
+                <a:spcPts val="300"/>
+              </a:spcBef>
+              <a:spcAft>
+                <a:spcPts val="300"/>
+              </a:spcAft>
+              <a:buNone/>
+            </a:pPr>
+            <a:r>
+              <a:rPr lang="en-US" sz="2400" dirty="0" err="1"/>
+              <a:t>KendoUI</a:t>
+            </a:r>
+            <a:r>
+              <a:rPr lang="en-US" sz="2400" dirty="0"/>
+              <a:t> Team</a:t>
+            </a:r>
+          </a:p>
+          <a:p>
+            <a:pPr lvl="1">
+              <a:lnSpc>
+                <a:spcPct val="100000"/>
+              </a:lnSpc>
+              <a:spcBef>
+                <a:spcPts val="300"/>
+              </a:spcBef>
+              <a:spcAft>
+                <a:spcPts val="300"/>
+              </a:spcAft>
+            </a:pPr>
+            <a:endParaRPr lang="en-US" dirty="0"/>
+          </a:p>
+          <a:p>
+            <a:pPr lvl="1">
+              <a:lnSpc>
+                <a:spcPct val="100000"/>
+              </a:lnSpc>
+              <a:spcBef>
+                <a:spcPts val="300"/>
+              </a:spcBef>
+              <a:spcAft>
+                <a:spcPts val="300"/>
+              </a:spcAft>
+            </a:pPr>
+            <a:endParaRPr lang="en-US" dirty="0"/>
+          </a:p>
+          <a:p>
+            <a:pPr marL="0" indent="0">
+              <a:lnSpc>
+                <a:spcPct val="100000"/>
+              </a:lnSpc>
+              <a:spcBef>
+                <a:spcPts val="300"/>
+              </a:spcBef>
+              <a:spcAft>
+                <a:spcPts val="300"/>
+              </a:spcAft>
+              <a:buNone/>
+            </a:pPr>
+            <a:r>
+              <a:rPr lang="en-US" dirty="0" smtClean="0">
+                <a:effectLst/>
+              </a:rPr>
+              <a:t/>
+            </a:r>
+            <a:br>
+              <a:rPr lang="en-US" dirty="0" smtClean="0">
+                <a:effectLst/>
+              </a:rPr>
+            </a:br>
+            <a:endParaRPr lang="en-US" dirty="0" smtClean="0"/>
+          </a:p>
+        </p:txBody>
+      </p:sp>
+      <p:sp>
+        <p:nvSpPr>
+          <p:cNvPr id="4" name="Slide Number Placeholder 3"/>
+          <p:cNvSpPr>
+            <a:spLocks noGrp="1"/>
+          </p:cNvSpPr>
+          <p:nvPr>
+            <p:ph type="sldNum" sz="quarter" idx="10"/>
+          </p:nvPr>
+        </p:nvSpPr>
         <p:spPr/>
         <p:txBody>
           <a:bodyPr/>
           <a:lstStyle/>
           <a:p>
-            <a:pPr lvl="0"/>
-            <a:r>
-              <a:rPr lang="en-US" dirty="0" smtClean="0"/>
-              <a:t>Not able to scroll, swipe, pinch (</a:t>
-            </a:r>
-            <a:r>
-              <a:rPr lang="en-US" dirty="0" err="1" smtClean="0"/>
-              <a:t>ChromeDriver</a:t>
-            </a:r>
-            <a:r>
-              <a:rPr lang="en-US" dirty="0" smtClean="0"/>
-              <a:t>): </a:t>
-            </a:r>
-            <a:r>
-              <a:rPr lang="en-US" dirty="0" smtClean="0">
-                <a:hlinkClick r:id="rId2"/>
-              </a:rPr>
-              <a:t>https</a:t>
-            </a:r>
-            <a:r>
-              <a:rPr lang="en-US" dirty="0">
-                <a:hlinkClick r:id="rId2"/>
-              </a:rPr>
-              <a:t>://</a:t>
-            </a:r>
-            <a:r>
-              <a:rPr lang="en-US" dirty="0" smtClean="0">
-                <a:hlinkClick r:id="rId2"/>
-              </a:rPr>
-              <a:t>bugs.chromium.org/p/chromedriver/issues/detail?id=635 </a:t>
-            </a:r>
-            <a:endParaRPr lang="en-US" dirty="0" smtClean="0"/>
-          </a:p>
-          <a:p>
-            <a:endParaRPr lang="en-US" dirty="0" smtClean="0"/>
-          </a:p>
-          <a:p>
-            <a:pPr lvl="0"/>
-            <a:r>
-              <a:rPr lang="en-US" dirty="0" smtClean="0"/>
-              <a:t>Not able to start tests in Windows (</a:t>
-            </a:r>
-            <a:r>
-              <a:rPr lang="en-US" dirty="0" err="1" smtClean="0"/>
-              <a:t>Appium</a:t>
-            </a:r>
-            <a:r>
-              <a:rPr lang="en-US" dirty="0" smtClean="0"/>
-              <a:t>): </a:t>
-            </a:r>
-            <a:r>
-              <a:rPr lang="en-US" dirty="0" smtClean="0">
-                <a:hlinkClick r:id="rId2"/>
-              </a:rPr>
-              <a:t>https</a:t>
-            </a:r>
-            <a:r>
-              <a:rPr lang="en-US" dirty="0">
-                <a:hlinkClick r:id="rId2"/>
-              </a:rPr>
-              <a:t>://github.com/appium/appium/issues/5713 </a:t>
-            </a:r>
-            <a:endParaRPr lang="en-US" dirty="0"/>
-          </a:p>
-          <a:p>
+            <a:pPr>
+              <a:defRPr/>
+            </a:pPr>
+            <a:fld id="{58452FF4-89E3-4D1B-9927-2DBDC00E58D7}" type="slidenum">
+              <a:rPr lang="en-US" smtClean="0"/>
+              <a:pPr>
+                <a:defRPr/>
+              </a:pPr>
+              <a:t>2</a:t>
+            </a:fld>
             <a:endParaRPr lang="en-US" dirty="0"/>
           </a:p>
         </p:txBody>
       </p:sp>
+      <p:pic>
+        <p:nvPicPr>
+          <p:cNvPr id="6" name="Picture 5"/>
+          <p:cNvPicPr>
+            <a:picLocks noChangeAspect="1"/>
+          </p:cNvPicPr>
+          <p:nvPr/>
+        </p:nvPicPr>
+        <p:blipFill>
+          <a:blip r:embed="rId2"/>
+          <a:stretch>
+            <a:fillRect/>
+          </a:stretch>
+        </p:blipFill>
+        <p:spPr>
+          <a:xfrm>
+            <a:off x="6377295" y="1141157"/>
+            <a:ext cx="1586835" cy="2115780"/>
+          </a:xfrm>
+          <a:prstGeom prst="roundRect">
+            <a:avLst/>
+          </a:prstGeom>
+          <a:noFill/>
+          <a:ln>
+            <a:noFill/>
+          </a:ln>
+          <a:effectLst>
+            <a:glow rad="101600">
+              <a:schemeClr val="tx1">
+                <a:alpha val="60000"/>
+              </a:schemeClr>
+            </a:glow>
+            <a:outerShdw dist="35921" dir="2700000" algn="ctr" rotWithShape="0">
+              <a:schemeClr val="bg2"/>
+            </a:outerShdw>
+          </a:effectLst>
+        </p:spPr>
+      </p:pic>
     </p:spTree>
     <p:extLst>
       <p:ext uri="{BB962C8B-B14F-4D97-AF65-F5344CB8AC3E}">
-        <p14:creationId xmlns:p14="http://schemas.microsoft.com/office/powerpoint/2010/main" val="1258320697"/>
+        <p14:creationId xmlns:p14="http://schemas.microsoft.com/office/powerpoint/2010/main" val="3083020603"/>
       </p:ext>
     </p:extLst>
   </p:cSld>
@@ -8280,42 +8524,100 @@
           <a:p>
             <a:r>
               <a:rPr lang="en-US" dirty="0" smtClean="0"/>
-              <a:t>Sample test</a:t>
+              <a:t>Real life issues </a:t>
             </a:r>
             <a:endParaRPr lang="en-US" dirty="0"/>
           </a:p>
         </p:txBody>
       </p:sp>
-      <p:pic>
-        <p:nvPicPr>
-          <p:cNvPr id="8" name="Content Placeholder 7"/>
-          <p:cNvPicPr>
-            <a:picLocks noGrp="1" noChangeAspect="1"/>
-          </p:cNvPicPr>
+      <p:sp>
+        <p:nvSpPr>
+          <p:cNvPr id="3" name="Content Placeholder 2"/>
+          <p:cNvSpPr>
+            <a:spLocks noGrp="1"/>
+          </p:cNvSpPr>
           <p:nvPr>
             <p:ph idx="1"/>
           </p:nvPr>
-        </p:nvPicPr>
-        <p:blipFill>
-          <a:blip r:embed="rId2"/>
-          <a:stretch>
-            <a:fillRect/>
-          </a:stretch>
-        </p:blipFill>
-        <p:spPr>
-          <a:xfrm>
-            <a:off x="566888" y="1448790"/>
-            <a:ext cx="8149601" cy="4574031"/>
-          </a:xfrm>
-          <a:prstGeom prst="rect">
-            <a:avLst/>
-          </a:prstGeom>
-        </p:spPr>
-      </p:pic>
+        </p:nvSpPr>
+        <p:spPr/>
+        <p:txBody>
+          <a:bodyPr/>
+          <a:lstStyle/>
+          <a:p>
+            <a:pPr lvl="0"/>
+            <a:r>
+              <a:rPr lang="en-US" dirty="0" smtClean="0"/>
+              <a:t>Not able to scroll, swipe, pinch (</a:t>
+            </a:r>
+            <a:r>
+              <a:rPr lang="en-US" dirty="0" err="1" smtClean="0"/>
+              <a:t>ChromeDriver</a:t>
+            </a:r>
+            <a:r>
+              <a:rPr lang="en-US" dirty="0" smtClean="0"/>
+              <a:t>): </a:t>
+            </a:r>
+            <a:r>
+              <a:rPr lang="en-US" sz="3000" dirty="0" smtClean="0">
+                <a:hlinkClick r:id="rId2"/>
+              </a:rPr>
+              <a:t>https</a:t>
+            </a:r>
+            <a:r>
+              <a:rPr lang="en-US" sz="3000" dirty="0">
+                <a:hlinkClick r:id="rId2"/>
+              </a:rPr>
+              <a:t>://</a:t>
+            </a:r>
+            <a:r>
+              <a:rPr lang="en-US" sz="3000" dirty="0" smtClean="0">
+                <a:hlinkClick r:id="rId2"/>
+              </a:rPr>
+              <a:t>bugs.chromium.org/p/chromedriver/issues/detail?id=635 </a:t>
+            </a:r>
+            <a:endParaRPr lang="en-US" sz="3000" dirty="0" smtClean="0"/>
+          </a:p>
+          <a:p>
+            <a:endParaRPr lang="en-US" dirty="0" smtClean="0"/>
+          </a:p>
+          <a:p>
+            <a:pPr lvl="0"/>
+            <a:r>
+              <a:rPr lang="en-US" dirty="0" smtClean="0"/>
+              <a:t>Not able to start tests in Windows (</a:t>
+            </a:r>
+            <a:r>
+              <a:rPr lang="en-US" dirty="0" err="1" smtClean="0"/>
+              <a:t>Appium</a:t>
+            </a:r>
+            <a:r>
+              <a:rPr lang="en-US" dirty="0" smtClean="0"/>
+              <a:t>): </a:t>
+            </a:r>
+            <a:r>
+              <a:rPr lang="en-US" sz="3000" dirty="0" smtClean="0">
+                <a:hlinkClick r:id="rId2"/>
+              </a:rPr>
+              <a:t>https</a:t>
+            </a:r>
+            <a:r>
+              <a:rPr lang="en-US" sz="3000" dirty="0">
+                <a:hlinkClick r:id="rId2"/>
+              </a:rPr>
+              <a:t>://github.com/appium/appium/issues/5713 </a:t>
+            </a:r>
+            <a:endParaRPr lang="en-US" sz="3000" dirty="0"/>
+          </a:p>
+          <a:p>
+            <a:endParaRPr lang="en-US" dirty="0"/>
+          </a:p>
+        </p:txBody>
+      </p:sp>
     </p:spTree>
     <p:extLst>
       <p:ext uri="{BB962C8B-B14F-4D97-AF65-F5344CB8AC3E}">
-        <p14:creationId xmlns:p14="http://schemas.microsoft.com/office/powerpoint/2010/main" val="4104934169"/>
+        <p14:creationId xmlns:p14="http://schemas.microsoft.com/office/powerpoint/2010/main" val="1258320697"/>
       </p:ext>
     </p:extLst>
   </p:cSld>
@@ -8366,11 +8668,7 @@
           <a:p>
             <a:r>
               <a:rPr lang="en-US" dirty="0" smtClean="0"/>
-              <a:t>The “bot” </a:t>
-            </a:r>
-            <a:r>
-              <a:rPr lang="en-US" dirty="0" smtClean="0"/>
-              <a:t>file</a:t>
+              <a:t>Sample test</a:t>
             </a:r>
             <a:endParaRPr lang="en-US" dirty="0"/>
           </a:p>
@@ -8378,7 +8676,7 @@
       </p:sp>
       <p:pic>
         <p:nvPicPr>
-          <p:cNvPr id="5" name="Content Placeholder 4"/>
+          <p:cNvPr id="8" name="Content Placeholder 7"/>
           <p:cNvPicPr>
             <a:picLocks noGrp="1" noChangeAspect="1"/>
           </p:cNvPicPr>
@@ -8394,42 +8692,39 @@
         </p:blipFill>
         <p:spPr>
           <a:xfrm>
-            <a:off x="270578" y="809624"/>
-            <a:ext cx="4409578" cy="5895975"/>
+            <a:off x="566888" y="1448790"/>
+            <a:ext cx="8149601" cy="4574031"/>
           </a:xfrm>
           <a:prstGeom prst="rect">
             <a:avLst/>
           </a:prstGeom>
+          <a:ln>
+            <a:solidFill>
+              <a:schemeClr val="tx2">
+                <a:lumMod val="75000"/>
+              </a:schemeClr>
+            </a:solidFill>
+          </a:ln>
         </p:spPr>
-      </p:pic>
-      <p:pic>
-        <p:nvPicPr>
-          <p:cNvPr id="7" name="Picture 6"/>
-          <p:cNvPicPr>
-            <a:picLocks noChangeAspect="1"/>
-          </p:cNvPicPr>
-          <p:nvPr/>
-        </p:nvPicPr>
-        <p:blipFill>
-          <a:blip r:embed="rId3"/>
-          <a:stretch>
-            <a:fillRect/>
-          </a:stretch>
-        </p:blipFill>
-        <p:spPr>
-          <a:xfrm>
-            <a:off x="4788003" y="809624"/>
-            <a:ext cx="4019550" cy="5895975"/>
-          </a:xfrm>
-          <a:prstGeom prst="rect">
-            <a:avLst/>
-          </a:prstGeom>
-        </p:spPr>
+        <p:style>
+          <a:lnRef idx="3">
+            <a:schemeClr val="lt1"/>
+          </a:lnRef>
+          <a:fillRef idx="1">
+            <a:schemeClr val="accent3"/>
+          </a:fillRef>
+          <a:effectRef idx="1">
+            <a:schemeClr val="accent3"/>
+          </a:effectRef>
+          <a:fontRef idx="minor">
+            <a:schemeClr val="lt1"/>
+          </a:fontRef>
+        </p:style>
       </p:pic>
     </p:spTree>
     <p:extLst>
       <p:ext uri="{BB962C8B-B14F-4D97-AF65-F5344CB8AC3E}">
-        <p14:creationId xmlns:p14="http://schemas.microsoft.com/office/powerpoint/2010/main" val="3640463761"/>
+        <p14:creationId xmlns:p14="http://schemas.microsoft.com/office/powerpoint/2010/main" val="4104934169"/>
       </p:ext>
     </p:extLst>
   </p:cSld>
@@ -8480,184 +8775,96 @@
           <a:p>
             <a:r>
               <a:rPr lang="en-US" dirty="0" smtClean="0"/>
-              <a:t>Before we </a:t>
-            </a:r>
-            <a:r>
-              <a:rPr lang="en-US" dirty="0" smtClean="0"/>
-              <a:t>start</a:t>
+              <a:t>The “bot” file</a:t>
             </a:r>
             <a:endParaRPr lang="en-US" dirty="0"/>
           </a:p>
         </p:txBody>
       </p:sp>
-      <p:sp>
-        <p:nvSpPr>
-          <p:cNvPr id="3" name="Content Placeholder 2"/>
-          <p:cNvSpPr>
-            <a:spLocks noGrp="1"/>
-          </p:cNvSpPr>
+      <p:pic>
+        <p:nvPicPr>
+          <p:cNvPr id="5" name="Content Placeholder 4"/>
+          <p:cNvPicPr>
+            <a:picLocks noGrp="1" noChangeAspect="1"/>
+          </p:cNvPicPr>
           <p:nvPr>
             <p:ph idx="1"/>
           </p:nvPr>
-        </p:nvSpPr>
-        <p:spPr/>
-        <p:txBody>
-          <a:bodyPr/>
-          <a:lstStyle/>
-          <a:p>
-            <a:r>
-              <a:rPr lang="en-US" dirty="0" smtClean="0"/>
-              <a:t>Start </a:t>
-            </a:r>
-            <a:r>
-              <a:rPr lang="en-US" dirty="0" err="1" smtClean="0"/>
-              <a:t>appium</a:t>
-            </a:r>
-            <a:r>
-              <a:rPr lang="en-US" dirty="0" smtClean="0"/>
-              <a:t>:</a:t>
-            </a:r>
-          </a:p>
-          <a:p>
-            <a:pPr marL="0" indent="0">
-              <a:buNone/>
-            </a:pPr>
-            <a:r>
-              <a:rPr lang="en-US" sz="1600" dirty="0" smtClean="0">
-                <a:hlinkClick r:id="rId2"/>
-              </a:rPr>
-              <a:t>info</a:t>
-            </a:r>
-            <a:r>
-              <a:rPr lang="en-US" sz="1600" dirty="0">
-                <a:hlinkClick r:id="rId2"/>
-              </a:rPr>
-              <a:t>: Welcome to </a:t>
-            </a:r>
-            <a:r>
-              <a:rPr lang="en-US" sz="1600" dirty="0" err="1">
-                <a:hlinkClick r:id="rId2"/>
-              </a:rPr>
-              <a:t>Appium</a:t>
-            </a:r>
-            <a:r>
-              <a:rPr lang="en-US" sz="1600" dirty="0">
-                <a:hlinkClick r:id="rId2"/>
-              </a:rPr>
-              <a:t> v1.4.13 (REV c75d8adcb66a75818a542fe1891a34260c21f76a)</a:t>
-            </a:r>
-          </a:p>
-          <a:p>
-            <a:pPr marL="0" indent="0">
-              <a:buNone/>
-            </a:pPr>
-            <a:r>
-              <a:rPr lang="en-US" sz="1600" dirty="0">
-                <a:hlinkClick r:id="rId2"/>
-              </a:rPr>
-              <a:t>info: </a:t>
-            </a:r>
-            <a:r>
-              <a:rPr lang="en-US" sz="1600" dirty="0" err="1">
-                <a:hlinkClick r:id="rId2"/>
-              </a:rPr>
-              <a:t>Appium</a:t>
-            </a:r>
-            <a:r>
-              <a:rPr lang="en-US" sz="1600" dirty="0">
-                <a:hlinkClick r:id="rId2"/>
-              </a:rPr>
-              <a:t> REST http interface listener started on 0.0.0.0:4723</a:t>
-            </a:r>
-          </a:p>
-          <a:p>
-            <a:pPr marL="0" indent="0">
-              <a:buNone/>
-            </a:pPr>
-            <a:r>
-              <a:rPr lang="en-US" sz="1600" dirty="0">
-                <a:hlinkClick r:id="rId2"/>
-              </a:rPr>
-              <a:t>info: Console </a:t>
-            </a:r>
-            <a:r>
-              <a:rPr lang="en-US" sz="1600" dirty="0" err="1">
-                <a:hlinkClick r:id="rId2"/>
-              </a:rPr>
-              <a:t>LogLevel</a:t>
-            </a:r>
-            <a:r>
-              <a:rPr lang="en-US" sz="1600" dirty="0">
-                <a:hlinkClick r:id="rId2"/>
-              </a:rPr>
-              <a:t>: </a:t>
-            </a:r>
-            <a:r>
-              <a:rPr lang="en-US" sz="1600" dirty="0" smtClean="0">
-                <a:hlinkClick r:id="rId2"/>
-              </a:rPr>
-              <a:t>debug</a:t>
-            </a:r>
-            <a:endParaRPr lang="en-US" sz="1600" dirty="0" smtClean="0"/>
-          </a:p>
-          <a:p>
-            <a:pPr marL="0" indent="0">
-              <a:buNone/>
-            </a:pPr>
-            <a:endParaRPr lang="en-US" sz="1600" dirty="0"/>
-          </a:p>
-          <a:p>
-            <a:pPr marL="0" indent="0">
-              <a:buNone/>
-            </a:pPr>
-            <a:r>
-              <a:rPr lang="en-US" dirty="0" smtClean="0"/>
-              <a:t>	</a:t>
-            </a:r>
-            <a:r>
-              <a:rPr lang="en-US" dirty="0" err="1" smtClean="0"/>
-              <a:t>adb</a:t>
-            </a:r>
-            <a:r>
-              <a:rPr lang="en-US" dirty="0" smtClean="0"/>
-              <a:t> devices:</a:t>
-            </a:r>
-          </a:p>
-          <a:p>
-            <a:pPr marL="0" indent="0">
-              <a:buNone/>
-            </a:pPr>
-            <a:r>
-              <a:rPr lang="en-US" sz="1600" dirty="0" smtClean="0">
-                <a:hlinkClick r:id="rId2"/>
-              </a:rPr>
-              <a:t>List </a:t>
-            </a:r>
-            <a:r>
-              <a:rPr lang="en-US" sz="1600" dirty="0">
-                <a:hlinkClick r:id="rId2"/>
-              </a:rPr>
-              <a:t>of devices attached</a:t>
-            </a:r>
-          </a:p>
-          <a:p>
-            <a:pPr marL="0" indent="0">
-              <a:buNone/>
-            </a:pPr>
-            <a:r>
-              <a:rPr lang="en-US" sz="1600" dirty="0">
-                <a:hlinkClick r:id="rId2"/>
-              </a:rPr>
-              <a:t>08dc6adc        device </a:t>
-            </a:r>
-            <a:endParaRPr lang="en-US" sz="1600" dirty="0" smtClean="0"/>
-          </a:p>
-        </p:txBody>
-      </p:sp>
+        </p:nvPicPr>
+        <p:blipFill>
+          <a:blip r:embed="rId2"/>
+          <a:stretch>
+            <a:fillRect/>
+          </a:stretch>
+        </p:blipFill>
+        <p:spPr>
+          <a:xfrm>
+            <a:off x="270578" y="809624"/>
+            <a:ext cx="4409578" cy="5895975"/>
+          </a:xfrm>
+          <a:prstGeom prst="rect">
+            <a:avLst/>
+          </a:prstGeom>
+          <a:ln/>
+        </p:spPr>
+        <p:style>
+          <a:lnRef idx="3">
+            <a:schemeClr val="lt1"/>
+          </a:lnRef>
+          <a:fillRef idx="1">
+            <a:schemeClr val="accent2"/>
+          </a:fillRef>
+          <a:effectRef idx="1">
+            <a:schemeClr val="accent2"/>
+          </a:effectRef>
+          <a:fontRef idx="minor">
+            <a:schemeClr val="lt1"/>
+          </a:fontRef>
+        </p:style>
+      </p:pic>
+      <p:pic>
+        <p:nvPicPr>
+          <p:cNvPr id="7" name="Picture 6"/>
+          <p:cNvPicPr>
+            <a:picLocks noChangeAspect="1"/>
+          </p:cNvPicPr>
+          <p:nvPr/>
+        </p:nvPicPr>
+        <p:blipFill>
+          <a:blip r:embed="rId3"/>
+          <a:stretch>
+            <a:fillRect/>
+          </a:stretch>
+        </p:blipFill>
+        <p:spPr>
+          <a:xfrm>
+            <a:off x="4788003" y="809624"/>
+            <a:ext cx="4019550" cy="5895975"/>
+          </a:xfrm>
+          <a:prstGeom prst="rect">
+            <a:avLst/>
+          </a:prstGeom>
+          <a:ln/>
+        </p:spPr>
+        <p:style>
+          <a:lnRef idx="3">
+            <a:schemeClr val="lt1"/>
+          </a:lnRef>
+          <a:fillRef idx="1">
+            <a:schemeClr val="accent1"/>
+          </a:fillRef>
+          <a:effectRef idx="1">
+            <a:schemeClr val="accent1"/>
+          </a:effectRef>
+          <a:fontRef idx="minor">
+            <a:schemeClr val="lt1"/>
+          </a:fontRef>
+        </p:style>
+      </p:pic>
     </p:spTree>
     <p:extLst>
       <p:ext uri="{BB962C8B-B14F-4D97-AF65-F5344CB8AC3E}">
-        <p14:creationId xmlns:p14="http://schemas.microsoft.com/office/powerpoint/2010/main" val="2007318938"/>
+        <p14:creationId xmlns:p14="http://schemas.microsoft.com/office/powerpoint/2010/main" val="3640463761"/>
       </p:ext>
     </p:extLst>
   </p:cSld>
@@ -8708,7 +8915,7 @@
           <a:p>
             <a:r>
               <a:rPr lang="en-US" dirty="0" smtClean="0"/>
-              <a:t>Run:</a:t>
+              <a:t>Before we start</a:t>
             </a:r>
             <a:endParaRPr lang="en-US" dirty="0"/>
           </a:p>
@@ -8729,129 +8936,730 @@
           <a:bodyPr/>
           <a:lstStyle/>
           <a:p>
+            <a:r>
+              <a:rPr lang="en-US" dirty="0" smtClean="0"/>
+              <a:t>Start </a:t>
+            </a:r>
+            <a:r>
+              <a:rPr lang="en-US" dirty="0" err="1" smtClean="0"/>
+              <a:t>Appium</a:t>
+            </a:r>
+            <a:endParaRPr lang="en-US" dirty="0" smtClean="0"/>
+          </a:p>
+          <a:p>
             <a:pPr marL="0" indent="0">
               <a:buNone/>
             </a:pPr>
-            <a:r>
-              <a:rPr lang="en-US" sz="1600" dirty="0" smtClean="0">
-                <a:solidFill>
-                  <a:schemeClr val="tx1">
-                    <a:lumMod val="50000"/>
-                  </a:schemeClr>
-                </a:solidFill>
-              </a:rPr>
-              <a:t>MOBILE_PLATFORM</a:t>
-            </a:r>
-            <a:r>
-              <a:rPr lang="en-US" sz="1600" dirty="0">
-                <a:solidFill>
-                  <a:schemeClr val="tx1">
-                    <a:lumMod val="50000"/>
-                  </a:schemeClr>
-                </a:solidFill>
-              </a:rPr>
-              <a:t>="Android" DEVICE_NAME="08dc6adc" TEST_URL="http://kendobuild/</a:t>
-            </a:r>
+            <a:endParaRPr lang="en-US" sz="1600" dirty="0" smtClean="0"/>
           </a:p>
           <a:p>
             <a:pPr marL="0" indent="0">
               <a:buNone/>
             </a:pPr>
-            <a:r>
-              <a:rPr lang="en-US" sz="1600" dirty="0">
-                <a:solidFill>
-                  <a:schemeClr val="tx1">
-                    <a:lumMod val="50000"/>
-                  </a:schemeClr>
-                </a:solidFill>
-              </a:rPr>
-              <a:t>staging-kendo-</a:t>
-            </a:r>
-            <a:r>
-              <a:rPr lang="en-US" sz="1600" dirty="0" err="1">
-                <a:solidFill>
-                  <a:schemeClr val="tx1">
-                    <a:lumMod val="50000"/>
-                  </a:schemeClr>
-                </a:solidFill>
-              </a:rPr>
-              <a:t>ui</a:t>
-            </a:r>
-            <a:r>
-              <a:rPr lang="en-US" sz="1600" dirty="0">
-                <a:solidFill>
-                  <a:schemeClr val="tx1">
-                    <a:lumMod val="50000"/>
-                  </a:schemeClr>
-                </a:solidFill>
-              </a:rPr>
-              <a:t>/" MAP_FROM="web\/(.*)\.html"  MAP_TO='\1' ruby </a:t>
-            </a:r>
-            <a:r>
-              <a:rPr lang="en-US" sz="1600" dirty="0" err="1">
-                <a:solidFill>
-                  <a:schemeClr val="tx1">
-                    <a:lumMod val="50000"/>
-                  </a:schemeClr>
-                </a:solidFill>
-              </a:rPr>
-              <a:t>ActionSheet.rb</a:t>
-            </a:r>
-            <a:endParaRPr lang="en-US" sz="1600" dirty="0">
-              <a:solidFill>
-                <a:schemeClr val="tx1">
-                  <a:lumMod val="50000"/>
-                </a:schemeClr>
-              </a:solidFill>
-            </a:endParaRPr>
+            <a:endParaRPr lang="en-US" sz="1600" dirty="0"/>
           </a:p>
           <a:p>
             <a:pPr marL="0" indent="0">
               <a:buNone/>
             </a:pPr>
-            <a:r>
-              <a:rPr lang="en-US" sz="1600" dirty="0">
-                <a:solidFill>
-                  <a:schemeClr val="tx1">
-                    <a:lumMod val="50000"/>
-                  </a:schemeClr>
-                </a:solidFill>
-              </a:rPr>
-              <a:t>Run options: --seed 58933</a:t>
-            </a:r>
+            <a:endParaRPr lang="en-US" sz="1600" dirty="0" smtClean="0"/>
+          </a:p>
+          <a:p>
+            <a:pPr marL="0" indent="0">
+              <a:buNone/>
+            </a:pPr>
+            <a:endParaRPr lang="en-US" sz="1600" dirty="0"/>
+          </a:p>
+          <a:p>
+            <a:pPr marL="0" indent="0">
+              <a:buNone/>
+            </a:pPr>
+            <a:endParaRPr lang="en-US" sz="1600" dirty="0" smtClean="0"/>
+          </a:p>
+          <a:p>
+            <a:pPr marL="0" indent="0">
+              <a:buNone/>
+            </a:pPr>
+            <a:endParaRPr lang="en-US" sz="1600" dirty="0"/>
+          </a:p>
+          <a:p>
+            <a:pPr marL="0" indent="0">
+              <a:buNone/>
+            </a:pPr>
+            <a:endParaRPr lang="en-US" sz="1600" dirty="0"/>
+          </a:p>
+          <a:p>
+            <a:pPr marL="0" indent="0">
+              <a:buNone/>
+            </a:pPr>
+            <a:endParaRPr lang="en-US" sz="1600" dirty="0" smtClean="0"/>
+          </a:p>
+          <a:p>
+            <a:r>
+              <a:rPr lang="en-US" dirty="0" err="1" smtClean="0"/>
+              <a:t>adb</a:t>
+            </a:r>
+            <a:r>
+              <a:rPr lang="en-US" dirty="0" smtClean="0"/>
+              <a:t> devices</a:t>
+            </a:r>
+          </a:p>
+          <a:p>
+            <a:pPr lvl="1"/>
+            <a:r>
+              <a:rPr lang="en-US" dirty="0" smtClean="0"/>
+              <a:t>List </a:t>
+            </a:r>
+            <a:r>
+              <a:rPr lang="en-US" dirty="0"/>
+              <a:t>of devices </a:t>
+            </a:r>
+            <a:r>
+              <a:rPr lang="en-US" dirty="0" smtClean="0"/>
+              <a:t>attached</a:t>
+            </a:r>
+            <a:endParaRPr lang="en-US" dirty="0"/>
           </a:p>
         </p:txBody>
       </p:sp>
-      <p:pic>
-        <p:nvPicPr>
-          <p:cNvPr id="4" name="actionSheet_Reply"/>
-          <p:cNvPicPr>
-            <a:picLocks noRot="1" noChangeAspect="1"/>
-          </p:cNvPicPr>
-          <p:nvPr>
-            <a:videoFile r:link="rId1"/>
-          </p:nvPr>
-        </p:nvPicPr>
-        <p:blipFill>
-          <a:blip r:embed="rId3"/>
-          <a:stretch>
-            <a:fillRect/>
-          </a:stretch>
-        </p:blipFill>
+      <p:sp>
+        <p:nvSpPr>
+          <p:cNvPr id="5" name="Rectangle 3"/>
+          <p:cNvSpPr txBox="1">
+            <a:spLocks noChangeArrowheads="1"/>
+          </p:cNvSpPr>
+          <p:nvPr/>
+        </p:nvSpPr>
         <p:spPr>
           <a:xfrm>
-            <a:off x="2919566" y="2313039"/>
-            <a:ext cx="3048000" cy="4186084"/>
+            <a:off x="929148" y="1618364"/>
+            <a:ext cx="7610167" cy="2836674"/>
           </a:xfrm>
           <a:prstGeom prst="rect">
             <a:avLst/>
           </a:prstGeom>
+          <a:solidFill>
+            <a:schemeClr val="accent5">
+              <a:lumMod val="40000"/>
+              <a:lumOff val="60000"/>
+              <a:alpha val="15000"/>
+            </a:schemeClr>
+          </a:solidFill>
+          <a:ln w="12700">
+            <a:solidFill>
+              <a:schemeClr val="accent5">
+                <a:lumMod val="60000"/>
+                <a:lumOff val="40000"/>
+              </a:schemeClr>
+            </a:solidFill>
+          </a:ln>
         </p:spPr>
-      </p:pic>
+        <p:txBody>
+          <a:bodyPr wrap="square">
+            <a:spAutoFit/>
+          </a:bodyPr>
+          <a:lstStyle>
+            <a:lvl1pPr marL="282575" indent="-282575" algn="l" rtl="0" eaLnBrk="0" fontAlgn="base" hangingPunct="0">
+              <a:lnSpc>
+                <a:spcPts val="3800"/>
+              </a:lnSpc>
+              <a:spcBef>
+                <a:spcPts val="600"/>
+              </a:spcBef>
+              <a:spcAft>
+                <a:spcPts val="600"/>
+              </a:spcAft>
+              <a:buClr>
+                <a:schemeClr val="accent5">
+                  <a:lumMod val="40000"/>
+                  <a:lumOff val="60000"/>
+                </a:schemeClr>
+              </a:buClr>
+              <a:buSzPct val="70000"/>
+              <a:buFont typeface="Wingdings 2" pitchFamily="18" charset="2"/>
+              <a:buChar char=""/>
+              <a:tabLst>
+                <a:tab pos="282575" algn="l"/>
+              </a:tabLst>
+              <a:defRPr sz="3200" b="1" kern="1200">
+                <a:solidFill>
+                  <a:srgbClr val="EBFFD2"/>
+                </a:solidFill>
+                <a:effectLst>
+                  <a:outerShdw blurRad="38100" dist="38100" dir="2700000" algn="tl">
+                    <a:srgbClr val="000000">
+                      <a:alpha val="43137"/>
+                    </a:srgbClr>
+                  </a:outerShdw>
+                </a:effectLst>
+                <a:latin typeface="+mn-lt"/>
+                <a:ea typeface="+mn-ea"/>
+                <a:cs typeface="+mn-cs"/>
+              </a:defRPr>
+            </a:lvl1pPr>
+            <a:lvl2pPr marL="630238" indent="-273050" algn="l" rtl="0" eaLnBrk="0" fontAlgn="base" hangingPunct="0">
+              <a:lnSpc>
+                <a:spcPts val="3800"/>
+              </a:lnSpc>
+              <a:spcBef>
+                <a:spcPts val="600"/>
+              </a:spcBef>
+              <a:spcAft>
+                <a:spcPts val="600"/>
+              </a:spcAft>
+              <a:buClr>
+                <a:srgbClr val="8FD600"/>
+              </a:buClr>
+              <a:buFont typeface="Wingdings 2" pitchFamily="18" charset="2"/>
+              <a:buChar char=""/>
+              <a:defRPr sz="3000" b="1" kern="1200">
+                <a:solidFill>
+                  <a:schemeClr val="tx1">
+                    <a:lumMod val="40000"/>
+                    <a:lumOff val="60000"/>
+                  </a:schemeClr>
+                </a:solidFill>
+                <a:effectLst>
+                  <a:outerShdw blurRad="38100" dist="38100" dir="2700000" algn="tl">
+                    <a:srgbClr val="000000">
+                      <a:alpha val="43137"/>
+                    </a:srgbClr>
+                  </a:outerShdw>
+                </a:effectLst>
+                <a:latin typeface="+mn-lt"/>
+                <a:ea typeface="+mn-ea"/>
+                <a:cs typeface="+mn-cs"/>
+              </a:defRPr>
+            </a:lvl2pPr>
+            <a:lvl3pPr marL="922338" indent="-273050" algn="l" rtl="0" eaLnBrk="0" fontAlgn="base" hangingPunct="0">
+              <a:lnSpc>
+                <a:spcPts val="3800"/>
+              </a:lnSpc>
+              <a:spcBef>
+                <a:spcPts val="600"/>
+              </a:spcBef>
+              <a:spcAft>
+                <a:spcPts val="600"/>
+              </a:spcAft>
+              <a:buClr>
+                <a:srgbClr val="FFAD9F"/>
+              </a:buClr>
+              <a:buFont typeface="Wingdings 2" pitchFamily="18" charset="2"/>
+              <a:buChar char=""/>
+              <a:defRPr sz="2800" b="1" kern="1200">
+                <a:solidFill>
+                  <a:srgbClr val="F5FFC2"/>
+                </a:solidFill>
+                <a:effectLst>
+                  <a:outerShdw blurRad="38100" dist="38100" dir="2700000" algn="tl">
+                    <a:srgbClr val="000000">
+                      <a:alpha val="43137"/>
+                    </a:srgbClr>
+                  </a:outerShdw>
+                </a:effectLst>
+                <a:latin typeface="+mn-lt"/>
+                <a:ea typeface="+mn-ea"/>
+                <a:cs typeface="+mn-cs"/>
+              </a:defRPr>
+            </a:lvl3pPr>
+            <a:lvl4pPr marL="1187450" indent="-228600" algn="l" rtl="0" eaLnBrk="0" fontAlgn="base" hangingPunct="0">
+              <a:lnSpc>
+                <a:spcPts val="3800"/>
+              </a:lnSpc>
+              <a:spcBef>
+                <a:spcPts val="600"/>
+              </a:spcBef>
+              <a:spcAft>
+                <a:spcPts val="600"/>
+              </a:spcAft>
+              <a:buClr>
+                <a:srgbClr val="FACF82"/>
+              </a:buClr>
+              <a:buFont typeface="Wingdings 2" pitchFamily="18" charset="2"/>
+              <a:buChar char=""/>
+              <a:defRPr sz="2600" b="1" kern="1200">
+                <a:solidFill>
+                  <a:schemeClr val="tx1">
+                    <a:lumMod val="40000"/>
+                    <a:lumOff val="60000"/>
+                  </a:schemeClr>
+                </a:solidFill>
+                <a:effectLst>
+                  <a:outerShdw blurRad="38100" dist="38100" dir="2700000" algn="tl">
+                    <a:srgbClr val="000000">
+                      <a:alpha val="43137"/>
+                    </a:srgbClr>
+                  </a:outerShdw>
+                </a:effectLst>
+                <a:latin typeface="+mn-lt"/>
+                <a:ea typeface="+mn-ea"/>
+                <a:cs typeface="+mn-cs"/>
+              </a:defRPr>
+            </a:lvl4pPr>
+            <a:lvl5pPr marL="1425575" indent="-228600" algn="l" rtl="0" eaLnBrk="0" fontAlgn="base" hangingPunct="0">
+              <a:lnSpc>
+                <a:spcPts val="3800"/>
+              </a:lnSpc>
+              <a:spcBef>
+                <a:spcPts val="600"/>
+              </a:spcBef>
+              <a:spcAft>
+                <a:spcPts val="600"/>
+              </a:spcAft>
+              <a:buClr>
+                <a:srgbClr val="46A6BD"/>
+              </a:buClr>
+              <a:buFont typeface="Wingdings 2" pitchFamily="18" charset="2"/>
+              <a:buChar char=""/>
+              <a:defRPr sz="2400" b="1" kern="1200">
+                <a:solidFill>
+                  <a:schemeClr val="tx1">
+                    <a:lumMod val="40000"/>
+                    <a:lumOff val="60000"/>
+                  </a:schemeClr>
+                </a:solidFill>
+                <a:effectLst>
+                  <a:outerShdw blurRad="38100" dist="38100" dir="2700000" algn="tl">
+                    <a:srgbClr val="000000">
+                      <a:alpha val="43137"/>
+                    </a:srgbClr>
+                  </a:outerShdw>
+                </a:effectLst>
+                <a:latin typeface="+mn-lt"/>
+                <a:ea typeface="+mn-ea"/>
+                <a:cs typeface="+mn-cs"/>
+              </a:defRPr>
+            </a:lvl5pPr>
+            <a:lvl6pPr marL="1673352" indent="-228600" algn="l" rtl="0" eaLnBrk="1" latinLnBrk="0" hangingPunct="1">
+              <a:spcBef>
+                <a:spcPct val="20000"/>
+              </a:spcBef>
+              <a:buClr>
+                <a:schemeClr val="accent6"/>
+              </a:buClr>
+              <a:buFont typeface="Wingdings 2"/>
+              <a:buChar char=""/>
+              <a:defRPr sz="1800" kern="1200">
+                <a:solidFill>
+                  <a:schemeClr val="tx1"/>
+                </a:solidFill>
+                <a:latin typeface="+mn-lt"/>
+                <a:ea typeface="+mn-ea"/>
+                <a:cs typeface="+mn-cs"/>
+              </a:defRPr>
+            </a:lvl6pPr>
+            <a:lvl7pPr marL="1911096" indent="-228600" algn="l" rtl="0" eaLnBrk="1" latinLnBrk="0" hangingPunct="1">
+              <a:spcBef>
+                <a:spcPct val="20000"/>
+              </a:spcBef>
+              <a:buClr>
+                <a:schemeClr val="tx2"/>
+              </a:buClr>
+              <a:buFont typeface="Wingdings 2"/>
+              <a:buChar char=""/>
+              <a:defRPr sz="1600" kern="1200">
+                <a:solidFill>
+                  <a:schemeClr val="tx1"/>
+                </a:solidFill>
+                <a:latin typeface="+mn-lt"/>
+                <a:ea typeface="+mn-ea"/>
+                <a:cs typeface="+mn-cs"/>
+              </a:defRPr>
+            </a:lvl7pPr>
+            <a:lvl8pPr marL="2121408" indent="-182880" algn="l" rtl="0" eaLnBrk="1" latinLnBrk="0" hangingPunct="1">
+              <a:spcBef>
+                <a:spcPct val="20000"/>
+              </a:spcBef>
+              <a:buClr>
+                <a:schemeClr val="tx2"/>
+              </a:buClr>
+              <a:buFont typeface="Wingdings 2"/>
+              <a:buChar char=""/>
+              <a:defRPr sz="1400" kern="1200">
+                <a:solidFill>
+                  <a:schemeClr val="tx1"/>
+                </a:solidFill>
+                <a:latin typeface="+mn-lt"/>
+                <a:ea typeface="+mn-ea"/>
+                <a:cs typeface="+mn-cs"/>
+              </a:defRPr>
+            </a:lvl8pPr>
+            <a:lvl9pPr marL="2322576" indent="-182880" algn="l" rtl="0" eaLnBrk="1" latinLnBrk="0" hangingPunct="1">
+              <a:spcBef>
+                <a:spcPct val="20000"/>
+              </a:spcBef>
+              <a:buClr>
+                <a:schemeClr val="tx2"/>
+              </a:buClr>
+              <a:buFont typeface="Wingdings 2"/>
+              <a:buChar char=""/>
+              <a:defRPr sz="1400" kern="1200">
+                <a:solidFill>
+                  <a:schemeClr val="tx1"/>
+                </a:solidFill>
+                <a:latin typeface="+mn-lt"/>
+                <a:ea typeface="+mn-ea"/>
+                <a:cs typeface="+mn-cs"/>
+              </a:defRPr>
+            </a:lvl9pPr>
+          </a:lstStyle>
+          <a:p>
+            <a:pPr marL="357188" lvl="1" indent="0">
+              <a:buNone/>
+            </a:pPr>
+            <a:r>
+              <a:rPr lang="en-US" sz="2500" dirty="0"/>
+              <a:t>info: Welcome to </a:t>
+            </a:r>
+            <a:r>
+              <a:rPr lang="en-US" sz="2500" dirty="0" err="1"/>
+              <a:t>Appium</a:t>
+            </a:r>
+            <a:r>
+              <a:rPr lang="en-US" sz="2500" dirty="0"/>
+              <a:t> v1.4.13 (</a:t>
+            </a:r>
+            <a:r>
+              <a:rPr lang="en-US" sz="2500" dirty="0" smtClean="0"/>
+              <a:t>REV c75d8adcb66a75818a542fe1891a34260c21f76a</a:t>
+            </a:r>
+            <a:r>
+              <a:rPr lang="en-US" sz="2500" dirty="0"/>
+              <a:t>)</a:t>
+            </a:r>
+          </a:p>
+          <a:p>
+            <a:pPr marL="357188" lvl="1" indent="0">
+              <a:buNone/>
+            </a:pPr>
+            <a:r>
+              <a:rPr lang="en-US" sz="2500" dirty="0"/>
+              <a:t>info: </a:t>
+            </a:r>
+            <a:r>
+              <a:rPr lang="en-US" sz="2500" dirty="0" err="1"/>
+              <a:t>Appium</a:t>
+            </a:r>
+            <a:r>
+              <a:rPr lang="en-US" sz="2500" dirty="0"/>
+              <a:t> REST http interface listener started on 0.0.0.0:4723</a:t>
+            </a:r>
+          </a:p>
+          <a:p>
+            <a:pPr marL="357188" lvl="1" indent="0">
+              <a:buNone/>
+            </a:pPr>
+            <a:r>
+              <a:rPr lang="en-US" sz="2500" dirty="0"/>
+              <a:t>info: Console </a:t>
+            </a:r>
+            <a:r>
+              <a:rPr lang="en-US" sz="2500" dirty="0" err="1"/>
+              <a:t>LogLevel</a:t>
+            </a:r>
+            <a:r>
+              <a:rPr lang="en-US" sz="2500" dirty="0"/>
+              <a:t>: debug</a:t>
+            </a:r>
+          </a:p>
+        </p:txBody>
+      </p:sp>
+      <p:sp>
+        <p:nvSpPr>
+          <p:cNvPr id="6" name="Rectangle 3"/>
+          <p:cNvSpPr txBox="1">
+            <a:spLocks noChangeArrowheads="1"/>
+          </p:cNvSpPr>
+          <p:nvPr/>
+        </p:nvSpPr>
+        <p:spPr>
+          <a:xfrm>
+            <a:off x="929148" y="6137046"/>
+            <a:ext cx="7610167" cy="539058"/>
+          </a:xfrm>
+          <a:prstGeom prst="rect">
+            <a:avLst/>
+          </a:prstGeom>
+          <a:solidFill>
+            <a:schemeClr val="accent5">
+              <a:lumMod val="40000"/>
+              <a:lumOff val="60000"/>
+              <a:alpha val="15000"/>
+            </a:schemeClr>
+          </a:solidFill>
+          <a:ln w="12700">
+            <a:solidFill>
+              <a:schemeClr val="accent5">
+                <a:lumMod val="60000"/>
+                <a:lumOff val="40000"/>
+              </a:schemeClr>
+            </a:solidFill>
+          </a:ln>
+        </p:spPr>
+        <p:txBody>
+          <a:bodyPr wrap="square">
+            <a:spAutoFit/>
+          </a:bodyPr>
+          <a:lstStyle>
+            <a:lvl1pPr marL="282575" indent="-282575" algn="l" rtl="0" eaLnBrk="0" fontAlgn="base" hangingPunct="0">
+              <a:lnSpc>
+                <a:spcPts val="3800"/>
+              </a:lnSpc>
+              <a:spcBef>
+                <a:spcPts val="600"/>
+              </a:spcBef>
+              <a:spcAft>
+                <a:spcPts val="600"/>
+              </a:spcAft>
+              <a:buClr>
+                <a:schemeClr val="accent5">
+                  <a:lumMod val="40000"/>
+                  <a:lumOff val="60000"/>
+                </a:schemeClr>
+              </a:buClr>
+              <a:buSzPct val="70000"/>
+              <a:buFont typeface="Wingdings 2" pitchFamily="18" charset="2"/>
+              <a:buChar char=""/>
+              <a:tabLst>
+                <a:tab pos="282575" algn="l"/>
+              </a:tabLst>
+              <a:defRPr sz="3200" b="1" kern="1200">
+                <a:solidFill>
+                  <a:srgbClr val="EBFFD2"/>
+                </a:solidFill>
+                <a:effectLst>
+                  <a:outerShdw blurRad="38100" dist="38100" dir="2700000" algn="tl">
+                    <a:srgbClr val="000000">
+                      <a:alpha val="43137"/>
+                    </a:srgbClr>
+                  </a:outerShdw>
+                </a:effectLst>
+                <a:latin typeface="+mn-lt"/>
+                <a:ea typeface="+mn-ea"/>
+                <a:cs typeface="+mn-cs"/>
+              </a:defRPr>
+            </a:lvl1pPr>
+            <a:lvl2pPr marL="630238" indent="-273050" algn="l" rtl="0" eaLnBrk="0" fontAlgn="base" hangingPunct="0">
+              <a:lnSpc>
+                <a:spcPts val="3800"/>
+              </a:lnSpc>
+              <a:spcBef>
+                <a:spcPts val="600"/>
+              </a:spcBef>
+              <a:spcAft>
+                <a:spcPts val="600"/>
+              </a:spcAft>
+              <a:buClr>
+                <a:srgbClr val="8FD600"/>
+              </a:buClr>
+              <a:buFont typeface="Wingdings 2" pitchFamily="18" charset="2"/>
+              <a:buChar char=""/>
+              <a:defRPr sz="3000" b="1" kern="1200">
+                <a:solidFill>
+                  <a:schemeClr val="tx1">
+                    <a:lumMod val="40000"/>
+                    <a:lumOff val="60000"/>
+                  </a:schemeClr>
+                </a:solidFill>
+                <a:effectLst>
+                  <a:outerShdw blurRad="38100" dist="38100" dir="2700000" algn="tl">
+                    <a:srgbClr val="000000">
+                      <a:alpha val="43137"/>
+                    </a:srgbClr>
+                  </a:outerShdw>
+                </a:effectLst>
+                <a:latin typeface="+mn-lt"/>
+                <a:ea typeface="+mn-ea"/>
+                <a:cs typeface="+mn-cs"/>
+              </a:defRPr>
+            </a:lvl2pPr>
+            <a:lvl3pPr marL="922338" indent="-273050" algn="l" rtl="0" eaLnBrk="0" fontAlgn="base" hangingPunct="0">
+              <a:lnSpc>
+                <a:spcPts val="3800"/>
+              </a:lnSpc>
+              <a:spcBef>
+                <a:spcPts val="600"/>
+              </a:spcBef>
+              <a:spcAft>
+                <a:spcPts val="600"/>
+              </a:spcAft>
+              <a:buClr>
+                <a:srgbClr val="FFAD9F"/>
+              </a:buClr>
+              <a:buFont typeface="Wingdings 2" pitchFamily="18" charset="2"/>
+              <a:buChar char=""/>
+              <a:defRPr sz="2800" b="1" kern="1200">
+                <a:solidFill>
+                  <a:srgbClr val="F5FFC2"/>
+                </a:solidFill>
+                <a:effectLst>
+                  <a:outerShdw blurRad="38100" dist="38100" dir="2700000" algn="tl">
+                    <a:srgbClr val="000000">
+                      <a:alpha val="43137"/>
+                    </a:srgbClr>
+                  </a:outerShdw>
+                </a:effectLst>
+                <a:latin typeface="+mn-lt"/>
+                <a:ea typeface="+mn-ea"/>
+                <a:cs typeface="+mn-cs"/>
+              </a:defRPr>
+            </a:lvl3pPr>
+            <a:lvl4pPr marL="1187450" indent="-228600" algn="l" rtl="0" eaLnBrk="0" fontAlgn="base" hangingPunct="0">
+              <a:lnSpc>
+                <a:spcPts val="3800"/>
+              </a:lnSpc>
+              <a:spcBef>
+                <a:spcPts val="600"/>
+              </a:spcBef>
+              <a:spcAft>
+                <a:spcPts val="600"/>
+              </a:spcAft>
+              <a:buClr>
+                <a:srgbClr val="FACF82"/>
+              </a:buClr>
+              <a:buFont typeface="Wingdings 2" pitchFamily="18" charset="2"/>
+              <a:buChar char=""/>
+              <a:defRPr sz="2600" b="1" kern="1200">
+                <a:solidFill>
+                  <a:schemeClr val="tx1">
+                    <a:lumMod val="40000"/>
+                    <a:lumOff val="60000"/>
+                  </a:schemeClr>
+                </a:solidFill>
+                <a:effectLst>
+                  <a:outerShdw blurRad="38100" dist="38100" dir="2700000" algn="tl">
+                    <a:srgbClr val="000000">
+                      <a:alpha val="43137"/>
+                    </a:srgbClr>
+                  </a:outerShdw>
+                </a:effectLst>
+                <a:latin typeface="+mn-lt"/>
+                <a:ea typeface="+mn-ea"/>
+                <a:cs typeface="+mn-cs"/>
+              </a:defRPr>
+            </a:lvl4pPr>
+            <a:lvl5pPr marL="1425575" indent="-228600" algn="l" rtl="0" eaLnBrk="0" fontAlgn="base" hangingPunct="0">
+              <a:lnSpc>
+                <a:spcPts val="3800"/>
+              </a:lnSpc>
+              <a:spcBef>
+                <a:spcPts val="600"/>
+              </a:spcBef>
+              <a:spcAft>
+                <a:spcPts val="600"/>
+              </a:spcAft>
+              <a:buClr>
+                <a:srgbClr val="46A6BD"/>
+              </a:buClr>
+              <a:buFont typeface="Wingdings 2" pitchFamily="18" charset="2"/>
+              <a:buChar char=""/>
+              <a:defRPr sz="2400" b="1" kern="1200">
+                <a:solidFill>
+                  <a:schemeClr val="tx1">
+                    <a:lumMod val="40000"/>
+                    <a:lumOff val="60000"/>
+                  </a:schemeClr>
+                </a:solidFill>
+                <a:effectLst>
+                  <a:outerShdw blurRad="38100" dist="38100" dir="2700000" algn="tl">
+                    <a:srgbClr val="000000">
+                      <a:alpha val="43137"/>
+                    </a:srgbClr>
+                  </a:outerShdw>
+                </a:effectLst>
+                <a:latin typeface="+mn-lt"/>
+                <a:ea typeface="+mn-ea"/>
+                <a:cs typeface="+mn-cs"/>
+              </a:defRPr>
+            </a:lvl5pPr>
+            <a:lvl6pPr marL="1673352" indent="-228600" algn="l" rtl="0" eaLnBrk="1" latinLnBrk="0" hangingPunct="1">
+              <a:spcBef>
+                <a:spcPct val="20000"/>
+              </a:spcBef>
+              <a:buClr>
+                <a:schemeClr val="accent6"/>
+              </a:buClr>
+              <a:buFont typeface="Wingdings 2"/>
+              <a:buChar char=""/>
+              <a:defRPr sz="1800" kern="1200">
+                <a:solidFill>
+                  <a:schemeClr val="tx1"/>
+                </a:solidFill>
+                <a:latin typeface="+mn-lt"/>
+                <a:ea typeface="+mn-ea"/>
+                <a:cs typeface="+mn-cs"/>
+              </a:defRPr>
+            </a:lvl6pPr>
+            <a:lvl7pPr marL="1911096" indent="-228600" algn="l" rtl="0" eaLnBrk="1" latinLnBrk="0" hangingPunct="1">
+              <a:spcBef>
+                <a:spcPct val="20000"/>
+              </a:spcBef>
+              <a:buClr>
+                <a:schemeClr val="tx2"/>
+              </a:buClr>
+              <a:buFont typeface="Wingdings 2"/>
+              <a:buChar char=""/>
+              <a:defRPr sz="1600" kern="1200">
+                <a:solidFill>
+                  <a:schemeClr val="tx1"/>
+                </a:solidFill>
+                <a:latin typeface="+mn-lt"/>
+                <a:ea typeface="+mn-ea"/>
+                <a:cs typeface="+mn-cs"/>
+              </a:defRPr>
+            </a:lvl7pPr>
+            <a:lvl8pPr marL="2121408" indent="-182880" algn="l" rtl="0" eaLnBrk="1" latinLnBrk="0" hangingPunct="1">
+              <a:spcBef>
+                <a:spcPct val="20000"/>
+              </a:spcBef>
+              <a:buClr>
+                <a:schemeClr val="tx2"/>
+              </a:buClr>
+              <a:buFont typeface="Wingdings 2"/>
+              <a:buChar char=""/>
+              <a:defRPr sz="1400" kern="1200">
+                <a:solidFill>
+                  <a:schemeClr val="tx1"/>
+                </a:solidFill>
+                <a:latin typeface="+mn-lt"/>
+                <a:ea typeface="+mn-ea"/>
+                <a:cs typeface="+mn-cs"/>
+              </a:defRPr>
+            </a:lvl8pPr>
+            <a:lvl9pPr marL="2322576" indent="-182880" algn="l" rtl="0" eaLnBrk="1" latinLnBrk="0" hangingPunct="1">
+              <a:spcBef>
+                <a:spcPct val="20000"/>
+              </a:spcBef>
+              <a:buClr>
+                <a:schemeClr val="tx2"/>
+              </a:buClr>
+              <a:buFont typeface="Wingdings 2"/>
+              <a:buChar char=""/>
+              <a:defRPr sz="1400" kern="1200">
+                <a:solidFill>
+                  <a:schemeClr val="tx1"/>
+                </a:solidFill>
+                <a:latin typeface="+mn-lt"/>
+                <a:ea typeface="+mn-ea"/>
+                <a:cs typeface="+mn-cs"/>
+              </a:defRPr>
+            </a:lvl9pPr>
+          </a:lstStyle>
+          <a:p>
+            <a:pPr marL="0" indent="0">
+              <a:buNone/>
+            </a:pPr>
+            <a:r>
+              <a:rPr lang="en-US" sz="2500" dirty="0"/>
+              <a:t>08dc6adc        device </a:t>
+            </a:r>
+          </a:p>
+        </p:txBody>
+      </p:sp>
     </p:spTree>
     <p:extLst>
       <p:ext uri="{BB962C8B-B14F-4D97-AF65-F5344CB8AC3E}">
-        <p14:creationId xmlns:p14="http://schemas.microsoft.com/office/powerpoint/2010/main" val="4113102703"/>
+        <p14:creationId xmlns:p14="http://schemas.microsoft.com/office/powerpoint/2010/main" val="2007318938"/>
       </p:ext>
     </p:extLst>
   </p:cSld>
@@ -8861,80 +9669,7 @@
   <p:timing>
     <p:tnLst>
       <p:par>
-        <p:cTn id="1" dur="indefinite" restart="never" nodeType="tmRoot">
-          <p:childTnLst>
-            <p:seq concurrent="1" nextAc="seek">
-              <p:cTn id="2" restart="whenNotActive" fill="hold" evtFilter="cancelBubble" nodeType="interactiveSeq">
-                <p:stCondLst>
-                  <p:cond evt="onClick" delay="0">
-                    <p:tgtEl>
-                      <p:spTgt spid="4"/>
-                    </p:tgtEl>
-                  </p:cond>
-                </p:stCondLst>
-                <p:endSync evt="end" delay="0">
-                  <p:rtn val="all"/>
-                </p:endSync>
-                <p:childTnLst>
-                  <p:par>
-                    <p:cTn id="3" fill="hold">
-                      <p:stCondLst>
-                        <p:cond delay="0"/>
-                      </p:stCondLst>
-                      <p:childTnLst>
-                        <p:par>
-                          <p:cTn id="4" fill="hold">
-                            <p:stCondLst>
-                              <p:cond delay="0"/>
-                            </p:stCondLst>
-                            <p:childTnLst>
-                              <p:par>
-                                <p:cTn id="5" presetID="2" presetClass="mediacall" presetSubtype="0" fill="hold" nodeType="clickEffect">
-                                  <p:stCondLst>
-                                    <p:cond delay="0"/>
-                                  </p:stCondLst>
-                                  <p:childTnLst>
-                                    <p:cmd type="call" cmd="togglePause">
-                                      <p:cBhvr>
-                                        <p:cTn id="6" dur="1" fill="hold"/>
-                                        <p:tgtEl>
-                                          <p:spTgt spid="4"/>
-                                        </p:tgtEl>
-                                      </p:cBhvr>
-                                    </p:cmd>
-                                  </p:childTnLst>
-                                </p:cTn>
-                              </p:par>
-                            </p:childTnLst>
-                          </p:cTn>
-                        </p:par>
-                      </p:childTnLst>
-                    </p:cTn>
-                  </p:par>
-                </p:childTnLst>
-              </p:cTn>
-              <p:nextCondLst>
-                <p:cond evt="onClick" delay="0">
-                  <p:tgtEl>
-                    <p:spTgt spid="4"/>
-                  </p:tgtEl>
-                </p:cond>
-              </p:nextCondLst>
-            </p:seq>
-            <p:video>
-              <p:cMediaNode>
-                <p:cTn id="7" fill="hold" display="0">
-                  <p:stCondLst>
-                    <p:cond delay="indefinite"/>
-                  </p:stCondLst>
-                </p:cTn>
-                <p:tgtEl>
-                  <p:spTgt spid="4"/>
-                </p:tgtEl>
-              </p:cMediaNode>
-            </p:video>
-          </p:childTnLst>
-        </p:cTn>
+        <p:cTn id="1" dur="indefinite" restart="never" nodeType="tmRoot"/>
       </p:par>
     </p:tnLst>
   </p:timing>
@@ -8975,7 +9710,7 @@
           <a:p>
             <a:r>
               <a:rPr lang="en-US" dirty="0" smtClean="0"/>
-              <a:t>Why not on Simulator?</a:t>
+              <a:t>Run</a:t>
             </a:r>
             <a:endParaRPr lang="en-US" dirty="0"/>
           </a:p>
@@ -8983,37 +9718,292 @@
       </p:sp>
       <p:sp>
         <p:nvSpPr>
-          <p:cNvPr id="3" name="Content Placeholder 2"/>
-          <p:cNvSpPr>
-            <a:spLocks noGrp="1"/>
+          <p:cNvPr id="6" name="Rectangle 3"/>
+          <p:cNvSpPr txBox="1">
+            <a:spLocks noChangeArrowheads="1"/>
           </p:cNvSpPr>
-          <p:nvPr>
-            <p:ph idx="1"/>
-          </p:nvPr>
+          <p:nvPr/>
         </p:nvSpPr>
-        <p:spPr/>
+        <p:spPr>
+          <a:xfrm>
+            <a:off x="575186" y="863934"/>
+            <a:ext cx="7610167" cy="3745064"/>
+          </a:xfrm>
+          <a:prstGeom prst="rect">
+            <a:avLst/>
+          </a:prstGeom>
+          <a:solidFill>
+            <a:schemeClr val="accent5">
+              <a:lumMod val="40000"/>
+              <a:lumOff val="60000"/>
+              <a:alpha val="15000"/>
+            </a:schemeClr>
+          </a:solidFill>
+          <a:ln w="12700">
+            <a:solidFill>
+              <a:schemeClr val="accent5">
+                <a:lumMod val="60000"/>
+                <a:lumOff val="40000"/>
+              </a:schemeClr>
+            </a:solidFill>
+          </a:ln>
+        </p:spPr>
         <p:txBody>
-          <a:bodyPr/>
-          <a:lstStyle/>
-          <a:p>
-            <a:r>
-              <a:rPr lang="en-US" dirty="0" smtClean="0"/>
-              <a:t>No Chrome installed on Android simulators</a:t>
-            </a:r>
-          </a:p>
+          <a:bodyPr wrap="square">
+            <a:spAutoFit/>
+          </a:bodyPr>
+          <a:lstStyle>
+            <a:lvl1pPr marL="282575" indent="-282575" algn="l" rtl="0" eaLnBrk="0" fontAlgn="base" hangingPunct="0">
+              <a:lnSpc>
+                <a:spcPts val="3800"/>
+              </a:lnSpc>
+              <a:spcBef>
+                <a:spcPts val="600"/>
+              </a:spcBef>
+              <a:spcAft>
+                <a:spcPts val="600"/>
+              </a:spcAft>
+              <a:buClr>
+                <a:schemeClr val="accent5">
+                  <a:lumMod val="40000"/>
+                  <a:lumOff val="60000"/>
+                </a:schemeClr>
+              </a:buClr>
+              <a:buSzPct val="70000"/>
+              <a:buFont typeface="Wingdings 2" pitchFamily="18" charset="2"/>
+              <a:buChar char=""/>
+              <a:tabLst>
+                <a:tab pos="282575" algn="l"/>
+              </a:tabLst>
+              <a:defRPr sz="3200" b="1" kern="1200">
+                <a:solidFill>
+                  <a:srgbClr val="EBFFD2"/>
+                </a:solidFill>
+                <a:effectLst>
+                  <a:outerShdw blurRad="38100" dist="38100" dir="2700000" algn="tl">
+                    <a:srgbClr val="000000">
+                      <a:alpha val="43137"/>
+                    </a:srgbClr>
+                  </a:outerShdw>
+                </a:effectLst>
+                <a:latin typeface="+mn-lt"/>
+                <a:ea typeface="+mn-ea"/>
+                <a:cs typeface="+mn-cs"/>
+              </a:defRPr>
+            </a:lvl1pPr>
+            <a:lvl2pPr marL="630238" indent="-273050" algn="l" rtl="0" eaLnBrk="0" fontAlgn="base" hangingPunct="0">
+              <a:lnSpc>
+                <a:spcPts val="3800"/>
+              </a:lnSpc>
+              <a:spcBef>
+                <a:spcPts val="600"/>
+              </a:spcBef>
+              <a:spcAft>
+                <a:spcPts val="600"/>
+              </a:spcAft>
+              <a:buClr>
+                <a:srgbClr val="8FD600"/>
+              </a:buClr>
+              <a:buFont typeface="Wingdings 2" pitchFamily="18" charset="2"/>
+              <a:buChar char=""/>
+              <a:defRPr sz="3000" b="1" kern="1200">
+                <a:solidFill>
+                  <a:schemeClr val="tx1">
+                    <a:lumMod val="40000"/>
+                    <a:lumOff val="60000"/>
+                  </a:schemeClr>
+                </a:solidFill>
+                <a:effectLst>
+                  <a:outerShdw blurRad="38100" dist="38100" dir="2700000" algn="tl">
+                    <a:srgbClr val="000000">
+                      <a:alpha val="43137"/>
+                    </a:srgbClr>
+                  </a:outerShdw>
+                </a:effectLst>
+                <a:latin typeface="+mn-lt"/>
+                <a:ea typeface="+mn-ea"/>
+                <a:cs typeface="+mn-cs"/>
+              </a:defRPr>
+            </a:lvl2pPr>
+            <a:lvl3pPr marL="922338" indent="-273050" algn="l" rtl="0" eaLnBrk="0" fontAlgn="base" hangingPunct="0">
+              <a:lnSpc>
+                <a:spcPts val="3800"/>
+              </a:lnSpc>
+              <a:spcBef>
+                <a:spcPts val="600"/>
+              </a:spcBef>
+              <a:spcAft>
+                <a:spcPts val="600"/>
+              </a:spcAft>
+              <a:buClr>
+                <a:srgbClr val="FFAD9F"/>
+              </a:buClr>
+              <a:buFont typeface="Wingdings 2" pitchFamily="18" charset="2"/>
+              <a:buChar char=""/>
+              <a:defRPr sz="2800" b="1" kern="1200">
+                <a:solidFill>
+                  <a:srgbClr val="F5FFC2"/>
+                </a:solidFill>
+                <a:effectLst>
+                  <a:outerShdw blurRad="38100" dist="38100" dir="2700000" algn="tl">
+                    <a:srgbClr val="000000">
+                      <a:alpha val="43137"/>
+                    </a:srgbClr>
+                  </a:outerShdw>
+                </a:effectLst>
+                <a:latin typeface="+mn-lt"/>
+                <a:ea typeface="+mn-ea"/>
+                <a:cs typeface="+mn-cs"/>
+              </a:defRPr>
+            </a:lvl3pPr>
+            <a:lvl4pPr marL="1187450" indent="-228600" algn="l" rtl="0" eaLnBrk="0" fontAlgn="base" hangingPunct="0">
+              <a:lnSpc>
+                <a:spcPts val="3800"/>
+              </a:lnSpc>
+              <a:spcBef>
+                <a:spcPts val="600"/>
+              </a:spcBef>
+              <a:spcAft>
+                <a:spcPts val="600"/>
+              </a:spcAft>
+              <a:buClr>
+                <a:srgbClr val="FACF82"/>
+              </a:buClr>
+              <a:buFont typeface="Wingdings 2" pitchFamily="18" charset="2"/>
+              <a:buChar char=""/>
+              <a:defRPr sz="2600" b="1" kern="1200">
+                <a:solidFill>
+                  <a:schemeClr val="tx1">
+                    <a:lumMod val="40000"/>
+                    <a:lumOff val="60000"/>
+                  </a:schemeClr>
+                </a:solidFill>
+                <a:effectLst>
+                  <a:outerShdw blurRad="38100" dist="38100" dir="2700000" algn="tl">
+                    <a:srgbClr val="000000">
+                      <a:alpha val="43137"/>
+                    </a:srgbClr>
+                  </a:outerShdw>
+                </a:effectLst>
+                <a:latin typeface="+mn-lt"/>
+                <a:ea typeface="+mn-ea"/>
+                <a:cs typeface="+mn-cs"/>
+              </a:defRPr>
+            </a:lvl4pPr>
+            <a:lvl5pPr marL="1425575" indent="-228600" algn="l" rtl="0" eaLnBrk="0" fontAlgn="base" hangingPunct="0">
+              <a:lnSpc>
+                <a:spcPts val="3800"/>
+              </a:lnSpc>
+              <a:spcBef>
+                <a:spcPts val="600"/>
+              </a:spcBef>
+              <a:spcAft>
+                <a:spcPts val="600"/>
+              </a:spcAft>
+              <a:buClr>
+                <a:srgbClr val="46A6BD"/>
+              </a:buClr>
+              <a:buFont typeface="Wingdings 2" pitchFamily="18" charset="2"/>
+              <a:buChar char=""/>
+              <a:defRPr sz="2400" b="1" kern="1200">
+                <a:solidFill>
+                  <a:schemeClr val="tx1">
+                    <a:lumMod val="40000"/>
+                    <a:lumOff val="60000"/>
+                  </a:schemeClr>
+                </a:solidFill>
+                <a:effectLst>
+                  <a:outerShdw blurRad="38100" dist="38100" dir="2700000" algn="tl">
+                    <a:srgbClr val="000000">
+                      <a:alpha val="43137"/>
+                    </a:srgbClr>
+                  </a:outerShdw>
+                </a:effectLst>
+                <a:latin typeface="+mn-lt"/>
+                <a:ea typeface="+mn-ea"/>
+                <a:cs typeface="+mn-cs"/>
+              </a:defRPr>
+            </a:lvl5pPr>
+            <a:lvl6pPr marL="1673352" indent="-228600" algn="l" rtl="0" eaLnBrk="1" latinLnBrk="0" hangingPunct="1">
+              <a:spcBef>
+                <a:spcPct val="20000"/>
+              </a:spcBef>
+              <a:buClr>
+                <a:schemeClr val="accent6"/>
+              </a:buClr>
+              <a:buFont typeface="Wingdings 2"/>
+              <a:buChar char=""/>
+              <a:defRPr sz="1800" kern="1200">
+                <a:solidFill>
+                  <a:schemeClr val="tx1"/>
+                </a:solidFill>
+                <a:latin typeface="+mn-lt"/>
+                <a:ea typeface="+mn-ea"/>
+                <a:cs typeface="+mn-cs"/>
+              </a:defRPr>
+            </a:lvl6pPr>
+            <a:lvl7pPr marL="1911096" indent="-228600" algn="l" rtl="0" eaLnBrk="1" latinLnBrk="0" hangingPunct="1">
+              <a:spcBef>
+                <a:spcPct val="20000"/>
+              </a:spcBef>
+              <a:buClr>
+                <a:schemeClr val="tx2"/>
+              </a:buClr>
+              <a:buFont typeface="Wingdings 2"/>
+              <a:buChar char=""/>
+              <a:defRPr sz="1600" kern="1200">
+                <a:solidFill>
+                  <a:schemeClr val="tx1"/>
+                </a:solidFill>
+                <a:latin typeface="+mn-lt"/>
+                <a:ea typeface="+mn-ea"/>
+                <a:cs typeface="+mn-cs"/>
+              </a:defRPr>
+            </a:lvl7pPr>
+            <a:lvl8pPr marL="2121408" indent="-182880" algn="l" rtl="0" eaLnBrk="1" latinLnBrk="0" hangingPunct="1">
+              <a:spcBef>
+                <a:spcPct val="20000"/>
+              </a:spcBef>
+              <a:buClr>
+                <a:schemeClr val="tx2"/>
+              </a:buClr>
+              <a:buFont typeface="Wingdings 2"/>
+              <a:buChar char=""/>
+              <a:defRPr sz="1400" kern="1200">
+                <a:solidFill>
+                  <a:schemeClr val="tx1"/>
+                </a:solidFill>
+                <a:latin typeface="+mn-lt"/>
+                <a:ea typeface="+mn-ea"/>
+                <a:cs typeface="+mn-cs"/>
+              </a:defRPr>
+            </a:lvl8pPr>
+            <a:lvl9pPr marL="2322576" indent="-182880" algn="l" rtl="0" eaLnBrk="1" latinLnBrk="0" hangingPunct="1">
+              <a:spcBef>
+                <a:spcPct val="20000"/>
+              </a:spcBef>
+              <a:buClr>
+                <a:schemeClr val="tx2"/>
+              </a:buClr>
+              <a:buFont typeface="Wingdings 2"/>
+              <a:buChar char=""/>
+              <a:defRPr sz="1400" kern="1200">
+                <a:solidFill>
+                  <a:schemeClr val="tx1"/>
+                </a:solidFill>
+                <a:latin typeface="+mn-lt"/>
+                <a:ea typeface="+mn-ea"/>
+                <a:cs typeface="+mn-cs"/>
+              </a:defRPr>
+            </a:lvl9pPr>
+          </a:lstStyle>
           <a:p>
             <a:pPr marL="0" indent="0">
               <a:buNone/>
             </a:pPr>
             <a:r>
-              <a:rPr lang="en-US" sz="1600" dirty="0" smtClean="0">
-                <a:solidFill>
-                  <a:schemeClr val="tx1">
-                    <a:lumMod val="50000"/>
-                  </a:schemeClr>
-                </a:solidFill>
-              </a:rPr>
-              <a:t>	Workarounds suggested here:</a:t>
+              <a:rPr lang="en-US" sz="2400" dirty="0"/>
+              <a:t>MOBILE_PLATFORM="Android“</a:t>
             </a:r>
           </a:p>
           <a:p>
@@ -9021,41 +10011,109 @@
               <a:buNone/>
             </a:pPr>
             <a:r>
-              <a:rPr lang="en-US" sz="1600" dirty="0" smtClean="0">
-                <a:solidFill>
-                  <a:schemeClr val="tx1">
-                    <a:lumMod val="50000"/>
-                  </a:schemeClr>
-                </a:solidFill>
-              </a:rPr>
-              <a:t>	https</a:t>
-            </a:r>
-            <a:r>
-              <a:rPr lang="en-US" sz="1600" dirty="0">
-                <a:solidFill>
-                  <a:schemeClr val="tx1">
-                    <a:lumMod val="50000"/>
-                  </a:schemeClr>
-                </a:solidFill>
-              </a:rPr>
-              <a:t>://github.com/appium/appium/issues/1702</a:t>
-            </a:r>
-          </a:p>
-          <a:p>
-            <a:endParaRPr lang="en-US" dirty="0"/>
+              <a:rPr lang="en-US" sz="2400" dirty="0"/>
+              <a:t>DEVICE_NAME="08dc6adc“</a:t>
+            </a:r>
+          </a:p>
+          <a:p>
+            <a:pPr marL="0" indent="0">
+              <a:buNone/>
+            </a:pPr>
+            <a:r>
+              <a:rPr lang="en-US" sz="2400" dirty="0"/>
+              <a:t>TEST_URL="http://kendobuild/staging-kendo-ui/" </a:t>
+            </a:r>
+          </a:p>
+          <a:p>
+            <a:pPr marL="0" indent="0">
+              <a:buNone/>
+            </a:pPr>
+            <a:r>
+              <a:rPr lang="en-US" sz="2400" dirty="0"/>
+              <a:t>MAP_FROM="web\/(.*)\.html“</a:t>
+            </a:r>
+          </a:p>
+          <a:p>
+            <a:pPr marL="0" indent="0">
+              <a:buNone/>
+            </a:pPr>
+            <a:r>
+              <a:rPr lang="en-US" sz="2400" dirty="0"/>
+              <a:t>MAP_TO='\1' ruby </a:t>
+            </a:r>
+            <a:r>
+              <a:rPr lang="en-US" sz="2400" dirty="0" err="1"/>
+              <a:t>ActionSheet.rb</a:t>
+            </a:r>
+            <a:endParaRPr lang="en-US" sz="2400" dirty="0"/>
+          </a:p>
+          <a:p>
+            <a:pPr marL="0" indent="0">
+              <a:buNone/>
+            </a:pPr>
+            <a:r>
+              <a:rPr lang="en-US" sz="2400" dirty="0"/>
+              <a:t>Run options: --seed 58933</a:t>
+            </a:r>
+            <a:endParaRPr lang="en-US" sz="2400" dirty="0"/>
           </a:p>
         </p:txBody>
       </p:sp>
+      <p:pic>
+        <p:nvPicPr>
+          <p:cNvPr id="5" name="Picture 4"/>
+          <p:cNvPicPr>
+            <a:picLocks noChangeAspect="1"/>
+          </p:cNvPicPr>
+          <p:nvPr/>
+        </p:nvPicPr>
+        <p:blipFill>
+          <a:blip r:embed="rId2"/>
+          <a:stretch>
+            <a:fillRect/>
+          </a:stretch>
+        </p:blipFill>
+        <p:spPr>
+          <a:xfrm>
+            <a:off x="6188728" y="2746103"/>
+            <a:ext cx="2468575" cy="3959496"/>
+          </a:xfrm>
+          <a:prstGeom prst="roundRect">
+            <a:avLst/>
+          </a:prstGeom>
+          <a:noFill/>
+          <a:ln>
+            <a:noFill/>
+          </a:ln>
+          <a:effectLst>
+            <a:glow rad="101600">
+              <a:schemeClr val="tx1">
+                <a:alpha val="60000"/>
+              </a:schemeClr>
+            </a:glow>
+            <a:outerShdw dist="35921" dir="2700000" algn="ctr" rotWithShape="0">
+              <a:schemeClr val="bg2"/>
+            </a:outerShdw>
+          </a:effectLst>
+        </p:spPr>
+      </p:pic>
     </p:spTree>
     <p:extLst>
       <p:ext uri="{BB962C8B-B14F-4D97-AF65-F5344CB8AC3E}">
-        <p14:creationId xmlns:p14="http://schemas.microsoft.com/office/powerpoint/2010/main" val="1281382453"/>
+        <p14:creationId xmlns:p14="http://schemas.microsoft.com/office/powerpoint/2010/main" val="425453163"/>
       </p:ext>
     </p:extLst>
   </p:cSld>
   <p:clrMapOvr>
     <a:masterClrMapping/>
   </p:clrMapOvr>
+  <p:timing>
+    <p:tnLst>
+      <p:par>
+        <p:cTn id="1" dur="indefinite" restart="never" nodeType="tmRoot"/>
+      </p:par>
+    </p:tnLst>
+  </p:timing>
 </p:sld>
 </file>
 
@@ -9093,7 +10151,7 @@
           <a:p>
             <a:r>
               <a:rPr lang="en-US" dirty="0" smtClean="0"/>
-              <a:t>Tools Used:</a:t>
+              <a:t>Why not on Simulator?</a:t>
             </a:r>
             <a:endParaRPr lang="en-US" dirty="0"/>
           </a:p>
@@ -9115,6 +10173,184 @@
           <a:lstStyle/>
           <a:p>
             <a:r>
+              <a:rPr lang="en-US" dirty="0" smtClean="0"/>
+              <a:t>No Chrome installed on Android simulators</a:t>
+            </a:r>
+            <a:endParaRPr lang="bg-BG" dirty="0" smtClean="0"/>
+          </a:p>
+          <a:p>
+            <a:pPr lvl="1"/>
+            <a:r>
+              <a:rPr lang="en-US" sz="2800" dirty="0" smtClean="0">
+                <a:solidFill>
+                  <a:schemeClr val="tx1">
+                    <a:lumMod val="40000"/>
+                    <a:lumOff val="60000"/>
+                  </a:schemeClr>
+                </a:solidFill>
+              </a:rPr>
+              <a:t>Workarounds </a:t>
+            </a:r>
+            <a:r>
+              <a:rPr lang="en-US" sz="2800" dirty="0">
+                <a:solidFill>
+                  <a:schemeClr val="tx1">
+                    <a:lumMod val="40000"/>
+                    <a:lumOff val="60000"/>
+                  </a:schemeClr>
+                </a:solidFill>
+              </a:rPr>
+              <a:t>suggested </a:t>
+            </a:r>
+            <a:r>
+              <a:rPr lang="en-US" sz="2800" dirty="0" smtClean="0">
+                <a:solidFill>
+                  <a:schemeClr val="tx1">
+                    <a:lumMod val="40000"/>
+                    <a:lumOff val="60000"/>
+                  </a:schemeClr>
+                </a:solidFill>
+              </a:rPr>
+              <a:t>here:</a:t>
+            </a:r>
+            <a:endParaRPr lang="bg-BG" sz="2800" dirty="0"/>
+          </a:p>
+          <a:p>
+            <a:pPr marL="357188" lvl="1" indent="0">
+              <a:buNone/>
+            </a:pPr>
+            <a:r>
+              <a:rPr lang="en-US" sz="2600" dirty="0" smtClean="0">
+                <a:solidFill>
+                  <a:schemeClr val="tx1">
+                    <a:lumMod val="50000"/>
+                  </a:schemeClr>
+                </a:solidFill>
+                <a:hlinkClick r:id="rId2"/>
+              </a:rPr>
+              <a:t>https</a:t>
+            </a:r>
+            <a:r>
+              <a:rPr lang="en-US" sz="2600" dirty="0">
+                <a:solidFill>
+                  <a:schemeClr val="tx1">
+                    <a:lumMod val="50000"/>
+                  </a:schemeClr>
+                </a:solidFill>
+                <a:hlinkClick r:id="rId2"/>
+              </a:rPr>
+              <a:t>://</a:t>
+            </a:r>
+            <a:r>
+              <a:rPr lang="en-US" sz="2600" dirty="0" smtClean="0">
+                <a:solidFill>
+                  <a:schemeClr val="tx1">
+                    <a:lumMod val="50000"/>
+                  </a:schemeClr>
+                </a:solidFill>
+                <a:hlinkClick r:id="rId2"/>
+              </a:rPr>
+              <a:t>github.com/appium/appium/issues/1702</a:t>
+            </a:r>
+            <a:r>
+              <a:rPr lang="bg-BG" sz="2600" dirty="0" smtClean="0">
+                <a:solidFill>
+                  <a:schemeClr val="tx1">
+                    <a:lumMod val="50000"/>
+                  </a:schemeClr>
+                </a:solidFill>
+              </a:rPr>
+              <a:t> </a:t>
+            </a:r>
+            <a:endParaRPr lang="en-US" sz="2600" dirty="0">
+              <a:solidFill>
+                <a:schemeClr val="tx1">
+                  <a:lumMod val="50000"/>
+                </a:schemeClr>
+              </a:solidFill>
+            </a:endParaRPr>
+          </a:p>
+          <a:p>
+            <a:endParaRPr lang="en-US" dirty="0"/>
+          </a:p>
+        </p:txBody>
+      </p:sp>
+    </p:spTree>
+    <p:extLst>
+      <p:ext uri="{BB962C8B-B14F-4D97-AF65-F5344CB8AC3E}">
+        <p14:creationId xmlns:p14="http://schemas.microsoft.com/office/powerpoint/2010/main" val="1281382453"/>
+      </p:ext>
+    </p:extLst>
+  </p:cSld>
+  <p:clrMapOvr>
+    <a:masterClrMapping/>
+  </p:clrMapOvr>
+  <p:timing>
+    <p:tnLst>
+      <p:par>
+        <p:cTn id="1" dur="indefinite" restart="never" nodeType="tmRoot"/>
+      </p:par>
+    </p:tnLst>
+  </p:timing>
+</p:sld>
+</file>
+
+<file path=ppt/slides/slide9.xml><?xml version="1.0" encoding="utf-8"?>
+<p:sld xmlns:a="http://schemas.openxmlformats.org/drawingml/2006/main" xmlns:r="http://schemas.openxmlformats.org/officeDocument/2006/relationships" xmlns:p="http://schemas.openxmlformats.org/presentationml/2006/main">
+  <p:cSld>
+    <p:spTree>
+      <p:nvGrpSpPr>
+        <p:cNvPr id="1" name=""/>
+        <p:cNvGrpSpPr/>
+        <p:nvPr/>
+      </p:nvGrpSpPr>
+      <p:grpSpPr>
+        <a:xfrm>
+          <a:off x="0" y="0"/>
+          <a:ext cx="0" cy="0"/>
+          <a:chOff x="0" y="0"/>
+          <a:chExt cx="0" cy="0"/>
+        </a:xfrm>
+      </p:grpSpPr>
+      <p:sp>
+        <p:nvSpPr>
+          <p:cNvPr id="2" name="Title 1"/>
+          <p:cNvSpPr>
+            <a:spLocks noGrp="1"/>
+          </p:cNvSpPr>
+          <p:nvPr>
+            <p:ph type="title"/>
+          </p:nvPr>
+        </p:nvSpPr>
+        <p:spPr/>
+        <p:txBody>
+          <a:bodyPr/>
+          <a:lstStyle/>
+          <a:p>
+            <a:r>
+              <a:rPr lang="en-US" dirty="0" smtClean="0"/>
+              <a:t>Tools Used</a:t>
+            </a:r>
+            <a:endParaRPr lang="en-US" dirty="0"/>
+          </a:p>
+        </p:txBody>
+      </p:sp>
+      <p:sp>
+        <p:nvSpPr>
+          <p:cNvPr id="3" name="Content Placeholder 2"/>
+          <p:cNvSpPr>
+            <a:spLocks noGrp="1"/>
+          </p:cNvSpPr>
+          <p:nvPr>
+            <p:ph idx="1"/>
+          </p:nvPr>
+        </p:nvSpPr>
+        <p:spPr/>
+        <p:txBody>
+          <a:bodyPr/>
+          <a:lstStyle/>
+          <a:p>
+            <a:r>
               <a:rPr lang="en-US" dirty="0" err="1" smtClean="0"/>
               <a:t>Droid@Screen</a:t>
             </a:r>
@@ -9125,7 +10361,7 @@
               <a:buNone/>
             </a:pPr>
             <a:r>
-              <a:rPr lang="en-US" sz="1600" dirty="0">
+              <a:rPr lang="en-US" sz="2600" dirty="0">
                 <a:solidFill>
                   <a:schemeClr val="tx1">
                     <a:lumMod val="75000"/>
@@ -9136,7 +10372,7 @@
               <a:t>http://</a:t>
             </a:r>
             <a:r>
-              <a:rPr lang="en-US" sz="1600" dirty="0" smtClean="0">
+              <a:rPr lang="en-US" sz="2600" dirty="0" smtClean="0">
                 <a:solidFill>
                   <a:schemeClr val="tx1">
                     <a:lumMod val="75000"/>
@@ -9146,7 +10382,7 @@
               </a:rPr>
               <a:t>playingwithsid.blogspot.com/2012/03/how-to-display-your-android-screen-on.html</a:t>
             </a:r>
-            <a:endParaRPr lang="en-US" sz="1600" dirty="0" smtClean="0">
+            <a:endParaRPr lang="en-US" sz="2600" dirty="0" smtClean="0">
               <a:solidFill>
                 <a:schemeClr val="tx1">
                   <a:lumMod val="75000"/>
@@ -9165,7 +10401,7 @@
               <a:buNone/>
             </a:pPr>
             <a:r>
-              <a:rPr lang="en-US" sz="1600" u="sng" dirty="0">
+              <a:rPr lang="en-US" sz="2600" u="sng" dirty="0">
                 <a:solidFill>
                   <a:schemeClr val="tx1">
                     <a:lumMod val="50000"/>
